--- a/Pervasive_presentation_Milestone1_group8_lele.pptx
+++ b/Pervasive_presentation_Milestone1_group8_lele.pptx
@@ -6,17 +6,21 @@
   </p:sldMasterIdLst>
   <p:sldIdLst>
     <p:sldId id="256" r:id="rId2"/>
-    <p:sldId id="260" r:id="rId3"/>
-    <p:sldId id="276" r:id="rId4"/>
-    <p:sldId id="263" r:id="rId5"/>
-    <p:sldId id="264" r:id="rId6"/>
-    <p:sldId id="277" r:id="rId7"/>
-    <p:sldId id="268" r:id="rId8"/>
-    <p:sldId id="270" r:id="rId9"/>
-    <p:sldId id="271" r:id="rId10"/>
-    <p:sldId id="275" r:id="rId11"/>
-    <p:sldId id="273" r:id="rId12"/>
-    <p:sldId id="274" r:id="rId13"/>
+    <p:sldId id="278" r:id="rId3"/>
+    <p:sldId id="260" r:id="rId4"/>
+    <p:sldId id="276" r:id="rId5"/>
+    <p:sldId id="279" r:id="rId6"/>
+    <p:sldId id="280" r:id="rId7"/>
+    <p:sldId id="263" r:id="rId8"/>
+    <p:sldId id="264" r:id="rId9"/>
+    <p:sldId id="281" r:id="rId10"/>
+    <p:sldId id="277" r:id="rId11"/>
+    <p:sldId id="268" r:id="rId12"/>
+    <p:sldId id="270" r:id="rId13"/>
+    <p:sldId id="271" r:id="rId14"/>
+    <p:sldId id="275" r:id="rId15"/>
+    <p:sldId id="273" r:id="rId16"/>
+    <p:sldId id="274" r:id="rId17"/>
   </p:sldIdLst>
   <p:sldSz cx="12192000" cy="6858000"/>
   <p:notesSz cx="6858000" cy="9144000"/>
@@ -137,20 +141,6 @@
 
 <file path=ppt/revisionInfo.xml><?xml version="1.0" encoding="utf-8"?>
 <p1510:revInfo xmlns:a="http://schemas.openxmlformats.org/drawingml/2006/main" xmlns:r="http://schemas.openxmlformats.org/officeDocument/2006/relationships" xmlns:p1510="http://schemas.microsoft.com/office/powerpoint/2015/10/main"/>
-</file>
-
-<file path=ppt/comments/comment1.xml><?xml version="1.0" encoding="utf-8"?>
-<p:cmLst xmlns:a="http://schemas.openxmlformats.org/drawingml/2006/main" xmlns:r="http://schemas.openxmlformats.org/officeDocument/2006/relationships" xmlns:p="http://schemas.openxmlformats.org/presentationml/2006/main">
-  <p:cm authorId="1" dt="2017-12-11T00:31:44.067" idx="1">
-    <p:pos x="10" y="10"/>
-    <p:text>Dov'è il verde? Dov'è l'output?</p:text>
-    <p:extLst>
-      <p:ext uri="{C676402C-5697-4E1C-873F-D02D1690AC5C}">
-        <p15:threadingInfo xmlns:p15="http://schemas.microsoft.com/office/powerpoint/2012/main" timeZoneBias="-60"/>
-      </p:ext>
-    </p:extLst>
-  </p:cm>
-</p:cmLst>
 </file>
 
 <file path=ppt/diagrams/colors1.xml><?xml version="1.0" encoding="utf-8"?>
@@ -10716,1545 +10706,6 @@
           <p:cNvPr id="2" name="Titolo 1">
             <a:extLst>
               <a:ext uri="{FF2B5EF4-FFF2-40B4-BE49-F238E27FC236}">
-                <a16:creationId xmlns:a16="http://schemas.microsoft.com/office/drawing/2014/main" id="{38982C36-A2B1-41F3-9C14-7C506D1AE1BD}"/>
-              </a:ext>
-            </a:extLst>
-          </p:cNvPr>
-          <p:cNvSpPr>
-            <a:spLocks noGrp="1"/>
-          </p:cNvSpPr>
-          <p:nvPr>
-            <p:ph type="title"/>
-          </p:nvPr>
-        </p:nvSpPr>
-        <p:spPr>
-          <a:xfrm>
-            <a:off x="1371600" y="482600"/>
-            <a:ext cx="9601200" cy="527180"/>
-          </a:xfrm>
-        </p:spPr>
-        <p:txBody>
-          <a:bodyPr>
-            <a:normAutofit fontScale="90000"/>
-          </a:bodyPr>
-          <a:lstStyle/>
-          <a:p>
-            <a:r>
-              <a:rPr lang="en-US" dirty="0"/>
-              <a:t>Stable plane data 2</a:t>
-            </a:r>
-          </a:p>
-        </p:txBody>
-      </p:sp>
-      <p:pic>
-        <p:nvPicPr>
-          <p:cNvPr id="6" name="Segnaposto contenuto 3">
-            <a:extLst>
-              <a:ext uri="{FF2B5EF4-FFF2-40B4-BE49-F238E27FC236}">
-                <a16:creationId xmlns:a16="http://schemas.microsoft.com/office/drawing/2014/main" id="{91E45F35-FD8D-4740-B147-85AF1D23162C}"/>
-              </a:ext>
-            </a:extLst>
-          </p:cNvPr>
-          <p:cNvPicPr>
-            <a:picLocks noChangeAspect="1"/>
-          </p:cNvPicPr>
-          <p:nvPr/>
-        </p:nvPicPr>
-        <p:blipFill rotWithShape="1">
-          <a:blip r:embed="rId2"/>
-          <a:srcRect l="3207" t="10614" r="53547" b="8877"/>
-          <a:stretch/>
-        </p:blipFill>
-        <p:spPr>
-          <a:xfrm>
-            <a:off x="1056224" y="1311844"/>
-            <a:ext cx="9986559" cy="5228916"/>
-          </a:xfrm>
-          <a:prstGeom prst="rect">
-            <a:avLst/>
-          </a:prstGeom>
-        </p:spPr>
-      </p:pic>
-    </p:spTree>
-    <p:extLst>
-      <p:ext uri="{BB962C8B-B14F-4D97-AF65-F5344CB8AC3E}">
-        <p14:creationId xmlns:p14="http://schemas.microsoft.com/office/powerpoint/2010/main" val="2765615842"/>
-      </p:ext>
-    </p:extLst>
-  </p:cSld>
-  <p:clrMapOvr>
-    <a:masterClrMapping/>
-  </p:clrMapOvr>
-</p:sld>
-</file>
-
-<file path=ppt/slides/slide11.xml><?xml version="1.0" encoding="utf-8"?>
-<p:sld xmlns:a="http://schemas.openxmlformats.org/drawingml/2006/main" xmlns:r="http://schemas.openxmlformats.org/officeDocument/2006/relationships" xmlns:p="http://schemas.openxmlformats.org/presentationml/2006/main">
-  <p:cSld>
-    <p:spTree>
-      <p:nvGrpSpPr>
-        <p:cNvPr id="1" name=""/>
-        <p:cNvGrpSpPr/>
-        <p:nvPr/>
-      </p:nvGrpSpPr>
-      <p:grpSpPr>
-        <a:xfrm>
-          <a:off x="0" y="0"/>
-          <a:ext cx="0" cy="0"/>
-          <a:chOff x="0" y="0"/>
-          <a:chExt cx="0" cy="0"/>
-        </a:xfrm>
-      </p:grpSpPr>
-      <p:sp>
-        <p:nvSpPr>
-          <p:cNvPr id="2" name="Titolo 1">
-            <a:extLst>
-              <a:ext uri="{FF2B5EF4-FFF2-40B4-BE49-F238E27FC236}">
-                <a16:creationId xmlns:a16="http://schemas.microsoft.com/office/drawing/2014/main" id="{48F6573A-7508-44BE-99F1-3CCEBDC5E25A}"/>
-              </a:ext>
-            </a:extLst>
-          </p:cNvPr>
-          <p:cNvSpPr>
-            <a:spLocks noGrp="1"/>
-          </p:cNvSpPr>
-          <p:nvPr>
-            <p:ph type="title"/>
-          </p:nvPr>
-        </p:nvSpPr>
-        <p:spPr>
-          <a:xfrm>
-            <a:off x="1166431" y="335279"/>
-            <a:ext cx="9601200" cy="760445"/>
-          </a:xfrm>
-        </p:spPr>
-        <p:txBody>
-          <a:bodyPr/>
-          <a:lstStyle/>
-          <a:p>
-            <a:r>
-              <a:rPr lang="en-US" b="1" dirty="0"/>
-              <a:t>Plane data including disturbances</a:t>
-            </a:r>
-          </a:p>
-        </p:txBody>
-      </p:sp>
-      <p:pic>
-        <p:nvPicPr>
-          <p:cNvPr id="4" name="Segnaposto contenuto 3">
-            <a:extLst>
-              <a:ext uri="{FF2B5EF4-FFF2-40B4-BE49-F238E27FC236}">
-                <a16:creationId xmlns:a16="http://schemas.microsoft.com/office/drawing/2014/main" id="{1C3D3C47-319E-406F-B9B2-4B4CEF380B97}"/>
-              </a:ext>
-            </a:extLst>
-          </p:cNvPr>
-          <p:cNvPicPr>
-            <a:picLocks noGrp="1" noChangeAspect="1"/>
-          </p:cNvPicPr>
-          <p:nvPr>
-            <p:ph idx="1"/>
-          </p:nvPr>
-        </p:nvPicPr>
-        <p:blipFill rotWithShape="1">
-          <a:blip r:embed="rId2"/>
-          <a:srcRect l="2720" t="9255" r="53646" b="9198"/>
-          <a:stretch/>
-        </p:blipFill>
-        <p:spPr>
-          <a:xfrm>
-            <a:off x="955467" y="1254439"/>
-            <a:ext cx="10023128" cy="5268282"/>
-          </a:xfrm>
-          <a:prstGeom prst="rect">
-            <a:avLst/>
-          </a:prstGeom>
-        </p:spPr>
-      </p:pic>
-    </p:spTree>
-    <p:extLst>
-      <p:ext uri="{BB962C8B-B14F-4D97-AF65-F5344CB8AC3E}">
-        <p14:creationId xmlns:p14="http://schemas.microsoft.com/office/powerpoint/2010/main" val="1378876498"/>
-      </p:ext>
-    </p:extLst>
-  </p:cSld>
-  <p:clrMapOvr>
-    <a:masterClrMapping/>
-  </p:clrMapOvr>
-</p:sld>
-</file>
-
-<file path=ppt/slides/slide12.xml><?xml version="1.0" encoding="utf-8"?>
-<p:sld xmlns:a="http://schemas.openxmlformats.org/drawingml/2006/main" xmlns:r="http://schemas.openxmlformats.org/officeDocument/2006/relationships" xmlns:p="http://schemas.openxmlformats.org/presentationml/2006/main">
-  <p:cSld>
-    <p:spTree>
-      <p:nvGrpSpPr>
-        <p:cNvPr id="1" name=""/>
-        <p:cNvGrpSpPr/>
-        <p:nvPr/>
-      </p:nvGrpSpPr>
-      <p:grpSpPr>
-        <a:xfrm>
-          <a:off x="0" y="0"/>
-          <a:ext cx="0" cy="0"/>
-          <a:chOff x="0" y="0"/>
-          <a:chExt cx="0" cy="0"/>
-        </a:xfrm>
-      </p:grpSpPr>
-      <p:sp>
-        <p:nvSpPr>
-          <p:cNvPr id="2" name="Titolo 1">
-            <a:extLst>
-              <a:ext uri="{FF2B5EF4-FFF2-40B4-BE49-F238E27FC236}">
-                <a16:creationId xmlns:a16="http://schemas.microsoft.com/office/drawing/2014/main" id="{71B83AFD-44CF-4B99-82FE-6DE35DD40FE8}"/>
-              </a:ext>
-            </a:extLst>
-          </p:cNvPr>
-          <p:cNvSpPr>
-            <a:spLocks noGrp="1"/>
-          </p:cNvSpPr>
-          <p:nvPr>
-            <p:ph type="title"/>
-          </p:nvPr>
-        </p:nvSpPr>
-        <p:spPr>
-          <a:xfrm>
-            <a:off x="1278292" y="240264"/>
-            <a:ext cx="10562253" cy="767442"/>
-          </a:xfrm>
-        </p:spPr>
-        <p:txBody>
-          <a:bodyPr>
-            <a:normAutofit fontScale="90000"/>
-          </a:bodyPr>
-          <a:lstStyle/>
-          <a:p>
-            <a:r>
-              <a:rPr lang="en-US" dirty="0"/>
-              <a:t>Model identification and data checking results</a:t>
-            </a:r>
-            <a:br>
-              <a:rPr lang="en-US" dirty="0"/>
-            </a:br>
-            <a:endParaRPr lang="en-US" dirty="0"/>
-          </a:p>
-        </p:txBody>
-      </p:sp>
-      <p:pic>
-        <p:nvPicPr>
-          <p:cNvPr id="4" name="Segnaposto contenuto 3">
-            <a:extLst>
-              <a:ext uri="{FF2B5EF4-FFF2-40B4-BE49-F238E27FC236}">
-                <a16:creationId xmlns:a16="http://schemas.microsoft.com/office/drawing/2014/main" id="{601DFCB2-2BC5-46CE-8ACE-CE386EEBB51F}"/>
-              </a:ext>
-            </a:extLst>
-          </p:cNvPr>
-          <p:cNvPicPr>
-            <a:picLocks noGrp="1" noChangeAspect="1"/>
-          </p:cNvPicPr>
-          <p:nvPr>
-            <p:ph idx="1"/>
-          </p:nvPr>
-        </p:nvPicPr>
-        <p:blipFill rotWithShape="1">
-          <a:blip r:embed="rId2"/>
-          <a:srcRect l="2915" t="10983" r="52575" b="8161"/>
-          <a:stretch/>
-        </p:blipFill>
-        <p:spPr>
-          <a:xfrm>
-            <a:off x="1092249" y="1007706"/>
-            <a:ext cx="10841604" cy="5539162"/>
-          </a:xfrm>
-          <a:prstGeom prst="rect">
-            <a:avLst/>
-          </a:prstGeom>
-        </p:spPr>
-      </p:pic>
-      <p:sp>
-        <p:nvSpPr>
-          <p:cNvPr id="5" name="CasellaDiTesto 4">
-            <a:extLst>
-              <a:ext uri="{FF2B5EF4-FFF2-40B4-BE49-F238E27FC236}">
-                <a16:creationId xmlns:a16="http://schemas.microsoft.com/office/drawing/2014/main" id="{64418ABF-295A-4EA8-A2B2-A5A6F9DFBC0F}"/>
-              </a:ext>
-            </a:extLst>
-          </p:cNvPr>
-          <p:cNvSpPr txBox="1"/>
-          <p:nvPr/>
-        </p:nvSpPr>
-        <p:spPr>
-          <a:xfrm>
-            <a:off x="9671387" y="1521702"/>
-            <a:ext cx="1531188" cy="369332"/>
-          </a:xfrm>
-          <a:prstGeom prst="rect">
-            <a:avLst/>
-          </a:prstGeom>
-          <a:noFill/>
-        </p:spPr>
-        <p:txBody>
-          <a:bodyPr wrap="none" rtlCol="0">
-            <a:spAutoFit/>
-          </a:bodyPr>
-          <a:lstStyle/>
-          <a:p>
-            <a:r>
-              <a:rPr lang="en-US" dirty="0"/>
-              <a:t>Stable plain 1</a:t>
-            </a:r>
-          </a:p>
-        </p:txBody>
-      </p:sp>
-      <p:sp>
-        <p:nvSpPr>
-          <p:cNvPr id="6" name="CasellaDiTesto 5">
-            <a:extLst>
-              <a:ext uri="{FF2B5EF4-FFF2-40B4-BE49-F238E27FC236}">
-                <a16:creationId xmlns:a16="http://schemas.microsoft.com/office/drawing/2014/main" id="{309E8A29-63EB-445E-8717-C8A105BD0DE9}"/>
-              </a:ext>
-            </a:extLst>
-          </p:cNvPr>
-          <p:cNvSpPr txBox="1"/>
-          <p:nvPr/>
-        </p:nvSpPr>
-        <p:spPr>
-          <a:xfrm>
-            <a:off x="9777919" y="3244334"/>
-            <a:ext cx="1531188" cy="369332"/>
-          </a:xfrm>
-          <a:prstGeom prst="rect">
-            <a:avLst/>
-          </a:prstGeom>
-          <a:noFill/>
-        </p:spPr>
-        <p:txBody>
-          <a:bodyPr wrap="none" rtlCol="0">
-            <a:spAutoFit/>
-          </a:bodyPr>
-          <a:lstStyle/>
-          <a:p>
-            <a:r>
-              <a:rPr lang="en-US" dirty="0"/>
-              <a:t>Stable plain 2</a:t>
-            </a:r>
-          </a:p>
-        </p:txBody>
-      </p:sp>
-      <p:sp>
-        <p:nvSpPr>
-          <p:cNvPr id="7" name="CasellaDiTesto 6">
-            <a:extLst>
-              <a:ext uri="{FF2B5EF4-FFF2-40B4-BE49-F238E27FC236}">
-                <a16:creationId xmlns:a16="http://schemas.microsoft.com/office/drawing/2014/main" id="{C1BCB9A3-276A-4FE9-899F-5B1CB1BD1F97}"/>
-              </a:ext>
-            </a:extLst>
-          </p:cNvPr>
-          <p:cNvSpPr txBox="1"/>
-          <p:nvPr/>
-        </p:nvSpPr>
-        <p:spPr>
-          <a:xfrm>
-            <a:off x="9671387" y="4966966"/>
-            <a:ext cx="1667444" cy="369332"/>
-          </a:xfrm>
-          <a:prstGeom prst="rect">
-            <a:avLst/>
-          </a:prstGeom>
-          <a:noFill/>
-        </p:spPr>
-        <p:txBody>
-          <a:bodyPr wrap="none" rtlCol="0">
-            <a:spAutoFit/>
-          </a:bodyPr>
-          <a:lstStyle/>
-          <a:p>
-            <a:r>
-              <a:rPr lang="en-US" dirty="0"/>
-              <a:t>Disturbed plain</a:t>
-            </a:r>
-          </a:p>
-        </p:txBody>
-      </p:sp>
-    </p:spTree>
-    <p:extLst>
-      <p:ext uri="{BB962C8B-B14F-4D97-AF65-F5344CB8AC3E}">
-        <p14:creationId xmlns:p14="http://schemas.microsoft.com/office/powerpoint/2010/main" val="3699517766"/>
-      </p:ext>
-    </p:extLst>
-  </p:cSld>
-  <p:clrMapOvr>
-    <a:masterClrMapping/>
-  </p:clrMapOvr>
-</p:sld>
-</file>
-
-<file path=ppt/slides/slide2.xml><?xml version="1.0" encoding="utf-8"?>
-<p:sld xmlns:a="http://schemas.openxmlformats.org/drawingml/2006/main" xmlns:r="http://schemas.openxmlformats.org/officeDocument/2006/relationships" xmlns:p="http://schemas.openxmlformats.org/presentationml/2006/main">
-  <p:cSld>
-    <p:spTree>
-      <p:nvGrpSpPr>
-        <p:cNvPr id="1" name=""/>
-        <p:cNvGrpSpPr/>
-        <p:nvPr/>
-      </p:nvGrpSpPr>
-      <p:grpSpPr>
-        <a:xfrm>
-          <a:off x="0" y="0"/>
-          <a:ext cx="0" cy="0"/>
-          <a:chOff x="0" y="0"/>
-          <a:chExt cx="0" cy="0"/>
-        </a:xfrm>
-      </p:grpSpPr>
-      <p:sp>
-        <p:nvSpPr>
-          <p:cNvPr id="2" name="Titolo 1">
-            <a:extLst>
-              <a:ext uri="{FF2B5EF4-FFF2-40B4-BE49-F238E27FC236}">
-                <a16:creationId xmlns:a16="http://schemas.microsoft.com/office/drawing/2014/main" id="{2676B041-2A6A-4F74-A4D6-BC4E3AFAA838}"/>
-              </a:ext>
-            </a:extLst>
-          </p:cNvPr>
-          <p:cNvSpPr>
-            <a:spLocks noGrp="1"/>
-          </p:cNvSpPr>
-          <p:nvPr>
-            <p:ph type="title"/>
-          </p:nvPr>
-        </p:nvSpPr>
-        <p:spPr/>
-        <p:txBody>
-          <a:bodyPr/>
-          <a:lstStyle/>
-          <a:p>
-            <a:pPr algn="ctr"/>
-            <a:r>
-              <a:rPr lang="en-US" dirty="0"/>
-              <a:t>Capturing the motor properties</a:t>
-            </a:r>
-          </a:p>
-        </p:txBody>
-      </p:sp>
-      <p:sp>
-        <p:nvSpPr>
-          <p:cNvPr id="3" name="Segnaposto contenuto 2">
-            <a:extLst>
-              <a:ext uri="{FF2B5EF4-FFF2-40B4-BE49-F238E27FC236}">
-                <a16:creationId xmlns:a16="http://schemas.microsoft.com/office/drawing/2014/main" id="{F695A7F4-0B3B-4849-8BFB-3B238FC36196}"/>
-              </a:ext>
-            </a:extLst>
-          </p:cNvPr>
-          <p:cNvSpPr>
-            <a:spLocks noGrp="1"/>
-          </p:cNvSpPr>
-          <p:nvPr>
-            <p:ph idx="1"/>
-          </p:nvPr>
-        </p:nvSpPr>
-        <p:spPr>
-          <a:xfrm>
-            <a:off x="1130300" y="1660562"/>
-            <a:ext cx="9931400" cy="4572000"/>
-          </a:xfrm>
-        </p:spPr>
-        <p:txBody>
-          <a:bodyPr>
-            <a:normAutofit/>
-          </a:bodyPr>
-          <a:lstStyle/>
-          <a:p>
-            <a:pPr marL="0" indent="0" algn="just">
-              <a:buNone/>
-            </a:pPr>
-            <a:r>
-              <a:rPr lang="en-US" sz="2400" dirty="0"/>
-              <a:t>We have two main tasks to tackle:</a:t>
-            </a:r>
-          </a:p>
-          <a:p>
-            <a:pPr marL="514350" indent="-514350" algn="just">
-              <a:buFont typeface="+mj-lt"/>
-              <a:buAutoNum type="arabicPeriod"/>
-            </a:pPr>
-            <a:r>
-              <a:rPr lang="en-US" sz="2400" b="1" dirty="0"/>
-              <a:t>Data acquisition:</a:t>
-            </a:r>
-            <a:r>
-              <a:rPr lang="en-US" sz="2400" dirty="0"/>
-              <a:t> we will sense data using the </a:t>
-            </a:r>
-            <a:r>
-              <a:rPr lang="en-US" sz="2400" dirty="0" err="1"/>
-              <a:t>BlueCoin</a:t>
-            </a:r>
-            <a:r>
-              <a:rPr lang="en-US" sz="2400" dirty="0"/>
-              <a:t> board, and then collect them</a:t>
-            </a:r>
-          </a:p>
-          <a:p>
-            <a:pPr lvl="1" algn="just"/>
-            <a:r>
-              <a:rPr lang="en-US" sz="2400" b="1" i="0" u="sng" dirty="0"/>
-              <a:t>The prototype we are developing in this iteration will sense data on a testbed, and record them offline on an SD card</a:t>
-            </a:r>
-          </a:p>
-          <a:p>
-            <a:pPr lvl="1" algn="just"/>
-            <a:r>
-              <a:rPr lang="en-US" sz="2400" dirty="0"/>
-              <a:t>Future iterations could provide real time data sensing and collection. This configuration will need to handle further concerns, like energy efficiency (harvesting?)</a:t>
-            </a:r>
-          </a:p>
-        </p:txBody>
-      </p:sp>
-    </p:spTree>
-    <p:extLst>
-      <p:ext uri="{BB962C8B-B14F-4D97-AF65-F5344CB8AC3E}">
-        <p14:creationId xmlns:p14="http://schemas.microsoft.com/office/powerpoint/2010/main" val="1525512371"/>
-      </p:ext>
-    </p:extLst>
-  </p:cSld>
-  <p:clrMapOvr>
-    <a:masterClrMapping/>
-  </p:clrMapOvr>
-</p:sld>
-</file>
-
-<file path=ppt/slides/slide3.xml><?xml version="1.0" encoding="utf-8"?>
-<p:sld xmlns:a="http://schemas.openxmlformats.org/drawingml/2006/main" xmlns:r="http://schemas.openxmlformats.org/officeDocument/2006/relationships" xmlns:p="http://schemas.openxmlformats.org/presentationml/2006/main">
-  <p:cSld>
-    <p:spTree>
-      <p:nvGrpSpPr>
-        <p:cNvPr id="1" name=""/>
-        <p:cNvGrpSpPr/>
-        <p:nvPr/>
-      </p:nvGrpSpPr>
-      <p:grpSpPr>
-        <a:xfrm>
-          <a:off x="0" y="0"/>
-          <a:ext cx="0" cy="0"/>
-          <a:chOff x="0" y="0"/>
-          <a:chExt cx="0" cy="0"/>
-        </a:xfrm>
-      </p:grpSpPr>
-      <p:sp>
-        <p:nvSpPr>
-          <p:cNvPr id="2" name="Titolo 1">
-            <a:extLst>
-              <a:ext uri="{FF2B5EF4-FFF2-40B4-BE49-F238E27FC236}">
-                <a16:creationId xmlns:a16="http://schemas.microsoft.com/office/drawing/2014/main" id="{7A62D75F-FCBC-4F9C-9A8C-2BF4246E4E08}"/>
-              </a:ext>
-            </a:extLst>
-          </p:cNvPr>
-          <p:cNvSpPr>
-            <a:spLocks noGrp="1"/>
-          </p:cNvSpPr>
-          <p:nvPr>
-            <p:ph type="title"/>
-          </p:nvPr>
-        </p:nvSpPr>
-        <p:spPr/>
-        <p:txBody>
-          <a:bodyPr/>
-          <a:lstStyle/>
-          <a:p>
-            <a:r>
-              <a:rPr lang="en-US" dirty="0"/>
-              <a:t>Capturing the motor properties</a:t>
-            </a:r>
-            <a:endParaRPr lang="it-IT" dirty="0"/>
-          </a:p>
-        </p:txBody>
-      </p:sp>
-      <p:sp>
-        <p:nvSpPr>
-          <p:cNvPr id="3" name="Segnaposto contenuto 2">
-            <a:extLst>
-              <a:ext uri="{FF2B5EF4-FFF2-40B4-BE49-F238E27FC236}">
-                <a16:creationId xmlns:a16="http://schemas.microsoft.com/office/drawing/2014/main" id="{465C9DF9-67B8-4B44-9692-28B6AB9DDCED}"/>
-              </a:ext>
-            </a:extLst>
-          </p:cNvPr>
-          <p:cNvSpPr>
-            <a:spLocks noGrp="1"/>
-          </p:cNvSpPr>
-          <p:nvPr>
-            <p:ph idx="1"/>
-          </p:nvPr>
-        </p:nvSpPr>
-        <p:spPr>
-          <a:xfrm>
-            <a:off x="1103312" y="1920838"/>
-            <a:ext cx="8946541" cy="4195481"/>
-          </a:xfrm>
-        </p:spPr>
-        <p:txBody>
-          <a:bodyPr/>
-          <a:lstStyle/>
-          <a:p>
-            <a:pPr marL="514350" indent="-514350" algn="just">
-              <a:buFont typeface="+mj-lt"/>
-              <a:buAutoNum type="arabicPeriod" startAt="2"/>
-            </a:pPr>
-            <a:r>
-              <a:rPr lang="en-US" b="1" dirty="0"/>
-              <a:t>Model identification</a:t>
-            </a:r>
-            <a:r>
-              <a:rPr lang="en-US" dirty="0"/>
-              <a:t>: we will feed these data into a modeling algorithm, which will estimate the system characteristics</a:t>
-            </a:r>
-          </a:p>
-          <a:p>
-            <a:pPr lvl="1" algn="just"/>
-            <a:r>
-              <a:rPr lang="en-US" sz="2400" b="1" u="sng" dirty="0"/>
-              <a:t>We are testing an advanced model identification algorithm</a:t>
-            </a:r>
-            <a:r>
-              <a:rPr lang="en-US" sz="2400" b="1" dirty="0"/>
-              <a:t> </a:t>
-            </a:r>
-            <a:r>
-              <a:rPr lang="en-US" sz="2400" dirty="0"/>
-              <a:t>which should provide accurate modeling capabilities. </a:t>
-            </a:r>
-          </a:p>
-          <a:p>
-            <a:pPr lvl="1" algn="just"/>
-            <a:r>
-              <a:rPr lang="en-US" sz="2400" dirty="0"/>
-              <a:t>If this algorithm won’t prove to be effective to this particular application, we have a simpler backup alternative available</a:t>
-            </a:r>
-          </a:p>
-        </p:txBody>
-      </p:sp>
-    </p:spTree>
-    <p:extLst>
-      <p:ext uri="{BB962C8B-B14F-4D97-AF65-F5344CB8AC3E}">
-        <p14:creationId xmlns:p14="http://schemas.microsoft.com/office/powerpoint/2010/main" val="26293034"/>
-      </p:ext>
-    </p:extLst>
-  </p:cSld>
-  <p:clrMapOvr>
-    <a:masterClrMapping/>
-  </p:clrMapOvr>
-</p:sld>
-</file>
-
-<file path=ppt/slides/slide4.xml><?xml version="1.0" encoding="utf-8"?>
-<p:sld xmlns:a="http://schemas.openxmlformats.org/drawingml/2006/main" xmlns:r="http://schemas.openxmlformats.org/officeDocument/2006/relationships" xmlns:p="http://schemas.openxmlformats.org/presentationml/2006/main">
-  <p:cSld>
-    <p:spTree>
-      <p:nvGrpSpPr>
-        <p:cNvPr id="1" name=""/>
-        <p:cNvGrpSpPr/>
-        <p:nvPr/>
-      </p:nvGrpSpPr>
-      <p:grpSpPr>
-        <a:xfrm>
-          <a:off x="0" y="0"/>
-          <a:ext cx="0" cy="0"/>
-          <a:chOff x="0" y="0"/>
-          <a:chExt cx="0" cy="0"/>
-        </a:xfrm>
-      </p:grpSpPr>
-      <p:sp>
-        <p:nvSpPr>
-          <p:cNvPr id="2" name="Titolo 1">
-            <a:extLst>
-              <a:ext uri="{FF2B5EF4-FFF2-40B4-BE49-F238E27FC236}">
-                <a16:creationId xmlns:a16="http://schemas.microsoft.com/office/drawing/2014/main" id="{0B22BC0E-73AF-4669-8BBD-9EC67D2695EE}"/>
-              </a:ext>
-            </a:extLst>
-          </p:cNvPr>
-          <p:cNvSpPr>
-            <a:spLocks noGrp="1"/>
-          </p:cNvSpPr>
-          <p:nvPr>
-            <p:ph type="title"/>
-          </p:nvPr>
-        </p:nvSpPr>
-        <p:spPr>
-          <a:xfrm>
-            <a:off x="646111" y="351118"/>
-            <a:ext cx="9404723" cy="1400530"/>
-          </a:xfrm>
-        </p:spPr>
-        <p:txBody>
-          <a:bodyPr/>
-          <a:lstStyle/>
-          <a:p>
-            <a:pPr algn="ctr"/>
-            <a:r>
-              <a:rPr lang="en-US" b="1" dirty="0"/>
-              <a:t>Adaptivity</a:t>
-            </a:r>
-          </a:p>
-        </p:txBody>
-      </p:sp>
-      <p:sp>
-        <p:nvSpPr>
-          <p:cNvPr id="3" name="Segnaposto contenuto 2">
-            <a:extLst>
-              <a:ext uri="{FF2B5EF4-FFF2-40B4-BE49-F238E27FC236}">
-                <a16:creationId xmlns:a16="http://schemas.microsoft.com/office/drawing/2014/main" id="{EE9629A9-6146-4F44-9EDF-5D86C3A2C39D}"/>
-              </a:ext>
-            </a:extLst>
-          </p:cNvPr>
-          <p:cNvSpPr>
-            <a:spLocks noGrp="1"/>
-          </p:cNvSpPr>
-          <p:nvPr>
-            <p:ph idx="1"/>
-          </p:nvPr>
-        </p:nvSpPr>
-        <p:spPr>
-          <a:xfrm>
-            <a:off x="1016000" y="1625600"/>
-            <a:ext cx="9804400" cy="4135120"/>
-          </a:xfrm>
-        </p:spPr>
-        <p:txBody>
-          <a:bodyPr>
-            <a:noAutofit/>
-          </a:bodyPr>
-          <a:lstStyle/>
-          <a:p>
-            <a:pPr algn="just"/>
-            <a:r>
-              <a:rPr lang="en-US" sz="2400" dirty="0"/>
-              <a:t>Every motor will have a different dynamic, depending on the working regime, its past usage, the load applied… </a:t>
-            </a:r>
-          </a:p>
-          <a:p>
-            <a:pPr algn="just"/>
-            <a:r>
-              <a:rPr lang="en-US" sz="2400" b="1" u="sng" dirty="0"/>
-              <a:t>For this iteration, we are developing an prototype which will identify a basic model of the motor in a clean environment, free of interferences, at a given regime.</a:t>
-            </a:r>
-            <a:r>
-              <a:rPr lang="en-US" sz="2400" b="1" dirty="0"/>
-              <a:t> </a:t>
-            </a:r>
-            <a:r>
-              <a:rPr lang="en-US" sz="2400" dirty="0"/>
-              <a:t>Comparisons will be made on this data after an alteration of the system.</a:t>
-            </a:r>
-          </a:p>
-          <a:p>
-            <a:pPr algn="just"/>
-            <a:r>
-              <a:rPr lang="en-US" dirty="0"/>
-              <a:t>An advanced, adaptive identification system taking all these factors into account could be explored in future iterations. </a:t>
-            </a:r>
-          </a:p>
-        </p:txBody>
-      </p:sp>
-    </p:spTree>
-    <p:extLst>
-      <p:ext uri="{BB962C8B-B14F-4D97-AF65-F5344CB8AC3E}">
-        <p14:creationId xmlns:p14="http://schemas.microsoft.com/office/powerpoint/2010/main" val="163688200"/>
-      </p:ext>
-    </p:extLst>
-  </p:cSld>
-  <p:clrMapOvr>
-    <a:masterClrMapping/>
-  </p:clrMapOvr>
-</p:sld>
-</file>
-
-<file path=ppt/slides/slide5.xml><?xml version="1.0" encoding="utf-8"?>
-<p:sld xmlns:a="http://schemas.openxmlformats.org/drawingml/2006/main" xmlns:r="http://schemas.openxmlformats.org/officeDocument/2006/relationships" xmlns:p="http://schemas.openxmlformats.org/presentationml/2006/main">
-  <p:cSld>
-    <p:spTree>
-      <p:nvGrpSpPr>
-        <p:cNvPr id="1" name=""/>
-        <p:cNvGrpSpPr/>
-        <p:nvPr/>
-      </p:nvGrpSpPr>
-      <p:grpSpPr>
-        <a:xfrm>
-          <a:off x="0" y="0"/>
-          <a:ext cx="0" cy="0"/>
-          <a:chOff x="0" y="0"/>
-          <a:chExt cx="0" cy="0"/>
-        </a:xfrm>
-      </p:grpSpPr>
-      <p:graphicFrame>
-        <p:nvGraphicFramePr>
-          <p:cNvPr id="30" name="Segnaposto contenuto 3">
-            <a:extLst>
-              <a:ext uri="{FF2B5EF4-FFF2-40B4-BE49-F238E27FC236}">
-                <a16:creationId xmlns:a16="http://schemas.microsoft.com/office/drawing/2014/main" id="{2CA57FE3-CBF0-41EE-93A3-7550B068E041}"/>
-              </a:ext>
-            </a:extLst>
-          </p:cNvPr>
-          <p:cNvGraphicFramePr>
-            <a:graphicFrameLocks/>
-          </p:cNvGraphicFramePr>
-          <p:nvPr>
-            <p:extLst>
-              <p:ext uri="{D42A27DB-BD31-4B8C-83A1-F6EECF244321}">
-                <p14:modId xmlns:p14="http://schemas.microsoft.com/office/powerpoint/2010/main" val="3856914944"/>
-              </p:ext>
-            </p:extLst>
-          </p:nvPr>
-        </p:nvGraphicFramePr>
-        <p:xfrm>
-          <a:off x="6298023" y="1284500"/>
-          <a:ext cx="5511744" cy="5220070"/>
-        </p:xfrm>
-        <a:graphic>
-          <a:graphicData uri="http://schemas.openxmlformats.org/drawingml/2006/diagram">
-            <dgm:relIds xmlns:dgm="http://schemas.openxmlformats.org/drawingml/2006/diagram" xmlns:r="http://schemas.openxmlformats.org/officeDocument/2006/relationships" r:dm="rId2" r:lo="rId3" r:qs="rId4" r:cs="rId5"/>
-          </a:graphicData>
-        </a:graphic>
-      </p:graphicFrame>
-      <p:sp>
-        <p:nvSpPr>
-          <p:cNvPr id="2" name="Titolo 1">
-            <a:extLst>
-              <a:ext uri="{FF2B5EF4-FFF2-40B4-BE49-F238E27FC236}">
-                <a16:creationId xmlns:a16="http://schemas.microsoft.com/office/drawing/2014/main" id="{F909ECA4-8B8D-418A-9CFD-34617E8328BE}"/>
-              </a:ext>
-            </a:extLst>
-          </p:cNvPr>
-          <p:cNvSpPr>
-            <a:spLocks noGrp="1"/>
-          </p:cNvSpPr>
-          <p:nvPr>
-            <p:ph type="title"/>
-          </p:nvPr>
-        </p:nvSpPr>
-        <p:spPr>
-          <a:xfrm>
-            <a:off x="838200" y="290712"/>
-            <a:ext cx="10515600" cy="1325563"/>
-          </a:xfrm>
-        </p:spPr>
-        <p:txBody>
-          <a:bodyPr/>
-          <a:lstStyle/>
-          <a:p>
-            <a:pPr algn="ctr"/>
-            <a:r>
-              <a:rPr lang="en-US" dirty="0"/>
-              <a:t>Overall work cycle</a:t>
-            </a:r>
-          </a:p>
-        </p:txBody>
-      </p:sp>
-      <p:graphicFrame>
-        <p:nvGraphicFramePr>
-          <p:cNvPr id="4" name="Segnaposto contenuto 3">
-            <a:extLst>
-              <a:ext uri="{FF2B5EF4-FFF2-40B4-BE49-F238E27FC236}">
-                <a16:creationId xmlns:a16="http://schemas.microsoft.com/office/drawing/2014/main" id="{910F84E3-0115-4241-A6D0-BEA5F24E14DA}"/>
-              </a:ext>
-            </a:extLst>
-          </p:cNvPr>
-          <p:cNvGraphicFramePr>
-            <a:graphicFrameLocks noGrp="1"/>
-          </p:cNvGraphicFramePr>
-          <p:nvPr>
-            <p:ph idx="1"/>
-            <p:extLst>
-              <p:ext uri="{D42A27DB-BD31-4B8C-83A1-F6EECF244321}">
-                <p14:modId xmlns:p14="http://schemas.microsoft.com/office/powerpoint/2010/main" val="453518116"/>
-              </p:ext>
-            </p:extLst>
-          </p:nvPr>
-        </p:nvGraphicFramePr>
-        <p:xfrm>
-          <a:off x="838200" y="1284500"/>
-          <a:ext cx="5076000" cy="5220070"/>
-        </p:xfrm>
-        <a:graphic>
-          <a:graphicData uri="http://schemas.openxmlformats.org/drawingml/2006/diagram">
-            <dgm:relIds xmlns:dgm="http://schemas.openxmlformats.org/drawingml/2006/diagram" xmlns:r="http://schemas.openxmlformats.org/officeDocument/2006/relationships" r:dm="rId7" r:lo="rId8" r:qs="rId9" r:cs="rId10"/>
-          </a:graphicData>
-        </a:graphic>
-      </p:graphicFrame>
-      <p:sp>
-        <p:nvSpPr>
-          <p:cNvPr id="6" name="Ovale 5">
-            <a:extLst>
-              <a:ext uri="{FF2B5EF4-FFF2-40B4-BE49-F238E27FC236}">
-                <a16:creationId xmlns:a16="http://schemas.microsoft.com/office/drawing/2014/main" id="{171F6307-4D37-429B-A1E1-FA6F8631803C}"/>
-              </a:ext>
-            </a:extLst>
-          </p:cNvPr>
-          <p:cNvSpPr/>
-          <p:nvPr/>
-        </p:nvSpPr>
-        <p:spPr>
-          <a:xfrm>
-            <a:off x="1386905" y="2284346"/>
-            <a:ext cx="1915257" cy="1404714"/>
-          </a:xfrm>
-          <a:prstGeom prst="ellipse">
-            <a:avLst/>
-          </a:prstGeom>
-        </p:spPr>
-        <p:style>
-          <a:lnRef idx="2">
-            <a:schemeClr val="accent1">
-              <a:shade val="50000"/>
-            </a:schemeClr>
-          </a:lnRef>
-          <a:fillRef idx="1">
-            <a:schemeClr val="accent1"/>
-          </a:fillRef>
-          <a:effectRef idx="0">
-            <a:schemeClr val="accent1"/>
-          </a:effectRef>
-          <a:fontRef idx="minor">
-            <a:schemeClr val="lt1"/>
-          </a:fontRef>
-        </p:style>
-        <p:txBody>
-          <a:bodyPr rtlCol="0" anchor="ctr"/>
-          <a:lstStyle/>
-          <a:p>
-            <a:pPr algn="ctr"/>
-            <a:r>
-              <a:rPr lang="en-US" dirty="0"/>
-              <a:t>Blue coin installation on motor </a:t>
-            </a:r>
-          </a:p>
-        </p:txBody>
-      </p:sp>
-      <p:sp>
-        <p:nvSpPr>
-          <p:cNvPr id="7" name="Ovale 6">
-            <a:extLst>
-              <a:ext uri="{FF2B5EF4-FFF2-40B4-BE49-F238E27FC236}">
-                <a16:creationId xmlns:a16="http://schemas.microsoft.com/office/drawing/2014/main" id="{7D2481BC-556D-4A5B-8ACC-76105A174A3F}"/>
-              </a:ext>
-            </a:extLst>
-          </p:cNvPr>
-          <p:cNvSpPr/>
-          <p:nvPr/>
-        </p:nvSpPr>
-        <p:spPr>
-          <a:xfrm>
-            <a:off x="3408837" y="2850527"/>
-            <a:ext cx="2435399" cy="1540204"/>
-          </a:xfrm>
-          <a:prstGeom prst="ellipse">
-            <a:avLst/>
-          </a:prstGeom>
-        </p:spPr>
-        <p:style>
-          <a:lnRef idx="2">
-            <a:schemeClr val="accent1">
-              <a:shade val="50000"/>
-            </a:schemeClr>
-          </a:lnRef>
-          <a:fillRef idx="1">
-            <a:schemeClr val="accent1"/>
-          </a:fillRef>
-          <a:effectRef idx="0">
-            <a:schemeClr val="accent1"/>
-          </a:effectRef>
-          <a:fontRef idx="minor">
-            <a:schemeClr val="lt1"/>
-          </a:fontRef>
-        </p:style>
-        <p:txBody>
-          <a:bodyPr rtlCol="0" anchor="ctr"/>
-          <a:lstStyle/>
-          <a:p>
-            <a:pPr algn="ctr"/>
-            <a:r>
-              <a:rPr lang="en-US" dirty="0"/>
-              <a:t>Model identification</a:t>
-            </a:r>
-          </a:p>
-        </p:txBody>
-      </p:sp>
-      <p:sp>
-        <p:nvSpPr>
-          <p:cNvPr id="8" name="Freccia a destra 7">
-            <a:extLst>
-              <a:ext uri="{FF2B5EF4-FFF2-40B4-BE49-F238E27FC236}">
-                <a16:creationId xmlns:a16="http://schemas.microsoft.com/office/drawing/2014/main" id="{D19DE539-9226-4A1E-8C13-A31CD290B866}"/>
-              </a:ext>
-            </a:extLst>
-          </p:cNvPr>
-          <p:cNvSpPr/>
-          <p:nvPr/>
-        </p:nvSpPr>
-        <p:spPr>
-          <a:xfrm rot="5400000">
-            <a:off x="1985886" y="3918426"/>
-            <a:ext cx="667748" cy="496528"/>
-          </a:xfrm>
-          <a:prstGeom prst="rightArrow">
-            <a:avLst/>
-          </a:prstGeom>
-        </p:spPr>
-        <p:style>
-          <a:lnRef idx="2">
-            <a:schemeClr val="accent1">
-              <a:shade val="50000"/>
-            </a:schemeClr>
-          </a:lnRef>
-          <a:fillRef idx="1">
-            <a:schemeClr val="accent1"/>
-          </a:fillRef>
-          <a:effectRef idx="0">
-            <a:schemeClr val="accent1"/>
-          </a:effectRef>
-          <a:fontRef idx="minor">
-            <a:schemeClr val="lt1"/>
-          </a:fontRef>
-        </p:style>
-        <p:txBody>
-          <a:bodyPr rtlCol="0" anchor="ctr"/>
-          <a:lstStyle/>
-          <a:p>
-            <a:pPr algn="ctr"/>
-            <a:endParaRPr lang="en-US"/>
-          </a:p>
-        </p:txBody>
-      </p:sp>
-      <p:sp>
-        <p:nvSpPr>
-          <p:cNvPr id="10" name="Ovale 9">
-            <a:extLst>
-              <a:ext uri="{FF2B5EF4-FFF2-40B4-BE49-F238E27FC236}">
-                <a16:creationId xmlns:a16="http://schemas.microsoft.com/office/drawing/2014/main" id="{7D2481BC-556D-4A5B-8ACC-76105A174A3F}"/>
-              </a:ext>
-            </a:extLst>
-          </p:cNvPr>
-          <p:cNvSpPr/>
-          <p:nvPr/>
-        </p:nvSpPr>
-        <p:spPr>
-          <a:xfrm>
-            <a:off x="1409158" y="4680141"/>
-            <a:ext cx="1915257" cy="1492843"/>
-          </a:xfrm>
-          <a:prstGeom prst="ellipse">
-            <a:avLst/>
-          </a:prstGeom>
-        </p:spPr>
-        <p:style>
-          <a:lnRef idx="2">
-            <a:schemeClr val="accent1">
-              <a:shade val="50000"/>
-            </a:schemeClr>
-          </a:lnRef>
-          <a:fillRef idx="1">
-            <a:schemeClr val="accent1"/>
-          </a:fillRef>
-          <a:effectRef idx="0">
-            <a:schemeClr val="accent1"/>
-          </a:effectRef>
-          <a:fontRef idx="minor">
-            <a:schemeClr val="lt1"/>
-          </a:fontRef>
-        </p:style>
-        <p:txBody>
-          <a:bodyPr rtlCol="0" anchor="ctr"/>
-          <a:lstStyle/>
-          <a:p>
-            <a:pPr algn="ctr"/>
-            <a:r>
-              <a:rPr lang="en-US" dirty="0"/>
-              <a:t>Data sensing</a:t>
-            </a:r>
-          </a:p>
-        </p:txBody>
-      </p:sp>
-      <p:sp>
-        <p:nvSpPr>
-          <p:cNvPr id="11" name="Freccia a destra 8">
-            <a:extLst>
-              <a:ext uri="{FF2B5EF4-FFF2-40B4-BE49-F238E27FC236}">
-                <a16:creationId xmlns:a16="http://schemas.microsoft.com/office/drawing/2014/main" id="{5F8B9189-57DA-4A67-B0C6-FC9673114617}"/>
-              </a:ext>
-            </a:extLst>
-          </p:cNvPr>
-          <p:cNvSpPr/>
-          <p:nvPr/>
-        </p:nvSpPr>
-        <p:spPr>
-          <a:xfrm rot="18863771">
-            <a:off x="3239200" y="4399249"/>
-            <a:ext cx="723751" cy="541792"/>
-          </a:xfrm>
-          <a:prstGeom prst="rightArrow">
-            <a:avLst/>
-          </a:prstGeom>
-        </p:spPr>
-        <p:style>
-          <a:lnRef idx="2">
-            <a:schemeClr val="accent1">
-              <a:shade val="50000"/>
-            </a:schemeClr>
-          </a:lnRef>
-          <a:fillRef idx="1">
-            <a:schemeClr val="accent1"/>
-          </a:fillRef>
-          <a:effectRef idx="0">
-            <a:schemeClr val="accent1"/>
-          </a:effectRef>
-          <a:fontRef idx="minor">
-            <a:schemeClr val="lt1"/>
-          </a:fontRef>
-        </p:style>
-        <p:txBody>
-          <a:bodyPr rtlCol="0" anchor="ctr"/>
-          <a:lstStyle/>
-          <a:p>
-            <a:pPr algn="ctr"/>
-            <a:endParaRPr lang="en-US"/>
-          </a:p>
-        </p:txBody>
-      </p:sp>
-      <p:sp>
-        <p:nvSpPr>
-          <p:cNvPr id="20" name="Ovale 19">
-            <a:extLst>
-              <a:ext uri="{FF2B5EF4-FFF2-40B4-BE49-F238E27FC236}">
-                <a16:creationId xmlns:a16="http://schemas.microsoft.com/office/drawing/2014/main" id="{DD2BE7E4-5294-4DBF-9CEF-0C11C6575449}"/>
-              </a:ext>
-            </a:extLst>
-          </p:cNvPr>
-          <p:cNvSpPr/>
-          <p:nvPr/>
-        </p:nvSpPr>
-        <p:spPr>
-          <a:xfrm>
-            <a:off x="6688411" y="2005755"/>
-            <a:ext cx="1915257" cy="1597980"/>
-          </a:xfrm>
-          <a:prstGeom prst="ellipse">
-            <a:avLst/>
-          </a:prstGeom>
-        </p:spPr>
-        <p:style>
-          <a:lnRef idx="2">
-            <a:schemeClr val="accent1">
-              <a:shade val="50000"/>
-            </a:schemeClr>
-          </a:lnRef>
-          <a:fillRef idx="1">
-            <a:schemeClr val="accent1"/>
-          </a:fillRef>
-          <a:effectRef idx="0">
-            <a:schemeClr val="accent1"/>
-          </a:effectRef>
-          <a:fontRef idx="minor">
-            <a:schemeClr val="lt1"/>
-          </a:fontRef>
-        </p:style>
-        <p:txBody>
-          <a:bodyPr rtlCol="0" anchor="ctr"/>
-          <a:lstStyle/>
-          <a:p>
-            <a:pPr algn="ctr"/>
-            <a:r>
-              <a:rPr lang="en-US" dirty="0"/>
-              <a:t>Blue coin installation on motor </a:t>
-            </a:r>
-          </a:p>
-        </p:txBody>
-      </p:sp>
-      <p:sp>
-        <p:nvSpPr>
-          <p:cNvPr id="21" name="Ovale 20">
-            <a:extLst>
-              <a:ext uri="{FF2B5EF4-FFF2-40B4-BE49-F238E27FC236}">
-                <a16:creationId xmlns:a16="http://schemas.microsoft.com/office/drawing/2014/main" id="{E8F4C0BF-D9EA-4C78-8D02-267257F3AA31}"/>
-              </a:ext>
-            </a:extLst>
-          </p:cNvPr>
-          <p:cNvSpPr/>
-          <p:nvPr/>
-        </p:nvSpPr>
-        <p:spPr>
-          <a:xfrm>
-            <a:off x="9473998" y="2044295"/>
-            <a:ext cx="2139518" cy="1597981"/>
-          </a:xfrm>
-          <a:prstGeom prst="ellipse">
-            <a:avLst/>
-          </a:prstGeom>
-        </p:spPr>
-        <p:style>
-          <a:lnRef idx="2">
-            <a:schemeClr val="accent1">
-              <a:shade val="50000"/>
-            </a:schemeClr>
-          </a:lnRef>
-          <a:fillRef idx="1">
-            <a:schemeClr val="accent1"/>
-          </a:fillRef>
-          <a:effectRef idx="0">
-            <a:schemeClr val="accent1"/>
-          </a:effectRef>
-          <a:fontRef idx="minor">
-            <a:schemeClr val="lt1"/>
-          </a:fontRef>
-        </p:style>
-        <p:txBody>
-          <a:bodyPr rtlCol="0" anchor="ctr"/>
-          <a:lstStyle/>
-          <a:p>
-            <a:pPr algn="ctr"/>
-            <a:r>
-              <a:rPr lang="en-US" dirty="0"/>
-              <a:t>Data checking</a:t>
-            </a:r>
-          </a:p>
-        </p:txBody>
-      </p:sp>
-      <p:sp>
-        <p:nvSpPr>
-          <p:cNvPr id="22" name="Freccia a destra 21">
-            <a:extLst>
-              <a:ext uri="{FF2B5EF4-FFF2-40B4-BE49-F238E27FC236}">
-                <a16:creationId xmlns:a16="http://schemas.microsoft.com/office/drawing/2014/main" id="{BC9C254F-16F8-4314-8A13-36A3AA5E01BA}"/>
-              </a:ext>
-            </a:extLst>
-          </p:cNvPr>
-          <p:cNvSpPr/>
-          <p:nvPr/>
-        </p:nvSpPr>
-        <p:spPr>
-          <a:xfrm rot="5400000">
-            <a:off x="7325509" y="3926559"/>
-            <a:ext cx="667748" cy="496528"/>
-          </a:xfrm>
-          <a:prstGeom prst="rightArrow">
-            <a:avLst/>
-          </a:prstGeom>
-        </p:spPr>
-        <p:style>
-          <a:lnRef idx="2">
-            <a:schemeClr val="accent1">
-              <a:shade val="50000"/>
-            </a:schemeClr>
-          </a:lnRef>
-          <a:fillRef idx="1">
-            <a:schemeClr val="accent1"/>
-          </a:fillRef>
-          <a:effectRef idx="0">
-            <a:schemeClr val="accent1"/>
-          </a:effectRef>
-          <a:fontRef idx="minor">
-            <a:schemeClr val="lt1"/>
-          </a:fontRef>
-        </p:style>
-        <p:txBody>
-          <a:bodyPr rtlCol="0" anchor="ctr"/>
-          <a:lstStyle/>
-          <a:p>
-            <a:pPr algn="ctr"/>
-            <a:endParaRPr lang="en-US"/>
-          </a:p>
-        </p:txBody>
-      </p:sp>
-      <p:sp>
-        <p:nvSpPr>
-          <p:cNvPr id="23" name="Ovale 22">
-            <a:extLst>
-              <a:ext uri="{FF2B5EF4-FFF2-40B4-BE49-F238E27FC236}">
-                <a16:creationId xmlns:a16="http://schemas.microsoft.com/office/drawing/2014/main" id="{00E72210-1478-467D-AACB-C3A9E9D978D8}"/>
-              </a:ext>
-            </a:extLst>
-          </p:cNvPr>
-          <p:cNvSpPr/>
-          <p:nvPr/>
-        </p:nvSpPr>
-        <p:spPr>
-          <a:xfrm>
-            <a:off x="6687257" y="4610929"/>
-            <a:ext cx="1915257" cy="1791409"/>
-          </a:xfrm>
-          <a:prstGeom prst="ellipse">
-            <a:avLst/>
-          </a:prstGeom>
-        </p:spPr>
-        <p:style>
-          <a:lnRef idx="2">
-            <a:schemeClr val="accent1">
-              <a:shade val="50000"/>
-            </a:schemeClr>
-          </a:lnRef>
-          <a:fillRef idx="1">
-            <a:schemeClr val="accent1"/>
-          </a:fillRef>
-          <a:effectRef idx="0">
-            <a:schemeClr val="accent1"/>
-          </a:effectRef>
-          <a:fontRef idx="minor">
-            <a:schemeClr val="lt1"/>
-          </a:fontRef>
-        </p:style>
-        <p:txBody>
-          <a:bodyPr rtlCol="0" anchor="ctr"/>
-          <a:lstStyle/>
-          <a:p>
-            <a:pPr algn="ctr"/>
-            <a:r>
-              <a:rPr lang="en-US" dirty="0"/>
-              <a:t>Data sensing</a:t>
-            </a:r>
-          </a:p>
-        </p:txBody>
-      </p:sp>
-      <p:sp>
-        <p:nvSpPr>
-          <p:cNvPr id="24" name="Freccia a destra 8">
-            <a:extLst>
-              <a:ext uri="{FF2B5EF4-FFF2-40B4-BE49-F238E27FC236}">
-                <a16:creationId xmlns:a16="http://schemas.microsoft.com/office/drawing/2014/main" id="{122F26E2-8A6E-4DDA-B34B-41D049ABFE78}"/>
-              </a:ext>
-            </a:extLst>
-          </p:cNvPr>
-          <p:cNvSpPr/>
-          <p:nvPr/>
-        </p:nvSpPr>
-        <p:spPr>
-          <a:xfrm rot="18863771">
-            <a:off x="8463689" y="3936434"/>
-            <a:ext cx="1429567" cy="541792"/>
-          </a:xfrm>
-          <a:prstGeom prst="rightArrow">
-            <a:avLst/>
-          </a:prstGeom>
-        </p:spPr>
-        <p:style>
-          <a:lnRef idx="2">
-            <a:schemeClr val="accent1">
-              <a:shade val="50000"/>
-            </a:schemeClr>
-          </a:lnRef>
-          <a:fillRef idx="1">
-            <a:schemeClr val="accent1"/>
-          </a:fillRef>
-          <a:effectRef idx="0">
-            <a:schemeClr val="accent1"/>
-          </a:effectRef>
-          <a:fontRef idx="minor">
-            <a:schemeClr val="lt1"/>
-          </a:fontRef>
-        </p:style>
-        <p:txBody>
-          <a:bodyPr rtlCol="0" anchor="ctr"/>
-          <a:lstStyle/>
-          <a:p>
-            <a:pPr algn="ctr"/>
-            <a:endParaRPr lang="en-US"/>
-          </a:p>
-        </p:txBody>
-      </p:sp>
-      <p:sp>
-        <p:nvSpPr>
-          <p:cNvPr id="27" name="Ovale 26">
-            <a:extLst>
-              <a:ext uri="{FF2B5EF4-FFF2-40B4-BE49-F238E27FC236}">
-                <a16:creationId xmlns:a16="http://schemas.microsoft.com/office/drawing/2014/main" id="{43379903-DE70-4FC1-8139-CA31764C3C3B}"/>
-              </a:ext>
-            </a:extLst>
-          </p:cNvPr>
-          <p:cNvSpPr/>
-          <p:nvPr/>
-        </p:nvSpPr>
-        <p:spPr>
-          <a:xfrm>
-            <a:off x="9473998" y="4671238"/>
-            <a:ext cx="2139518" cy="1713170"/>
-          </a:xfrm>
-          <a:prstGeom prst="ellipse">
-            <a:avLst/>
-          </a:prstGeom>
-        </p:spPr>
-        <p:style>
-          <a:lnRef idx="2">
-            <a:schemeClr val="accent1">
-              <a:shade val="50000"/>
-            </a:schemeClr>
-          </a:lnRef>
-          <a:fillRef idx="1">
-            <a:schemeClr val="accent1"/>
-          </a:fillRef>
-          <a:effectRef idx="0">
-            <a:schemeClr val="accent1"/>
-          </a:effectRef>
-          <a:fontRef idx="minor">
-            <a:schemeClr val="lt1"/>
-          </a:fontRef>
-        </p:style>
-        <p:txBody>
-          <a:bodyPr rtlCol="0" anchor="ctr"/>
-          <a:lstStyle/>
-          <a:p>
-            <a:pPr algn="ctr"/>
-            <a:r>
-              <a:rPr lang="en-US" dirty="0"/>
-              <a:t>Positive/Negative Output</a:t>
-            </a:r>
-          </a:p>
-        </p:txBody>
-      </p:sp>
-      <p:sp>
-        <p:nvSpPr>
-          <p:cNvPr id="28" name="Freccia a destra 8">
-            <a:extLst>
-              <a:ext uri="{FF2B5EF4-FFF2-40B4-BE49-F238E27FC236}">
-                <a16:creationId xmlns:a16="http://schemas.microsoft.com/office/drawing/2014/main" id="{D941EC21-7617-40ED-9ACF-6311CCCCCEF4}"/>
-              </a:ext>
-            </a:extLst>
-          </p:cNvPr>
-          <p:cNvSpPr/>
-          <p:nvPr/>
-        </p:nvSpPr>
-        <p:spPr>
-          <a:xfrm rot="5400000">
-            <a:off x="10205361" y="3876505"/>
-            <a:ext cx="723751" cy="541792"/>
-          </a:xfrm>
-          <a:prstGeom prst="rightArrow">
-            <a:avLst/>
-          </a:prstGeom>
-        </p:spPr>
-        <p:style>
-          <a:lnRef idx="2">
-            <a:schemeClr val="accent1">
-              <a:shade val="50000"/>
-            </a:schemeClr>
-          </a:lnRef>
-          <a:fillRef idx="1">
-            <a:schemeClr val="accent1"/>
-          </a:fillRef>
-          <a:effectRef idx="0">
-            <a:schemeClr val="accent1"/>
-          </a:effectRef>
-          <a:fontRef idx="minor">
-            <a:schemeClr val="lt1"/>
-          </a:fontRef>
-        </p:style>
-        <p:txBody>
-          <a:bodyPr rtlCol="0" anchor="ctr"/>
-          <a:lstStyle/>
-          <a:p>
-            <a:pPr algn="ctr"/>
-            <a:endParaRPr lang="en-US"/>
-          </a:p>
-        </p:txBody>
-      </p:sp>
-      <p:sp>
-        <p:nvSpPr>
-          <p:cNvPr id="3" name="CasellaDiTesto 2">
-            <a:extLst>
-              <a:ext uri="{FF2B5EF4-FFF2-40B4-BE49-F238E27FC236}">
-                <a16:creationId xmlns:a16="http://schemas.microsoft.com/office/drawing/2014/main" id="{3DA9E7D0-AEA8-4FB9-A758-157F1B9882FA}"/>
-              </a:ext>
-            </a:extLst>
-          </p:cNvPr>
-          <p:cNvSpPr txBox="1"/>
-          <p:nvPr/>
-        </p:nvSpPr>
-        <p:spPr>
-          <a:xfrm>
-            <a:off x="838200" y="1395074"/>
-            <a:ext cx="4993481" cy="461665"/>
-          </a:xfrm>
-          <a:prstGeom prst="rect">
-            <a:avLst/>
-          </a:prstGeom>
-          <a:noFill/>
-        </p:spPr>
-        <p:txBody>
-          <a:bodyPr wrap="square" rtlCol="0">
-            <a:spAutoFit/>
-          </a:bodyPr>
-          <a:lstStyle/>
-          <a:p>
-            <a:pPr algn="ctr"/>
-            <a:r>
-              <a:rPr lang="en-US" sz="2400" dirty="0"/>
-              <a:t>First acquisition: Model Identification</a:t>
-            </a:r>
-          </a:p>
-        </p:txBody>
-      </p:sp>
-      <p:sp>
-        <p:nvSpPr>
-          <p:cNvPr id="29" name="CasellaDiTesto 28">
-            <a:extLst>
-              <a:ext uri="{FF2B5EF4-FFF2-40B4-BE49-F238E27FC236}">
-                <a16:creationId xmlns:a16="http://schemas.microsoft.com/office/drawing/2014/main" id="{E5346183-C42B-4942-9110-F3F7AEC39FA0}"/>
-              </a:ext>
-            </a:extLst>
-          </p:cNvPr>
-          <p:cNvSpPr txBox="1"/>
-          <p:nvPr/>
-        </p:nvSpPr>
-        <p:spPr>
-          <a:xfrm>
-            <a:off x="6596124" y="1380123"/>
-            <a:ext cx="5081840" cy="461665"/>
-          </a:xfrm>
-          <a:prstGeom prst="rect">
-            <a:avLst/>
-          </a:prstGeom>
-          <a:noFill/>
-        </p:spPr>
-        <p:txBody>
-          <a:bodyPr wrap="none" rtlCol="0">
-            <a:spAutoFit/>
-          </a:bodyPr>
-          <a:lstStyle/>
-          <a:p>
-            <a:r>
-              <a:rPr lang="en-US" sz="2400" dirty="0"/>
-              <a:t>Next acquisitions: wear checking</a:t>
-            </a:r>
-          </a:p>
-        </p:txBody>
-      </p:sp>
-    </p:spTree>
-    <p:extLst>
-      <p:ext uri="{BB962C8B-B14F-4D97-AF65-F5344CB8AC3E}">
-        <p14:creationId xmlns:p14="http://schemas.microsoft.com/office/powerpoint/2010/main" val="2659968465"/>
-      </p:ext>
-    </p:extLst>
-  </p:cSld>
-  <p:clrMapOvr>
-    <a:masterClrMapping/>
-  </p:clrMapOvr>
-</p:sld>
-</file>
-
-<file path=ppt/slides/slide6.xml><?xml version="1.0" encoding="utf-8"?>
-<p:sld xmlns:a="http://schemas.openxmlformats.org/drawingml/2006/main" xmlns:r="http://schemas.openxmlformats.org/officeDocument/2006/relationships" xmlns:p="http://schemas.openxmlformats.org/presentationml/2006/main">
-  <p:cSld>
-    <p:spTree>
-      <p:nvGrpSpPr>
-        <p:cNvPr id="1" name=""/>
-        <p:cNvGrpSpPr/>
-        <p:nvPr/>
-      </p:nvGrpSpPr>
-      <p:grpSpPr>
-        <a:xfrm>
-          <a:off x="0" y="0"/>
-          <a:ext cx="0" cy="0"/>
-          <a:chOff x="0" y="0"/>
-          <a:chExt cx="0" cy="0"/>
-        </a:xfrm>
-      </p:grpSpPr>
-      <p:sp>
-        <p:nvSpPr>
-          <p:cNvPr id="2" name="Titolo 1">
-            <a:extLst>
-              <a:ext uri="{FF2B5EF4-FFF2-40B4-BE49-F238E27FC236}">
                 <a16:creationId xmlns:a16="http://schemas.microsoft.com/office/drawing/2014/main" id="{AB6CCE8F-CCAE-413C-8787-4C7182E38D84}"/>
               </a:ext>
             </a:extLst>
@@ -12297,12 +10748,14 @@
         </p:nvSpPr>
         <p:spPr>
           <a:xfrm>
-            <a:off x="991552" y="1697318"/>
-            <a:ext cx="8946541" cy="4195481"/>
+            <a:off x="991553" y="1697318"/>
+            <a:ext cx="7949248" cy="4195481"/>
           </a:xfrm>
         </p:spPr>
         <p:txBody>
-          <a:bodyPr/>
+          <a:bodyPr>
+            <a:normAutofit lnSpcReduction="10000"/>
+          </a:bodyPr>
           <a:lstStyle/>
           <a:p>
             <a:pPr algn="just"/>
@@ -12370,6 +10823,46 @@
           </a:p>
         </p:txBody>
       </p:sp>
+      <p:pic>
+        <p:nvPicPr>
+          <p:cNvPr id="4" name="Immagine 3">
+            <a:extLst>
+              <a:ext uri="{FF2B5EF4-FFF2-40B4-BE49-F238E27FC236}">
+                <a16:creationId xmlns:a16="http://schemas.microsoft.com/office/drawing/2014/main" id="{95FD8851-3D0E-4479-A1C8-AB009601179E}"/>
+              </a:ext>
+            </a:extLst>
+          </p:cNvPr>
+          <p:cNvPicPr>
+            <a:picLocks noChangeAspect="1"/>
+          </p:cNvPicPr>
+          <p:nvPr/>
+        </p:nvPicPr>
+        <p:blipFill rotWithShape="1">
+          <a:blip r:embed="rId2">
+            <a:extLst>
+              <a:ext uri="{28A0092B-C50C-407E-A947-70E740481C1C}">
+                <a14:useLocalDpi xmlns:a14="http://schemas.microsoft.com/office/drawing/2010/main" val="0"/>
+              </a:ext>
+            </a:extLst>
+          </a:blip>
+          <a:srcRect t="10654" b="9102"/>
+          <a:stretch/>
+        </p:blipFill>
+        <p:spPr>
+          <a:xfrm>
+            <a:off x="9171709" y="2739208"/>
+            <a:ext cx="2798618" cy="1730027"/>
+          </a:xfrm>
+          <a:prstGeom prst="rect">
+            <a:avLst/>
+          </a:prstGeom>
+          <a:ln w="38100">
+            <a:solidFill>
+              <a:sysClr val="windowText" lastClr="000000"/>
+            </a:solidFill>
+          </a:ln>
+        </p:spPr>
+      </p:pic>
     </p:spTree>
     <p:extLst>
       <p:ext uri="{BB962C8B-B14F-4D97-AF65-F5344CB8AC3E}">
@@ -12383,7 +10876,7 @@
 </p:sld>
 </file>
 
-<file path=ppt/slides/slide7.xml><?xml version="1.0" encoding="utf-8"?>
+<file path=ppt/slides/slide11.xml><?xml version="1.0" encoding="utf-8"?>
 <p:sld xmlns:a="http://schemas.openxmlformats.org/drawingml/2006/main" xmlns:r="http://schemas.openxmlformats.org/officeDocument/2006/relationships" xmlns:p="http://schemas.openxmlformats.org/presentationml/2006/main">
   <p:cSld>
     <p:spTree>
@@ -12639,6 +11132,1400 @@
 </p:sld>
 </file>
 
+<file path=ppt/slides/slide12.xml><?xml version="1.0" encoding="utf-8"?>
+<p:sld xmlns:a="http://schemas.openxmlformats.org/drawingml/2006/main" xmlns:r="http://schemas.openxmlformats.org/officeDocument/2006/relationships" xmlns:p="http://schemas.openxmlformats.org/presentationml/2006/main">
+  <p:cSld>
+    <p:spTree>
+      <p:nvGrpSpPr>
+        <p:cNvPr id="1" name=""/>
+        <p:cNvGrpSpPr/>
+        <p:nvPr/>
+      </p:nvGrpSpPr>
+      <p:grpSpPr>
+        <a:xfrm>
+          <a:off x="0" y="0"/>
+          <a:ext cx="0" cy="0"/>
+          <a:chOff x="0" y="0"/>
+          <a:chExt cx="0" cy="0"/>
+        </a:xfrm>
+      </p:grpSpPr>
+      <p:sp>
+        <p:nvSpPr>
+          <p:cNvPr id="4" name="Titolo 1">
+            <a:extLst>
+              <a:ext uri="{FF2B5EF4-FFF2-40B4-BE49-F238E27FC236}">
+                <a16:creationId xmlns:a16="http://schemas.microsoft.com/office/drawing/2014/main" id="{0130F6C5-1D6E-4A79-9A1E-F491409D7E3F}"/>
+              </a:ext>
+            </a:extLst>
+          </p:cNvPr>
+          <p:cNvSpPr>
+            <a:spLocks noGrp="1"/>
+          </p:cNvSpPr>
+          <p:nvPr>
+            <p:ph type="title"/>
+          </p:nvPr>
+        </p:nvSpPr>
+        <p:spPr>
+          <a:xfrm>
+            <a:off x="1371600" y="685800"/>
+            <a:ext cx="9601200" cy="919480"/>
+          </a:xfrm>
+        </p:spPr>
+        <p:txBody>
+          <a:bodyPr/>
+          <a:lstStyle/>
+          <a:p>
+            <a:r>
+              <a:rPr lang="en-US" dirty="0"/>
+              <a:t>Preliminary results</a:t>
+            </a:r>
+          </a:p>
+        </p:txBody>
+      </p:sp>
+      <p:sp>
+        <p:nvSpPr>
+          <p:cNvPr id="3" name="Segnaposto contenuto 2">
+            <a:extLst>
+              <a:ext uri="{FF2B5EF4-FFF2-40B4-BE49-F238E27FC236}">
+                <a16:creationId xmlns:a16="http://schemas.microsoft.com/office/drawing/2014/main" id="{F985ED7B-07D9-446B-9DF8-3813DF8D3EC4}"/>
+              </a:ext>
+            </a:extLst>
+          </p:cNvPr>
+          <p:cNvSpPr>
+            <a:spLocks noGrp="1"/>
+          </p:cNvSpPr>
+          <p:nvPr>
+            <p:ph idx="1"/>
+          </p:nvPr>
+        </p:nvSpPr>
+        <p:spPr>
+          <a:xfrm>
+            <a:off x="1371600" y="1701800"/>
+            <a:ext cx="9601200" cy="4643582"/>
+          </a:xfrm>
+        </p:spPr>
+        <p:txBody>
+          <a:bodyPr>
+            <a:normAutofit lnSpcReduction="10000"/>
+          </a:bodyPr>
+          <a:lstStyle/>
+          <a:p>
+            <a:r>
+              <a:rPr lang="en-US" sz="2400" dirty="0"/>
+              <a:t>We performed an experiment to verify the capabilities of the developed tools:</a:t>
+            </a:r>
+          </a:p>
+          <a:p>
+            <a:pPr lvl="1"/>
+            <a:r>
+              <a:rPr lang="en-US" sz="2400" dirty="0"/>
+              <a:t>Data sensing on a stable plane</a:t>
+            </a:r>
+          </a:p>
+          <a:p>
+            <a:pPr lvl="1"/>
+            <a:r>
+              <a:rPr lang="en-US" sz="2400" dirty="0"/>
+              <a:t>Data sensing including disturbances on the plane</a:t>
+            </a:r>
+          </a:p>
+          <a:p>
+            <a:pPr lvl="1"/>
+            <a:r>
+              <a:rPr lang="en-US" sz="2400" dirty="0"/>
+              <a:t>Model identification on the stable plane data and comparison with disturbed data</a:t>
+            </a:r>
+          </a:p>
+          <a:p>
+            <a:r>
+              <a:rPr lang="en-US" sz="2800" dirty="0"/>
+              <a:t>The working regime of the motors we are working with is between 600-3000 rpm. </a:t>
+            </a:r>
+          </a:p>
+          <a:p>
+            <a:pPr lvl="1"/>
+            <a:r>
+              <a:rPr lang="en-US" sz="2200" dirty="0"/>
+              <a:t>We assumed that this is the only harmonic we are interested in</a:t>
+            </a:r>
+          </a:p>
+          <a:p>
+            <a:pPr lvl="1"/>
+            <a:r>
+              <a:rPr lang="en-US" sz="2200" dirty="0"/>
+              <a:t>We chose a sampling frequency 10 times greater than that (we don’t have memory constraints)</a:t>
+            </a:r>
+          </a:p>
+        </p:txBody>
+      </p:sp>
+    </p:spTree>
+    <p:extLst>
+      <p:ext uri="{BB962C8B-B14F-4D97-AF65-F5344CB8AC3E}">
+        <p14:creationId xmlns:p14="http://schemas.microsoft.com/office/powerpoint/2010/main" val="2723663115"/>
+      </p:ext>
+    </p:extLst>
+  </p:cSld>
+  <p:clrMapOvr>
+    <a:masterClrMapping/>
+  </p:clrMapOvr>
+</p:sld>
+</file>
+
+<file path=ppt/slides/slide13.xml><?xml version="1.0" encoding="utf-8"?>
+<p:sld xmlns:a="http://schemas.openxmlformats.org/drawingml/2006/main" xmlns:r="http://schemas.openxmlformats.org/officeDocument/2006/relationships" xmlns:p="http://schemas.openxmlformats.org/presentationml/2006/main">
+  <p:cSld>
+    <p:spTree>
+      <p:nvGrpSpPr>
+        <p:cNvPr id="1" name=""/>
+        <p:cNvGrpSpPr/>
+        <p:nvPr/>
+      </p:nvGrpSpPr>
+      <p:grpSpPr>
+        <a:xfrm>
+          <a:off x="0" y="0"/>
+          <a:ext cx="0" cy="0"/>
+          <a:chOff x="0" y="0"/>
+          <a:chExt cx="0" cy="0"/>
+        </a:xfrm>
+      </p:grpSpPr>
+      <p:sp>
+        <p:nvSpPr>
+          <p:cNvPr id="2" name="Titolo 1">
+            <a:extLst>
+              <a:ext uri="{FF2B5EF4-FFF2-40B4-BE49-F238E27FC236}">
+                <a16:creationId xmlns:a16="http://schemas.microsoft.com/office/drawing/2014/main" id="{38982C36-A2B1-41F3-9C14-7C506D1AE1BD}"/>
+              </a:ext>
+            </a:extLst>
+          </p:cNvPr>
+          <p:cNvSpPr>
+            <a:spLocks noGrp="1"/>
+          </p:cNvSpPr>
+          <p:nvPr>
+            <p:ph type="title"/>
+          </p:nvPr>
+        </p:nvSpPr>
+        <p:spPr>
+          <a:xfrm>
+            <a:off x="1371600" y="482600"/>
+            <a:ext cx="9601200" cy="527180"/>
+          </a:xfrm>
+        </p:spPr>
+        <p:txBody>
+          <a:bodyPr>
+            <a:normAutofit fontScale="90000"/>
+          </a:bodyPr>
+          <a:lstStyle/>
+          <a:p>
+            <a:r>
+              <a:rPr lang="en-US" dirty="0"/>
+              <a:t>Stable plane data 1</a:t>
+            </a:r>
+          </a:p>
+        </p:txBody>
+      </p:sp>
+      <p:pic>
+        <p:nvPicPr>
+          <p:cNvPr id="6" name="Immagine 5">
+            <a:extLst>
+              <a:ext uri="{FF2B5EF4-FFF2-40B4-BE49-F238E27FC236}">
+                <a16:creationId xmlns:a16="http://schemas.microsoft.com/office/drawing/2014/main" id="{25F54FAA-44F3-428A-9C82-14A25699CBA4}"/>
+              </a:ext>
+            </a:extLst>
+          </p:cNvPr>
+          <p:cNvPicPr>
+            <a:picLocks noChangeAspect="1"/>
+          </p:cNvPicPr>
+          <p:nvPr/>
+        </p:nvPicPr>
+        <p:blipFill rotWithShape="1">
+          <a:blip r:embed="rId2"/>
+          <a:srcRect l="7530" t="12752" r="7921" b="9502"/>
+          <a:stretch/>
+        </p:blipFill>
+        <p:spPr>
+          <a:xfrm>
+            <a:off x="1038030" y="1312777"/>
+            <a:ext cx="10115940" cy="5232385"/>
+          </a:xfrm>
+          <a:prstGeom prst="rect">
+            <a:avLst/>
+          </a:prstGeom>
+        </p:spPr>
+      </p:pic>
+    </p:spTree>
+    <p:extLst>
+      <p:ext uri="{BB962C8B-B14F-4D97-AF65-F5344CB8AC3E}">
+        <p14:creationId xmlns:p14="http://schemas.microsoft.com/office/powerpoint/2010/main" val="3687730757"/>
+      </p:ext>
+    </p:extLst>
+  </p:cSld>
+  <p:clrMapOvr>
+    <a:masterClrMapping/>
+  </p:clrMapOvr>
+</p:sld>
+</file>
+
+<file path=ppt/slides/slide14.xml><?xml version="1.0" encoding="utf-8"?>
+<p:sld xmlns:a="http://schemas.openxmlformats.org/drawingml/2006/main" xmlns:r="http://schemas.openxmlformats.org/officeDocument/2006/relationships" xmlns:p="http://schemas.openxmlformats.org/presentationml/2006/main">
+  <p:cSld>
+    <p:spTree>
+      <p:nvGrpSpPr>
+        <p:cNvPr id="1" name=""/>
+        <p:cNvGrpSpPr/>
+        <p:nvPr/>
+      </p:nvGrpSpPr>
+      <p:grpSpPr>
+        <a:xfrm>
+          <a:off x="0" y="0"/>
+          <a:ext cx="0" cy="0"/>
+          <a:chOff x="0" y="0"/>
+          <a:chExt cx="0" cy="0"/>
+        </a:xfrm>
+      </p:grpSpPr>
+      <p:sp>
+        <p:nvSpPr>
+          <p:cNvPr id="2" name="Titolo 1">
+            <a:extLst>
+              <a:ext uri="{FF2B5EF4-FFF2-40B4-BE49-F238E27FC236}">
+                <a16:creationId xmlns:a16="http://schemas.microsoft.com/office/drawing/2014/main" id="{38982C36-A2B1-41F3-9C14-7C506D1AE1BD}"/>
+              </a:ext>
+            </a:extLst>
+          </p:cNvPr>
+          <p:cNvSpPr>
+            <a:spLocks noGrp="1"/>
+          </p:cNvSpPr>
+          <p:nvPr>
+            <p:ph type="title"/>
+          </p:nvPr>
+        </p:nvSpPr>
+        <p:spPr>
+          <a:xfrm>
+            <a:off x="1371600" y="482600"/>
+            <a:ext cx="9601200" cy="527180"/>
+          </a:xfrm>
+        </p:spPr>
+        <p:txBody>
+          <a:bodyPr>
+            <a:normAutofit fontScale="90000"/>
+          </a:bodyPr>
+          <a:lstStyle/>
+          <a:p>
+            <a:r>
+              <a:rPr lang="en-US" dirty="0"/>
+              <a:t>Stable plane data 2</a:t>
+            </a:r>
+          </a:p>
+        </p:txBody>
+      </p:sp>
+      <p:pic>
+        <p:nvPicPr>
+          <p:cNvPr id="3" name="Immagine 2">
+            <a:extLst>
+              <a:ext uri="{FF2B5EF4-FFF2-40B4-BE49-F238E27FC236}">
+                <a16:creationId xmlns:a16="http://schemas.microsoft.com/office/drawing/2014/main" id="{CEDAB79F-2072-4A8B-8D72-8ED7172053EF}"/>
+              </a:ext>
+            </a:extLst>
+          </p:cNvPr>
+          <p:cNvPicPr>
+            <a:picLocks noChangeAspect="1"/>
+          </p:cNvPicPr>
+          <p:nvPr/>
+        </p:nvPicPr>
+        <p:blipFill rotWithShape="1">
+          <a:blip r:embed="rId2"/>
+          <a:srcRect l="8329" t="13956" r="8432" b="9770"/>
+          <a:stretch/>
+        </p:blipFill>
+        <p:spPr>
+          <a:xfrm>
+            <a:off x="1069800" y="1250302"/>
+            <a:ext cx="10192249" cy="5253561"/>
+          </a:xfrm>
+          <a:prstGeom prst="rect">
+            <a:avLst/>
+          </a:prstGeom>
+        </p:spPr>
+      </p:pic>
+    </p:spTree>
+    <p:extLst>
+      <p:ext uri="{BB962C8B-B14F-4D97-AF65-F5344CB8AC3E}">
+        <p14:creationId xmlns:p14="http://schemas.microsoft.com/office/powerpoint/2010/main" val="2765615842"/>
+      </p:ext>
+    </p:extLst>
+  </p:cSld>
+  <p:clrMapOvr>
+    <a:masterClrMapping/>
+  </p:clrMapOvr>
+</p:sld>
+</file>
+
+<file path=ppt/slides/slide15.xml><?xml version="1.0" encoding="utf-8"?>
+<p:sld xmlns:a="http://schemas.openxmlformats.org/drawingml/2006/main" xmlns:r="http://schemas.openxmlformats.org/officeDocument/2006/relationships" xmlns:p="http://schemas.openxmlformats.org/presentationml/2006/main">
+  <p:cSld>
+    <p:spTree>
+      <p:nvGrpSpPr>
+        <p:cNvPr id="1" name=""/>
+        <p:cNvGrpSpPr/>
+        <p:nvPr/>
+      </p:nvGrpSpPr>
+      <p:grpSpPr>
+        <a:xfrm>
+          <a:off x="0" y="0"/>
+          <a:ext cx="0" cy="0"/>
+          <a:chOff x="0" y="0"/>
+          <a:chExt cx="0" cy="0"/>
+        </a:xfrm>
+      </p:grpSpPr>
+      <p:sp>
+        <p:nvSpPr>
+          <p:cNvPr id="2" name="Titolo 1">
+            <a:extLst>
+              <a:ext uri="{FF2B5EF4-FFF2-40B4-BE49-F238E27FC236}">
+                <a16:creationId xmlns:a16="http://schemas.microsoft.com/office/drawing/2014/main" id="{48F6573A-7508-44BE-99F1-3CCEBDC5E25A}"/>
+              </a:ext>
+            </a:extLst>
+          </p:cNvPr>
+          <p:cNvSpPr>
+            <a:spLocks noGrp="1"/>
+          </p:cNvSpPr>
+          <p:nvPr>
+            <p:ph type="title"/>
+          </p:nvPr>
+        </p:nvSpPr>
+        <p:spPr>
+          <a:xfrm>
+            <a:off x="1166431" y="335279"/>
+            <a:ext cx="9601200" cy="760445"/>
+          </a:xfrm>
+        </p:spPr>
+        <p:txBody>
+          <a:bodyPr/>
+          <a:lstStyle/>
+          <a:p>
+            <a:r>
+              <a:rPr lang="en-US" b="1" dirty="0"/>
+              <a:t>Plane data including disturbances</a:t>
+            </a:r>
+          </a:p>
+        </p:txBody>
+      </p:sp>
+      <p:pic>
+        <p:nvPicPr>
+          <p:cNvPr id="6" name="Immagine 5">
+            <a:extLst>
+              <a:ext uri="{FF2B5EF4-FFF2-40B4-BE49-F238E27FC236}">
+                <a16:creationId xmlns:a16="http://schemas.microsoft.com/office/drawing/2014/main" id="{F7F40B8C-BEB6-4E30-A5DB-39A4435084EF}"/>
+              </a:ext>
+            </a:extLst>
+          </p:cNvPr>
+          <p:cNvPicPr>
+            <a:picLocks noChangeAspect="1"/>
+          </p:cNvPicPr>
+          <p:nvPr/>
+        </p:nvPicPr>
+        <p:blipFill rotWithShape="1">
+          <a:blip r:embed="rId2"/>
+          <a:srcRect l="6511" t="12780" r="8146" b="9045"/>
+          <a:stretch/>
+        </p:blipFill>
+        <p:spPr>
+          <a:xfrm>
+            <a:off x="1129019" y="1404157"/>
+            <a:ext cx="9933962" cy="5118564"/>
+          </a:xfrm>
+          <a:prstGeom prst="rect">
+            <a:avLst/>
+          </a:prstGeom>
+        </p:spPr>
+      </p:pic>
+    </p:spTree>
+    <p:extLst>
+      <p:ext uri="{BB962C8B-B14F-4D97-AF65-F5344CB8AC3E}">
+        <p14:creationId xmlns:p14="http://schemas.microsoft.com/office/powerpoint/2010/main" val="1378876498"/>
+      </p:ext>
+    </p:extLst>
+  </p:cSld>
+  <p:clrMapOvr>
+    <a:masterClrMapping/>
+  </p:clrMapOvr>
+</p:sld>
+</file>
+
+<file path=ppt/slides/slide16.xml><?xml version="1.0" encoding="utf-8"?>
+<p:sld xmlns:a="http://schemas.openxmlformats.org/drawingml/2006/main" xmlns:r="http://schemas.openxmlformats.org/officeDocument/2006/relationships" xmlns:p="http://schemas.openxmlformats.org/presentationml/2006/main">
+  <p:cSld>
+    <p:spTree>
+      <p:nvGrpSpPr>
+        <p:cNvPr id="1" name=""/>
+        <p:cNvGrpSpPr/>
+        <p:nvPr/>
+      </p:nvGrpSpPr>
+      <p:grpSpPr>
+        <a:xfrm>
+          <a:off x="0" y="0"/>
+          <a:ext cx="0" cy="0"/>
+          <a:chOff x="0" y="0"/>
+          <a:chExt cx="0" cy="0"/>
+        </a:xfrm>
+      </p:grpSpPr>
+      <p:pic>
+        <p:nvPicPr>
+          <p:cNvPr id="9" name="Immagine 8">
+            <a:extLst>
+              <a:ext uri="{FF2B5EF4-FFF2-40B4-BE49-F238E27FC236}">
+                <a16:creationId xmlns:a16="http://schemas.microsoft.com/office/drawing/2014/main" id="{0CA8A065-2376-45B5-8427-350A398C2370}"/>
+              </a:ext>
+            </a:extLst>
+          </p:cNvPr>
+          <p:cNvPicPr>
+            <a:picLocks noChangeAspect="1"/>
+          </p:cNvPicPr>
+          <p:nvPr/>
+        </p:nvPicPr>
+        <p:blipFill rotWithShape="1">
+          <a:blip r:embed="rId2"/>
+          <a:srcRect l="8995" t="14540" r="8685" b="11834"/>
+          <a:stretch/>
+        </p:blipFill>
+        <p:spPr>
+          <a:xfrm>
+            <a:off x="989425" y="1791688"/>
+            <a:ext cx="9592758" cy="4826048"/>
+          </a:xfrm>
+          <a:prstGeom prst="rect">
+            <a:avLst/>
+          </a:prstGeom>
+        </p:spPr>
+      </p:pic>
+      <p:sp>
+        <p:nvSpPr>
+          <p:cNvPr id="2" name="Titolo 1">
+            <a:extLst>
+              <a:ext uri="{FF2B5EF4-FFF2-40B4-BE49-F238E27FC236}">
+                <a16:creationId xmlns:a16="http://schemas.microsoft.com/office/drawing/2014/main" id="{71B83AFD-44CF-4B99-82FE-6DE35DD40FE8}"/>
+              </a:ext>
+            </a:extLst>
+          </p:cNvPr>
+          <p:cNvSpPr>
+            <a:spLocks noGrp="1"/>
+          </p:cNvSpPr>
+          <p:nvPr>
+            <p:ph type="title"/>
+          </p:nvPr>
+        </p:nvSpPr>
+        <p:spPr>
+          <a:xfrm>
+            <a:off x="1278292" y="240264"/>
+            <a:ext cx="10562253" cy="767442"/>
+          </a:xfrm>
+        </p:spPr>
+        <p:txBody>
+          <a:bodyPr>
+            <a:normAutofit fontScale="90000"/>
+          </a:bodyPr>
+          <a:lstStyle/>
+          <a:p>
+            <a:r>
+              <a:rPr lang="en-US" dirty="0"/>
+              <a:t>Model identification and data checking results</a:t>
+            </a:r>
+            <a:br>
+              <a:rPr lang="en-US" dirty="0"/>
+            </a:br>
+            <a:endParaRPr lang="en-US" dirty="0"/>
+          </a:p>
+        </p:txBody>
+      </p:sp>
+      <p:sp>
+        <p:nvSpPr>
+          <p:cNvPr id="5" name="CasellaDiTesto 4">
+            <a:extLst>
+              <a:ext uri="{FF2B5EF4-FFF2-40B4-BE49-F238E27FC236}">
+                <a16:creationId xmlns:a16="http://schemas.microsoft.com/office/drawing/2014/main" id="{64418ABF-295A-4EA8-A2B2-A5A6F9DFBC0F}"/>
+              </a:ext>
+            </a:extLst>
+          </p:cNvPr>
+          <p:cNvSpPr txBox="1"/>
+          <p:nvPr/>
+        </p:nvSpPr>
+        <p:spPr>
+          <a:xfrm>
+            <a:off x="8558113" y="2221012"/>
+            <a:ext cx="1694695" cy="369332"/>
+          </a:xfrm>
+          <a:prstGeom prst="rect">
+            <a:avLst/>
+          </a:prstGeom>
+          <a:noFill/>
+        </p:spPr>
+        <p:txBody>
+          <a:bodyPr wrap="none" rtlCol="0">
+            <a:spAutoFit/>
+          </a:bodyPr>
+          <a:lstStyle/>
+          <a:p>
+            <a:r>
+              <a:rPr lang="en-US" dirty="0">
+                <a:solidFill>
+                  <a:schemeClr val="bg1"/>
+                </a:solidFill>
+              </a:rPr>
+              <a:t>Stable plain 1</a:t>
+            </a:r>
+          </a:p>
+        </p:txBody>
+      </p:sp>
+      <p:sp>
+        <p:nvSpPr>
+          <p:cNvPr id="6" name="CasellaDiTesto 5">
+            <a:extLst>
+              <a:ext uri="{FF2B5EF4-FFF2-40B4-BE49-F238E27FC236}">
+                <a16:creationId xmlns:a16="http://schemas.microsoft.com/office/drawing/2014/main" id="{309E8A29-63EB-445E-8717-C8A105BD0DE9}"/>
+              </a:ext>
+            </a:extLst>
+          </p:cNvPr>
+          <p:cNvSpPr txBox="1"/>
+          <p:nvPr/>
+        </p:nvSpPr>
+        <p:spPr>
+          <a:xfrm>
+            <a:off x="8558113" y="3758331"/>
+            <a:ext cx="1694695" cy="369332"/>
+          </a:xfrm>
+          <a:prstGeom prst="rect">
+            <a:avLst/>
+          </a:prstGeom>
+          <a:noFill/>
+        </p:spPr>
+        <p:txBody>
+          <a:bodyPr wrap="none" rtlCol="0">
+            <a:spAutoFit/>
+          </a:bodyPr>
+          <a:lstStyle/>
+          <a:p>
+            <a:r>
+              <a:rPr lang="en-US" dirty="0">
+                <a:solidFill>
+                  <a:schemeClr val="bg1"/>
+                </a:solidFill>
+              </a:rPr>
+              <a:t>Stable</a:t>
+            </a:r>
+            <a:r>
+              <a:rPr lang="en-US" dirty="0"/>
+              <a:t> </a:t>
+            </a:r>
+            <a:r>
+              <a:rPr lang="en-US" dirty="0">
+                <a:solidFill>
+                  <a:schemeClr val="bg1"/>
+                </a:solidFill>
+              </a:rPr>
+              <a:t>plain</a:t>
+            </a:r>
+            <a:r>
+              <a:rPr lang="en-US" dirty="0"/>
+              <a:t> </a:t>
+            </a:r>
+            <a:r>
+              <a:rPr lang="en-US" dirty="0">
+                <a:solidFill>
+                  <a:schemeClr val="bg1"/>
+                </a:solidFill>
+              </a:rPr>
+              <a:t>2</a:t>
+            </a:r>
+          </a:p>
+        </p:txBody>
+      </p:sp>
+      <p:sp>
+        <p:nvSpPr>
+          <p:cNvPr id="7" name="CasellaDiTesto 6">
+            <a:extLst>
+              <a:ext uri="{FF2B5EF4-FFF2-40B4-BE49-F238E27FC236}">
+                <a16:creationId xmlns:a16="http://schemas.microsoft.com/office/drawing/2014/main" id="{C1BCB9A3-276A-4FE9-899F-5B1CB1BD1F97}"/>
+              </a:ext>
+            </a:extLst>
+          </p:cNvPr>
+          <p:cNvSpPr txBox="1"/>
+          <p:nvPr/>
+        </p:nvSpPr>
+        <p:spPr>
+          <a:xfrm>
+            <a:off x="8393003" y="5417666"/>
+            <a:ext cx="1859805" cy="369332"/>
+          </a:xfrm>
+          <a:prstGeom prst="rect">
+            <a:avLst/>
+          </a:prstGeom>
+          <a:noFill/>
+        </p:spPr>
+        <p:txBody>
+          <a:bodyPr wrap="none" rtlCol="0">
+            <a:spAutoFit/>
+          </a:bodyPr>
+          <a:lstStyle/>
+          <a:p>
+            <a:r>
+              <a:rPr lang="en-US" dirty="0">
+                <a:solidFill>
+                  <a:schemeClr val="bg1"/>
+                </a:solidFill>
+              </a:rPr>
+              <a:t>Disturbed plain</a:t>
+            </a:r>
+          </a:p>
+        </p:txBody>
+      </p:sp>
+    </p:spTree>
+    <p:extLst>
+      <p:ext uri="{BB962C8B-B14F-4D97-AF65-F5344CB8AC3E}">
+        <p14:creationId xmlns:p14="http://schemas.microsoft.com/office/powerpoint/2010/main" val="3699517766"/>
+      </p:ext>
+    </p:extLst>
+  </p:cSld>
+  <p:clrMapOvr>
+    <a:masterClrMapping/>
+  </p:clrMapOvr>
+</p:sld>
+</file>
+
+<file path=ppt/slides/slide2.xml><?xml version="1.0" encoding="utf-8"?>
+<p:sld xmlns:a="http://schemas.openxmlformats.org/drawingml/2006/main" xmlns:r="http://schemas.openxmlformats.org/officeDocument/2006/relationships" xmlns:p="http://schemas.openxmlformats.org/presentationml/2006/main">
+  <p:cSld>
+    <p:spTree>
+      <p:nvGrpSpPr>
+        <p:cNvPr id="1" name=""/>
+        <p:cNvGrpSpPr/>
+        <p:nvPr/>
+      </p:nvGrpSpPr>
+      <p:grpSpPr>
+        <a:xfrm>
+          <a:off x="0" y="0"/>
+          <a:ext cx="0" cy="0"/>
+          <a:chOff x="0" y="0"/>
+          <a:chExt cx="0" cy="0"/>
+        </a:xfrm>
+      </p:grpSpPr>
+      <p:sp>
+        <p:nvSpPr>
+          <p:cNvPr id="2" name="Titolo 1">
+            <a:extLst>
+              <a:ext uri="{FF2B5EF4-FFF2-40B4-BE49-F238E27FC236}">
+                <a16:creationId xmlns:a16="http://schemas.microsoft.com/office/drawing/2014/main" id="{31AA4A73-8ABA-4983-916F-DC4F9E9CB363}"/>
+              </a:ext>
+            </a:extLst>
+          </p:cNvPr>
+          <p:cNvSpPr>
+            <a:spLocks noGrp="1"/>
+          </p:cNvSpPr>
+          <p:nvPr>
+            <p:ph type="title"/>
+          </p:nvPr>
+        </p:nvSpPr>
+        <p:spPr/>
+        <p:txBody>
+          <a:bodyPr/>
+          <a:lstStyle/>
+          <a:p>
+            <a:r>
+              <a:rPr lang="en-US" dirty="0"/>
+              <a:t>Project target</a:t>
+            </a:r>
+          </a:p>
+        </p:txBody>
+      </p:sp>
+      <p:sp>
+        <p:nvSpPr>
+          <p:cNvPr id="3" name="Segnaposto contenuto 2">
+            <a:extLst>
+              <a:ext uri="{FF2B5EF4-FFF2-40B4-BE49-F238E27FC236}">
+                <a16:creationId xmlns:a16="http://schemas.microsoft.com/office/drawing/2014/main" id="{79794AEB-6388-4679-9635-7085A1AE95B3}"/>
+              </a:ext>
+            </a:extLst>
+          </p:cNvPr>
+          <p:cNvSpPr>
+            <a:spLocks noGrp="1"/>
+          </p:cNvSpPr>
+          <p:nvPr>
+            <p:ph idx="1"/>
+          </p:nvPr>
+        </p:nvSpPr>
+        <p:spPr>
+          <a:xfrm>
+            <a:off x="715385" y="1785064"/>
+            <a:ext cx="10525270" cy="4195481"/>
+          </a:xfrm>
+        </p:spPr>
+        <p:txBody>
+          <a:bodyPr/>
+          <a:lstStyle/>
+          <a:p>
+            <a:pPr marL="0" indent="0">
+              <a:buNone/>
+            </a:pPr>
+            <a:r>
+              <a:rPr lang="en-US" dirty="0"/>
+              <a:t>Obtain a system able to detect faults on an industrial motor.</a:t>
+            </a:r>
+          </a:p>
+        </p:txBody>
+      </p:sp>
+      <p:pic>
+        <p:nvPicPr>
+          <p:cNvPr id="4" name="Immagine 3">
+            <a:extLst>
+              <a:ext uri="{FF2B5EF4-FFF2-40B4-BE49-F238E27FC236}">
+                <a16:creationId xmlns:a16="http://schemas.microsoft.com/office/drawing/2014/main" id="{4CB16577-DD5C-4E1D-8670-9142B8CAC280}"/>
+              </a:ext>
+            </a:extLst>
+          </p:cNvPr>
+          <p:cNvPicPr>
+            <a:picLocks noChangeAspect="1"/>
+          </p:cNvPicPr>
+          <p:nvPr/>
+        </p:nvPicPr>
+        <p:blipFill>
+          <a:blip r:embed="rId2">
+            <a:extLst>
+              <a:ext uri="{28A0092B-C50C-407E-A947-70E740481C1C}">
+                <a14:useLocalDpi xmlns:a14="http://schemas.microsoft.com/office/drawing/2010/main" val="0"/>
+              </a:ext>
+            </a:extLst>
+          </a:blip>
+          <a:stretch>
+            <a:fillRect/>
+          </a:stretch>
+        </p:blipFill>
+        <p:spPr>
+          <a:xfrm>
+            <a:off x="4472457" y="2970797"/>
+            <a:ext cx="2725485" cy="2568436"/>
+          </a:xfrm>
+          <a:prstGeom prst="rect">
+            <a:avLst/>
+          </a:prstGeom>
+          <a:ln w="38100">
+            <a:solidFill>
+              <a:sysClr val="windowText" lastClr="000000"/>
+            </a:solidFill>
+          </a:ln>
+        </p:spPr>
+      </p:pic>
+    </p:spTree>
+    <p:extLst>
+      <p:ext uri="{BB962C8B-B14F-4D97-AF65-F5344CB8AC3E}">
+        <p14:creationId xmlns:p14="http://schemas.microsoft.com/office/powerpoint/2010/main" val="942602347"/>
+      </p:ext>
+    </p:extLst>
+  </p:cSld>
+  <p:clrMapOvr>
+    <a:masterClrMapping/>
+  </p:clrMapOvr>
+</p:sld>
+</file>
+
+<file path=ppt/slides/slide3.xml><?xml version="1.0" encoding="utf-8"?>
+<p:sld xmlns:a="http://schemas.openxmlformats.org/drawingml/2006/main" xmlns:r="http://schemas.openxmlformats.org/officeDocument/2006/relationships" xmlns:p="http://schemas.openxmlformats.org/presentationml/2006/main">
+  <p:cSld>
+    <p:spTree>
+      <p:nvGrpSpPr>
+        <p:cNvPr id="1" name=""/>
+        <p:cNvGrpSpPr/>
+        <p:nvPr/>
+      </p:nvGrpSpPr>
+      <p:grpSpPr>
+        <a:xfrm>
+          <a:off x="0" y="0"/>
+          <a:ext cx="0" cy="0"/>
+          <a:chOff x="0" y="0"/>
+          <a:chExt cx="0" cy="0"/>
+        </a:xfrm>
+      </p:grpSpPr>
+      <p:sp>
+        <p:nvSpPr>
+          <p:cNvPr id="2" name="Titolo 1">
+            <a:extLst>
+              <a:ext uri="{FF2B5EF4-FFF2-40B4-BE49-F238E27FC236}">
+                <a16:creationId xmlns:a16="http://schemas.microsoft.com/office/drawing/2014/main" id="{2676B041-2A6A-4F74-A4D6-BC4E3AFAA838}"/>
+              </a:ext>
+            </a:extLst>
+          </p:cNvPr>
+          <p:cNvSpPr>
+            <a:spLocks noGrp="1"/>
+          </p:cNvSpPr>
+          <p:nvPr>
+            <p:ph type="title"/>
+          </p:nvPr>
+        </p:nvSpPr>
+        <p:spPr/>
+        <p:txBody>
+          <a:bodyPr/>
+          <a:lstStyle/>
+          <a:p>
+            <a:pPr algn="ctr"/>
+            <a:r>
+              <a:rPr lang="en-US" dirty="0"/>
+              <a:t>Capturing the motor properties</a:t>
+            </a:r>
+          </a:p>
+        </p:txBody>
+      </p:sp>
+      <p:sp>
+        <p:nvSpPr>
+          <p:cNvPr id="3" name="Segnaposto contenuto 2">
+            <a:extLst>
+              <a:ext uri="{FF2B5EF4-FFF2-40B4-BE49-F238E27FC236}">
+                <a16:creationId xmlns:a16="http://schemas.microsoft.com/office/drawing/2014/main" id="{F695A7F4-0B3B-4849-8BFB-3B238FC36196}"/>
+              </a:ext>
+            </a:extLst>
+          </p:cNvPr>
+          <p:cNvSpPr>
+            <a:spLocks noGrp="1"/>
+          </p:cNvSpPr>
+          <p:nvPr>
+            <p:ph idx="1"/>
+          </p:nvPr>
+        </p:nvSpPr>
+        <p:spPr>
+          <a:xfrm>
+            <a:off x="1130300" y="1660562"/>
+            <a:ext cx="9931400" cy="4572000"/>
+          </a:xfrm>
+        </p:spPr>
+        <p:txBody>
+          <a:bodyPr>
+            <a:normAutofit/>
+          </a:bodyPr>
+          <a:lstStyle/>
+          <a:p>
+            <a:pPr marL="0" indent="0" algn="just">
+              <a:buNone/>
+            </a:pPr>
+            <a:r>
+              <a:rPr lang="en-US" sz="2400" dirty="0"/>
+              <a:t>We have three main tasks to tackle:</a:t>
+            </a:r>
+          </a:p>
+          <a:p>
+            <a:pPr marL="514350" indent="-514350" algn="just">
+              <a:buFont typeface="+mj-lt"/>
+              <a:buAutoNum type="arabicPeriod"/>
+            </a:pPr>
+            <a:r>
+              <a:rPr lang="en-US" sz="2400" b="1" dirty="0"/>
+              <a:t>Data acquisition:</a:t>
+            </a:r>
+            <a:r>
+              <a:rPr lang="en-US" sz="2400" dirty="0"/>
+              <a:t> we will sense data using the </a:t>
+            </a:r>
+            <a:r>
+              <a:rPr lang="en-US" sz="2400" dirty="0" err="1"/>
+              <a:t>BlueCoin</a:t>
+            </a:r>
+            <a:r>
+              <a:rPr lang="en-US" sz="2400" dirty="0"/>
+              <a:t> board, and then collect them</a:t>
+            </a:r>
+          </a:p>
+          <a:p>
+            <a:pPr lvl="1" algn="just"/>
+            <a:r>
+              <a:rPr lang="en-US" sz="2400" b="1" i="0" u="sng" dirty="0"/>
+              <a:t>The prototype we are developing in this iteration will sense data on a testbed, and record them offline on an SD card</a:t>
+            </a:r>
+          </a:p>
+          <a:p>
+            <a:pPr lvl="1" algn="just"/>
+            <a:r>
+              <a:rPr lang="en-US" sz="2400" dirty="0"/>
+              <a:t>Future iterations could provide real time data sensing and collection. This configuration will need to handle further concerns, like energy efficiency (harvesting?)</a:t>
+            </a:r>
+          </a:p>
+        </p:txBody>
+      </p:sp>
+    </p:spTree>
+    <p:extLst>
+      <p:ext uri="{BB962C8B-B14F-4D97-AF65-F5344CB8AC3E}">
+        <p14:creationId xmlns:p14="http://schemas.microsoft.com/office/powerpoint/2010/main" val="1525512371"/>
+      </p:ext>
+    </p:extLst>
+  </p:cSld>
+  <p:clrMapOvr>
+    <a:masterClrMapping/>
+  </p:clrMapOvr>
+</p:sld>
+</file>
+
+<file path=ppt/slides/slide4.xml><?xml version="1.0" encoding="utf-8"?>
+<p:sld xmlns:a="http://schemas.openxmlformats.org/drawingml/2006/main" xmlns:r="http://schemas.openxmlformats.org/officeDocument/2006/relationships" xmlns:p="http://schemas.openxmlformats.org/presentationml/2006/main">
+  <p:cSld>
+    <p:spTree>
+      <p:nvGrpSpPr>
+        <p:cNvPr id="1" name=""/>
+        <p:cNvGrpSpPr/>
+        <p:nvPr/>
+      </p:nvGrpSpPr>
+      <p:grpSpPr>
+        <a:xfrm>
+          <a:off x="0" y="0"/>
+          <a:ext cx="0" cy="0"/>
+          <a:chOff x="0" y="0"/>
+          <a:chExt cx="0" cy="0"/>
+        </a:xfrm>
+      </p:grpSpPr>
+      <p:sp>
+        <p:nvSpPr>
+          <p:cNvPr id="2" name="Titolo 1">
+            <a:extLst>
+              <a:ext uri="{FF2B5EF4-FFF2-40B4-BE49-F238E27FC236}">
+                <a16:creationId xmlns:a16="http://schemas.microsoft.com/office/drawing/2014/main" id="{7A62D75F-FCBC-4F9C-9A8C-2BF4246E4E08}"/>
+              </a:ext>
+            </a:extLst>
+          </p:cNvPr>
+          <p:cNvSpPr>
+            <a:spLocks noGrp="1"/>
+          </p:cNvSpPr>
+          <p:nvPr>
+            <p:ph type="title"/>
+          </p:nvPr>
+        </p:nvSpPr>
+        <p:spPr>
+          <a:xfrm>
+            <a:off x="646111" y="452717"/>
+            <a:ext cx="9430762" cy="1403791"/>
+          </a:xfrm>
+        </p:spPr>
+        <p:txBody>
+          <a:bodyPr/>
+          <a:lstStyle/>
+          <a:p>
+            <a:r>
+              <a:rPr lang="en-US" dirty="0"/>
+              <a:t>Capturing the motor properties</a:t>
+            </a:r>
+            <a:endParaRPr lang="it-IT" dirty="0"/>
+          </a:p>
+        </p:txBody>
+      </p:sp>
+      <p:sp>
+        <p:nvSpPr>
+          <p:cNvPr id="3" name="Segnaposto contenuto 2">
+            <a:extLst>
+              <a:ext uri="{FF2B5EF4-FFF2-40B4-BE49-F238E27FC236}">
+                <a16:creationId xmlns:a16="http://schemas.microsoft.com/office/drawing/2014/main" id="{465C9DF9-67B8-4B44-9692-28B6AB9DDCED}"/>
+              </a:ext>
+            </a:extLst>
+          </p:cNvPr>
+          <p:cNvSpPr>
+            <a:spLocks noGrp="1"/>
+          </p:cNvSpPr>
+          <p:nvPr>
+            <p:ph idx="1"/>
+          </p:nvPr>
+        </p:nvSpPr>
+        <p:spPr>
+          <a:xfrm>
+            <a:off x="1103312" y="1920838"/>
+            <a:ext cx="8946541" cy="4195481"/>
+          </a:xfrm>
+        </p:spPr>
+        <p:txBody>
+          <a:bodyPr/>
+          <a:lstStyle/>
+          <a:p>
+            <a:pPr marL="514350" indent="-514350" algn="just">
+              <a:buFont typeface="+mj-lt"/>
+              <a:buAutoNum type="arabicPeriod" startAt="2"/>
+            </a:pPr>
+            <a:r>
+              <a:rPr lang="en-US" b="1" dirty="0"/>
+              <a:t>Model identification</a:t>
+            </a:r>
+            <a:r>
+              <a:rPr lang="en-US" dirty="0"/>
+              <a:t>: we will feed these data into a modeling algorithm, which will estimate the system characteristics</a:t>
+            </a:r>
+          </a:p>
+          <a:p>
+            <a:pPr lvl="1" algn="just"/>
+            <a:r>
+              <a:rPr lang="en-US" sz="2400" b="1" u="sng" dirty="0"/>
+              <a:t>We are testing an advanced model identification algorithm</a:t>
+            </a:r>
+            <a:r>
+              <a:rPr lang="en-US" sz="2400" b="1" dirty="0"/>
+              <a:t> </a:t>
+            </a:r>
+            <a:r>
+              <a:rPr lang="en-US" sz="2400" dirty="0"/>
+              <a:t>which should provide accurate modeling capabilities. </a:t>
+            </a:r>
+          </a:p>
+          <a:p>
+            <a:pPr lvl="1" algn="just"/>
+            <a:r>
+              <a:rPr lang="en-US" sz="2400" dirty="0"/>
+              <a:t>If this algorithm won’t prove to be effective to this particular application, we have a simpler backup alternative available</a:t>
+            </a:r>
+          </a:p>
+        </p:txBody>
+      </p:sp>
+    </p:spTree>
+    <p:extLst>
+      <p:ext uri="{BB962C8B-B14F-4D97-AF65-F5344CB8AC3E}">
+        <p14:creationId xmlns:p14="http://schemas.microsoft.com/office/powerpoint/2010/main" val="26293034"/>
+      </p:ext>
+    </p:extLst>
+  </p:cSld>
+  <p:clrMapOvr>
+    <a:masterClrMapping/>
+  </p:clrMapOvr>
+</p:sld>
+</file>
+
+<file path=ppt/slides/slide5.xml><?xml version="1.0" encoding="utf-8"?>
+<p:sld xmlns:a="http://schemas.openxmlformats.org/drawingml/2006/main" xmlns:r="http://schemas.openxmlformats.org/officeDocument/2006/relationships" xmlns:p="http://schemas.openxmlformats.org/presentationml/2006/main">
+  <p:cSld>
+    <p:spTree>
+      <p:nvGrpSpPr>
+        <p:cNvPr id="1" name=""/>
+        <p:cNvGrpSpPr/>
+        <p:nvPr/>
+      </p:nvGrpSpPr>
+      <p:grpSpPr>
+        <a:xfrm>
+          <a:off x="0" y="0"/>
+          <a:ext cx="0" cy="0"/>
+          <a:chOff x="0" y="0"/>
+          <a:chExt cx="0" cy="0"/>
+        </a:xfrm>
+      </p:grpSpPr>
+      <p:sp>
+        <p:nvSpPr>
+          <p:cNvPr id="2" name="Titolo 1">
+            <a:extLst>
+              <a:ext uri="{FF2B5EF4-FFF2-40B4-BE49-F238E27FC236}">
+                <a16:creationId xmlns:a16="http://schemas.microsoft.com/office/drawing/2014/main" id="{46B21E08-6DC0-4E21-A653-36BD6CE303AA}"/>
+              </a:ext>
+            </a:extLst>
+          </p:cNvPr>
+          <p:cNvSpPr>
+            <a:spLocks noGrp="1"/>
+          </p:cNvSpPr>
+          <p:nvPr>
+            <p:ph type="title"/>
+          </p:nvPr>
+        </p:nvSpPr>
+        <p:spPr/>
+        <p:txBody>
+          <a:bodyPr/>
+          <a:lstStyle/>
+          <a:p>
+            <a:r>
+              <a:rPr lang="en-US" dirty="0"/>
+              <a:t>Monitoring the motor state</a:t>
+            </a:r>
+          </a:p>
+        </p:txBody>
+      </p:sp>
+      <p:sp>
+        <p:nvSpPr>
+          <p:cNvPr id="3" name="Segnaposto contenuto 2">
+            <a:extLst>
+              <a:ext uri="{FF2B5EF4-FFF2-40B4-BE49-F238E27FC236}">
+                <a16:creationId xmlns:a16="http://schemas.microsoft.com/office/drawing/2014/main" id="{BBF21BB1-32F9-4EAF-A156-A6FB79B8B51A}"/>
+              </a:ext>
+            </a:extLst>
+          </p:cNvPr>
+          <p:cNvSpPr>
+            <a:spLocks noGrp="1"/>
+          </p:cNvSpPr>
+          <p:nvPr>
+            <p:ph idx="1"/>
+          </p:nvPr>
+        </p:nvSpPr>
+        <p:spPr/>
+        <p:txBody>
+          <a:bodyPr/>
+          <a:lstStyle/>
+          <a:p>
+            <a:pPr marL="457200" indent="-457200">
+              <a:buFont typeface="+mj-lt"/>
+              <a:buAutoNum type="arabicPeriod" startAt="3"/>
+            </a:pPr>
+            <a:r>
+              <a:rPr lang="en-US" b="1" dirty="0"/>
+              <a:t>Fault detection: </a:t>
+            </a:r>
+            <a:r>
+              <a:rPr lang="en-US" dirty="0"/>
+              <a:t>the next acquisitions will be checked against the prediction generated by our estimated model</a:t>
+            </a:r>
+          </a:p>
+          <a:p>
+            <a:pPr lvl="1"/>
+            <a:r>
+              <a:rPr lang="en-US" sz="2400" dirty="0"/>
+              <a:t>If the output differs too much, we will know that the model has changed and the test will fail</a:t>
+            </a:r>
+          </a:p>
+        </p:txBody>
+      </p:sp>
+    </p:spTree>
+    <p:extLst>
+      <p:ext uri="{BB962C8B-B14F-4D97-AF65-F5344CB8AC3E}">
+        <p14:creationId xmlns:p14="http://schemas.microsoft.com/office/powerpoint/2010/main" val="3347341602"/>
+      </p:ext>
+    </p:extLst>
+  </p:cSld>
+  <p:clrMapOvr>
+    <a:masterClrMapping/>
+  </p:clrMapOvr>
+</p:sld>
+</file>
+
+<file path=ppt/slides/slide6.xml><?xml version="1.0" encoding="utf-8"?>
+<p:sld xmlns:a="http://schemas.openxmlformats.org/drawingml/2006/main" xmlns:r="http://schemas.openxmlformats.org/officeDocument/2006/relationships" xmlns:p="http://schemas.openxmlformats.org/presentationml/2006/main">
+  <p:cSld>
+    <p:spTree>
+      <p:nvGrpSpPr>
+        <p:cNvPr id="1" name=""/>
+        <p:cNvGrpSpPr/>
+        <p:nvPr/>
+      </p:nvGrpSpPr>
+      <p:grpSpPr>
+        <a:xfrm>
+          <a:off x="0" y="0"/>
+          <a:ext cx="0" cy="0"/>
+          <a:chOff x="0" y="0"/>
+          <a:chExt cx="0" cy="0"/>
+        </a:xfrm>
+      </p:grpSpPr>
+      <p:sp>
+        <p:nvSpPr>
+          <p:cNvPr id="2" name="Titolo 1">
+            <a:extLst>
+              <a:ext uri="{FF2B5EF4-FFF2-40B4-BE49-F238E27FC236}">
+                <a16:creationId xmlns:a16="http://schemas.microsoft.com/office/drawing/2014/main" id="{46B21E08-6DC0-4E21-A653-36BD6CE303AA}"/>
+              </a:ext>
+            </a:extLst>
+          </p:cNvPr>
+          <p:cNvSpPr>
+            <a:spLocks noGrp="1"/>
+          </p:cNvSpPr>
+          <p:nvPr>
+            <p:ph type="title"/>
+          </p:nvPr>
+        </p:nvSpPr>
+        <p:spPr/>
+        <p:txBody>
+          <a:bodyPr/>
+          <a:lstStyle/>
+          <a:p>
+            <a:r>
+              <a:rPr lang="en-US" dirty="0"/>
+              <a:t>Monitoring the motor state</a:t>
+            </a:r>
+          </a:p>
+        </p:txBody>
+      </p:sp>
+      <p:sp>
+        <p:nvSpPr>
+          <p:cNvPr id="3" name="Segnaposto contenuto 2">
+            <a:extLst>
+              <a:ext uri="{FF2B5EF4-FFF2-40B4-BE49-F238E27FC236}">
+                <a16:creationId xmlns:a16="http://schemas.microsoft.com/office/drawing/2014/main" id="{BBF21BB1-32F9-4EAF-A156-A6FB79B8B51A}"/>
+              </a:ext>
+            </a:extLst>
+          </p:cNvPr>
+          <p:cNvSpPr>
+            <a:spLocks noGrp="1"/>
+          </p:cNvSpPr>
+          <p:nvPr>
+            <p:ph idx="1"/>
+          </p:nvPr>
+        </p:nvSpPr>
+        <p:spPr/>
+        <p:txBody>
+          <a:bodyPr/>
+          <a:lstStyle/>
+          <a:p>
+            <a:pPr marL="0" indent="0">
+              <a:buNone/>
+            </a:pPr>
+            <a:r>
+              <a:rPr lang="en-US" dirty="0"/>
+              <a:t>Once the motor model has been detected the </a:t>
+            </a:r>
+            <a:r>
+              <a:rPr lang="en-US" dirty="0" err="1"/>
+              <a:t>BlueCoin</a:t>
+            </a:r>
+            <a:r>
+              <a:rPr lang="en-US" dirty="0"/>
+              <a:t> will be used to read and save data from it with a frequency depending on its usage.</a:t>
+            </a:r>
+          </a:p>
+          <a:p>
+            <a:pPr marL="0" indent="0">
+              <a:buNone/>
+            </a:pPr>
+            <a:r>
+              <a:rPr lang="en-US" dirty="0"/>
+              <a:t>Those data will be used to:</a:t>
+            </a:r>
+          </a:p>
+          <a:p>
+            <a:r>
+              <a:rPr lang="en-US" dirty="0"/>
+              <a:t>Check if they fits the model previously identified</a:t>
+            </a:r>
+          </a:p>
+          <a:p>
+            <a:r>
+              <a:rPr lang="en-US" dirty="0"/>
+              <a:t>Launch an alarm if they do not</a:t>
+            </a:r>
+          </a:p>
+        </p:txBody>
+      </p:sp>
+    </p:spTree>
+    <p:extLst>
+      <p:ext uri="{BB962C8B-B14F-4D97-AF65-F5344CB8AC3E}">
+        <p14:creationId xmlns:p14="http://schemas.microsoft.com/office/powerpoint/2010/main" val="4241149521"/>
+      </p:ext>
+    </p:extLst>
+  </p:cSld>
+  <p:clrMapOvr>
+    <a:masterClrMapping/>
+  </p:clrMapOvr>
+</p:sld>
+</file>
+
+<file path=ppt/slides/slide7.xml><?xml version="1.0" encoding="utf-8"?>
+<p:sld xmlns:a="http://schemas.openxmlformats.org/drawingml/2006/main" xmlns:r="http://schemas.openxmlformats.org/officeDocument/2006/relationships" xmlns:p="http://schemas.openxmlformats.org/presentationml/2006/main">
+  <p:cSld>
+    <p:spTree>
+      <p:nvGrpSpPr>
+        <p:cNvPr id="1" name=""/>
+        <p:cNvGrpSpPr/>
+        <p:nvPr/>
+      </p:nvGrpSpPr>
+      <p:grpSpPr>
+        <a:xfrm>
+          <a:off x="0" y="0"/>
+          <a:ext cx="0" cy="0"/>
+          <a:chOff x="0" y="0"/>
+          <a:chExt cx="0" cy="0"/>
+        </a:xfrm>
+      </p:grpSpPr>
+      <p:sp>
+        <p:nvSpPr>
+          <p:cNvPr id="2" name="Titolo 1">
+            <a:extLst>
+              <a:ext uri="{FF2B5EF4-FFF2-40B4-BE49-F238E27FC236}">
+                <a16:creationId xmlns:a16="http://schemas.microsoft.com/office/drawing/2014/main" id="{0B22BC0E-73AF-4669-8BBD-9EC67D2695EE}"/>
+              </a:ext>
+            </a:extLst>
+          </p:cNvPr>
+          <p:cNvSpPr>
+            <a:spLocks noGrp="1"/>
+          </p:cNvSpPr>
+          <p:nvPr>
+            <p:ph type="title"/>
+          </p:nvPr>
+        </p:nvSpPr>
+        <p:spPr>
+          <a:xfrm>
+            <a:off x="646111" y="351118"/>
+            <a:ext cx="9404723" cy="1400530"/>
+          </a:xfrm>
+        </p:spPr>
+        <p:txBody>
+          <a:bodyPr/>
+          <a:lstStyle/>
+          <a:p>
+            <a:pPr algn="ctr"/>
+            <a:r>
+              <a:rPr lang="en-US" b="1" dirty="0"/>
+              <a:t>Adaptivity</a:t>
+            </a:r>
+          </a:p>
+        </p:txBody>
+      </p:sp>
+      <p:sp>
+        <p:nvSpPr>
+          <p:cNvPr id="3" name="Segnaposto contenuto 2">
+            <a:extLst>
+              <a:ext uri="{FF2B5EF4-FFF2-40B4-BE49-F238E27FC236}">
+                <a16:creationId xmlns:a16="http://schemas.microsoft.com/office/drawing/2014/main" id="{EE9629A9-6146-4F44-9EDF-5D86C3A2C39D}"/>
+              </a:ext>
+            </a:extLst>
+          </p:cNvPr>
+          <p:cNvSpPr>
+            <a:spLocks noGrp="1"/>
+          </p:cNvSpPr>
+          <p:nvPr>
+            <p:ph idx="1"/>
+          </p:nvPr>
+        </p:nvSpPr>
+        <p:spPr>
+          <a:xfrm>
+            <a:off x="1016000" y="1625600"/>
+            <a:ext cx="9804400" cy="4135120"/>
+          </a:xfrm>
+        </p:spPr>
+        <p:txBody>
+          <a:bodyPr>
+            <a:noAutofit/>
+          </a:bodyPr>
+          <a:lstStyle/>
+          <a:p>
+            <a:pPr algn="just"/>
+            <a:r>
+              <a:rPr lang="en-US" sz="2400" dirty="0"/>
+              <a:t>Every motor will have a different dynamic, depending on the working regime, its past usage, the load applied… </a:t>
+            </a:r>
+          </a:p>
+          <a:p>
+            <a:pPr algn="just"/>
+            <a:r>
+              <a:rPr lang="en-US" sz="2400" b="1" u="sng" dirty="0"/>
+              <a:t>For this iteration, we are developing an prototype which will identify a basic model of the motor in a clean environment, free of interferences, at a given regime.</a:t>
+            </a:r>
+            <a:r>
+              <a:rPr lang="en-US" sz="2400" b="1" dirty="0"/>
+              <a:t> </a:t>
+            </a:r>
+            <a:r>
+              <a:rPr lang="en-US" sz="2400" dirty="0"/>
+              <a:t>Comparisons will be made on this data after an alteration of the system.</a:t>
+            </a:r>
+          </a:p>
+          <a:p>
+            <a:pPr algn="just"/>
+            <a:r>
+              <a:rPr lang="en-US" dirty="0"/>
+              <a:t>An advanced, adaptive identification system taking all these factors into account could be explored in future iterations. </a:t>
+            </a:r>
+          </a:p>
+        </p:txBody>
+      </p:sp>
+    </p:spTree>
+    <p:extLst>
+      <p:ext uri="{BB962C8B-B14F-4D97-AF65-F5344CB8AC3E}">
+        <p14:creationId xmlns:p14="http://schemas.microsoft.com/office/powerpoint/2010/main" val="163688200"/>
+      </p:ext>
+    </p:extLst>
+  </p:cSld>
+  <p:clrMapOvr>
+    <a:masterClrMapping/>
+  </p:clrMapOvr>
+</p:sld>
+</file>
+
 <file path=ppt/slides/slide8.xml><?xml version="1.0" encoding="utf-8"?>
 <p:sld xmlns:a="http://schemas.openxmlformats.org/drawingml/2006/main" xmlns:r="http://schemas.openxmlformats.org/officeDocument/2006/relationships" xmlns:p="http://schemas.openxmlformats.org/presentationml/2006/main">
   <p:cSld>
@@ -12656,12 +12543,42 @@
           <a:chExt cx="0" cy="0"/>
         </a:xfrm>
       </p:grpSpPr>
-      <p:sp>
-        <p:nvSpPr>
-          <p:cNvPr id="4" name="Titolo 1">
+      <p:graphicFrame>
+        <p:nvGraphicFramePr>
+          <p:cNvPr id="30" name="Segnaposto contenuto 3">
             <a:extLst>
               <a:ext uri="{FF2B5EF4-FFF2-40B4-BE49-F238E27FC236}">
-                <a16:creationId xmlns:a16="http://schemas.microsoft.com/office/drawing/2014/main" id="{0130F6C5-1D6E-4A79-9A1E-F491409D7E3F}"/>
+                <a16:creationId xmlns:a16="http://schemas.microsoft.com/office/drawing/2014/main" id="{2CA57FE3-CBF0-41EE-93A3-7550B068E041}"/>
+              </a:ext>
+            </a:extLst>
+          </p:cNvPr>
+          <p:cNvGraphicFramePr>
+            <a:graphicFrameLocks/>
+          </p:cNvGraphicFramePr>
+          <p:nvPr>
+            <p:extLst>
+              <p:ext uri="{D42A27DB-BD31-4B8C-83A1-F6EECF244321}">
+                <p14:modId xmlns:p14="http://schemas.microsoft.com/office/powerpoint/2010/main" val="3856914944"/>
+              </p:ext>
+            </p:extLst>
+          </p:nvPr>
+        </p:nvGraphicFramePr>
+        <p:xfrm>
+          <a:off x="6298023" y="1284500"/>
+          <a:ext cx="5511744" cy="5220070"/>
+        </p:xfrm>
+        <a:graphic>
+          <a:graphicData uri="http://schemas.openxmlformats.org/drawingml/2006/diagram">
+            <dgm:relIds xmlns:dgm="http://schemas.openxmlformats.org/drawingml/2006/diagram" xmlns:r="http://schemas.openxmlformats.org/officeDocument/2006/relationships" r:dm="rId2" r:lo="rId3" r:qs="rId4" r:cs="rId5"/>
+          </a:graphicData>
+        </a:graphic>
+      </p:graphicFrame>
+      <p:sp>
+        <p:nvSpPr>
+          <p:cNvPr id="2" name="Titolo 1">
+            <a:extLst>
+              <a:ext uri="{FF2B5EF4-FFF2-40B4-BE49-F238E27FC236}">
+                <a16:creationId xmlns:a16="http://schemas.microsoft.com/office/drawing/2014/main" id="{F909ECA4-8B8D-418A-9CFD-34617E8328BE}"/>
               </a:ext>
             </a:extLst>
           </p:cNvPr>
@@ -12674,73 +12591,693 @@
         </p:nvSpPr>
         <p:spPr>
           <a:xfrm>
-            <a:off x="1371600" y="685800"/>
-            <a:ext cx="9601200" cy="919480"/>
+            <a:off x="838200" y="290712"/>
+            <a:ext cx="10515600" cy="1325563"/>
           </a:xfrm>
         </p:spPr>
         <p:txBody>
           <a:bodyPr/>
           <a:lstStyle/>
           <a:p>
+            <a:pPr algn="ctr"/>
             <a:r>
               <a:rPr lang="en-US" dirty="0"/>
-              <a:t>Preliminary results</a:t>
-            </a:r>
-          </a:p>
-        </p:txBody>
-      </p:sp>
-      <p:sp>
-        <p:nvSpPr>
-          <p:cNvPr id="3" name="Segnaposto contenuto 2">
+              <a:t>Overall work cycle</a:t>
+            </a:r>
+          </a:p>
+        </p:txBody>
+      </p:sp>
+      <p:graphicFrame>
+        <p:nvGraphicFramePr>
+          <p:cNvPr id="4" name="Segnaposto contenuto 3">
             <a:extLst>
               <a:ext uri="{FF2B5EF4-FFF2-40B4-BE49-F238E27FC236}">
-                <a16:creationId xmlns:a16="http://schemas.microsoft.com/office/drawing/2014/main" id="{F985ED7B-07D9-446B-9DF8-3813DF8D3EC4}"/>
+                <a16:creationId xmlns:a16="http://schemas.microsoft.com/office/drawing/2014/main" id="{910F84E3-0115-4241-A6D0-BEA5F24E14DA}"/>
               </a:ext>
             </a:extLst>
           </p:cNvPr>
-          <p:cNvSpPr>
-            <a:spLocks noGrp="1"/>
-          </p:cNvSpPr>
+          <p:cNvGraphicFramePr>
+            <a:graphicFrameLocks noGrp="1"/>
+          </p:cNvGraphicFramePr>
           <p:nvPr>
             <p:ph idx="1"/>
+            <p:extLst>
+              <p:ext uri="{D42A27DB-BD31-4B8C-83A1-F6EECF244321}">
+                <p14:modId xmlns:p14="http://schemas.microsoft.com/office/powerpoint/2010/main" val="453518116"/>
+              </p:ext>
+            </p:extLst>
           </p:nvPr>
+        </p:nvGraphicFramePr>
+        <p:xfrm>
+          <a:off x="838200" y="1284500"/>
+          <a:ext cx="5076000" cy="5220070"/>
+        </p:xfrm>
+        <a:graphic>
+          <a:graphicData uri="http://schemas.openxmlformats.org/drawingml/2006/diagram">
+            <dgm:relIds xmlns:dgm="http://schemas.openxmlformats.org/drawingml/2006/diagram" xmlns:r="http://schemas.openxmlformats.org/officeDocument/2006/relationships" r:dm="rId7" r:lo="rId8" r:qs="rId9" r:cs="rId10"/>
+          </a:graphicData>
+        </a:graphic>
+      </p:graphicFrame>
+      <p:sp>
+        <p:nvSpPr>
+          <p:cNvPr id="6" name="Ovale 5">
+            <a:extLst>
+              <a:ext uri="{FF2B5EF4-FFF2-40B4-BE49-F238E27FC236}">
+                <a16:creationId xmlns:a16="http://schemas.microsoft.com/office/drawing/2014/main" id="{171F6307-4D37-429B-A1E1-FA6F8631803C}"/>
+              </a:ext>
+            </a:extLst>
+          </p:cNvPr>
+          <p:cNvSpPr/>
+          <p:nvPr/>
         </p:nvSpPr>
         <p:spPr>
           <a:xfrm>
-            <a:off x="1442622" y="1981200"/>
-            <a:ext cx="9601200" cy="4470400"/>
+            <a:off x="1386905" y="2284346"/>
+            <a:ext cx="1915257" cy="1404714"/>
           </a:xfrm>
+          <a:prstGeom prst="ellipse">
+            <a:avLst/>
+          </a:prstGeom>
         </p:spPr>
-        <p:txBody>
-          <a:bodyPr>
-            <a:normAutofit/>
+        <p:style>
+          <a:lnRef idx="2">
+            <a:schemeClr val="accent1">
+              <a:shade val="50000"/>
+            </a:schemeClr>
+          </a:lnRef>
+          <a:fillRef idx="1">
+            <a:schemeClr val="accent1"/>
+          </a:fillRef>
+          <a:effectRef idx="0">
+            <a:schemeClr val="accent1"/>
+          </a:effectRef>
+          <a:fontRef idx="minor">
+            <a:schemeClr val="lt1"/>
+          </a:fontRef>
+        </p:style>
+        <p:txBody>
+          <a:bodyPr rtlCol="0" anchor="ctr"/>
+          <a:lstStyle/>
+          <a:p>
+            <a:pPr algn="ctr"/>
+            <a:r>
+              <a:rPr lang="en-US" dirty="0"/>
+              <a:t>Blue coin installation on motor </a:t>
+            </a:r>
+          </a:p>
+        </p:txBody>
+      </p:sp>
+      <p:sp>
+        <p:nvSpPr>
+          <p:cNvPr id="7" name="Ovale 6">
+            <a:extLst>
+              <a:ext uri="{FF2B5EF4-FFF2-40B4-BE49-F238E27FC236}">
+                <a16:creationId xmlns:a16="http://schemas.microsoft.com/office/drawing/2014/main" id="{7D2481BC-556D-4A5B-8ACC-76105A174A3F}"/>
+              </a:ext>
+            </a:extLst>
+          </p:cNvPr>
+          <p:cNvSpPr/>
+          <p:nvPr/>
+        </p:nvSpPr>
+        <p:spPr>
+          <a:xfrm>
+            <a:off x="3408837" y="2850527"/>
+            <a:ext cx="2435399" cy="1540204"/>
+          </a:xfrm>
+          <a:prstGeom prst="ellipse">
+            <a:avLst/>
+          </a:prstGeom>
+        </p:spPr>
+        <p:style>
+          <a:lnRef idx="2">
+            <a:schemeClr val="accent1">
+              <a:shade val="50000"/>
+            </a:schemeClr>
+          </a:lnRef>
+          <a:fillRef idx="1">
+            <a:schemeClr val="accent1"/>
+          </a:fillRef>
+          <a:effectRef idx="0">
+            <a:schemeClr val="accent1"/>
+          </a:effectRef>
+          <a:fontRef idx="minor">
+            <a:schemeClr val="lt1"/>
+          </a:fontRef>
+        </p:style>
+        <p:txBody>
+          <a:bodyPr rtlCol="0" anchor="ctr"/>
+          <a:lstStyle/>
+          <a:p>
+            <a:pPr algn="ctr"/>
+            <a:r>
+              <a:rPr lang="en-US" dirty="0"/>
+              <a:t>Model identification</a:t>
+            </a:r>
+          </a:p>
+        </p:txBody>
+      </p:sp>
+      <p:sp>
+        <p:nvSpPr>
+          <p:cNvPr id="8" name="Freccia a destra 7">
+            <a:extLst>
+              <a:ext uri="{FF2B5EF4-FFF2-40B4-BE49-F238E27FC236}">
+                <a16:creationId xmlns:a16="http://schemas.microsoft.com/office/drawing/2014/main" id="{D19DE539-9226-4A1E-8C13-A31CD290B866}"/>
+              </a:ext>
+            </a:extLst>
+          </p:cNvPr>
+          <p:cNvSpPr/>
+          <p:nvPr/>
+        </p:nvSpPr>
+        <p:spPr>
+          <a:xfrm rot="5400000">
+            <a:off x="1985886" y="3918426"/>
+            <a:ext cx="667748" cy="496528"/>
+          </a:xfrm>
+          <a:prstGeom prst="rightArrow">
+            <a:avLst/>
+          </a:prstGeom>
+        </p:spPr>
+        <p:style>
+          <a:lnRef idx="2">
+            <a:schemeClr val="accent1">
+              <a:shade val="50000"/>
+            </a:schemeClr>
+          </a:lnRef>
+          <a:fillRef idx="1">
+            <a:schemeClr val="accent1"/>
+          </a:fillRef>
+          <a:effectRef idx="0">
+            <a:schemeClr val="accent1"/>
+          </a:effectRef>
+          <a:fontRef idx="minor">
+            <a:schemeClr val="lt1"/>
+          </a:fontRef>
+        </p:style>
+        <p:txBody>
+          <a:bodyPr rtlCol="0" anchor="ctr"/>
+          <a:lstStyle/>
+          <a:p>
+            <a:pPr algn="ctr"/>
+            <a:endParaRPr lang="en-US"/>
+          </a:p>
+        </p:txBody>
+      </p:sp>
+      <p:sp>
+        <p:nvSpPr>
+          <p:cNvPr id="10" name="Ovale 9">
+            <a:extLst>
+              <a:ext uri="{FF2B5EF4-FFF2-40B4-BE49-F238E27FC236}">
+                <a16:creationId xmlns:a16="http://schemas.microsoft.com/office/drawing/2014/main" id="{7D2481BC-556D-4A5B-8ACC-76105A174A3F}"/>
+              </a:ext>
+            </a:extLst>
+          </p:cNvPr>
+          <p:cNvSpPr/>
+          <p:nvPr/>
+        </p:nvSpPr>
+        <p:spPr>
+          <a:xfrm>
+            <a:off x="1409158" y="4680141"/>
+            <a:ext cx="1915257" cy="1492843"/>
+          </a:xfrm>
+          <a:prstGeom prst="ellipse">
+            <a:avLst/>
+          </a:prstGeom>
+        </p:spPr>
+        <p:style>
+          <a:lnRef idx="2">
+            <a:schemeClr val="accent1">
+              <a:shade val="50000"/>
+            </a:schemeClr>
+          </a:lnRef>
+          <a:fillRef idx="1">
+            <a:schemeClr val="accent1"/>
+          </a:fillRef>
+          <a:effectRef idx="0">
+            <a:schemeClr val="accent1"/>
+          </a:effectRef>
+          <a:fontRef idx="minor">
+            <a:schemeClr val="lt1"/>
+          </a:fontRef>
+        </p:style>
+        <p:txBody>
+          <a:bodyPr rtlCol="0" anchor="ctr"/>
+          <a:lstStyle/>
+          <a:p>
+            <a:pPr algn="ctr"/>
+            <a:r>
+              <a:rPr lang="en-US" dirty="0"/>
+              <a:t>Data sensing</a:t>
+            </a:r>
+          </a:p>
+        </p:txBody>
+      </p:sp>
+      <p:sp>
+        <p:nvSpPr>
+          <p:cNvPr id="11" name="Freccia a destra 8">
+            <a:extLst>
+              <a:ext uri="{FF2B5EF4-FFF2-40B4-BE49-F238E27FC236}">
+                <a16:creationId xmlns:a16="http://schemas.microsoft.com/office/drawing/2014/main" id="{5F8B9189-57DA-4A67-B0C6-FC9673114617}"/>
+              </a:ext>
+            </a:extLst>
+          </p:cNvPr>
+          <p:cNvSpPr/>
+          <p:nvPr/>
+        </p:nvSpPr>
+        <p:spPr>
+          <a:xfrm rot="18863771">
+            <a:off x="3239200" y="4399249"/>
+            <a:ext cx="723751" cy="541792"/>
+          </a:xfrm>
+          <a:prstGeom prst="rightArrow">
+            <a:avLst/>
+          </a:prstGeom>
+        </p:spPr>
+        <p:style>
+          <a:lnRef idx="2">
+            <a:schemeClr val="accent1">
+              <a:shade val="50000"/>
+            </a:schemeClr>
+          </a:lnRef>
+          <a:fillRef idx="1">
+            <a:schemeClr val="accent1"/>
+          </a:fillRef>
+          <a:effectRef idx="0">
+            <a:schemeClr val="accent1"/>
+          </a:effectRef>
+          <a:fontRef idx="minor">
+            <a:schemeClr val="lt1"/>
+          </a:fontRef>
+        </p:style>
+        <p:txBody>
+          <a:bodyPr rtlCol="0" anchor="ctr"/>
+          <a:lstStyle/>
+          <a:p>
+            <a:pPr algn="ctr"/>
+            <a:endParaRPr lang="en-US"/>
+          </a:p>
+        </p:txBody>
+      </p:sp>
+      <p:sp>
+        <p:nvSpPr>
+          <p:cNvPr id="20" name="Ovale 19">
+            <a:extLst>
+              <a:ext uri="{FF2B5EF4-FFF2-40B4-BE49-F238E27FC236}">
+                <a16:creationId xmlns:a16="http://schemas.microsoft.com/office/drawing/2014/main" id="{DD2BE7E4-5294-4DBF-9CEF-0C11C6575449}"/>
+              </a:ext>
+            </a:extLst>
+          </p:cNvPr>
+          <p:cNvSpPr/>
+          <p:nvPr/>
+        </p:nvSpPr>
+        <p:spPr>
+          <a:xfrm>
+            <a:off x="6688411" y="2005755"/>
+            <a:ext cx="1915257" cy="1597980"/>
+          </a:xfrm>
+          <a:prstGeom prst="ellipse">
+            <a:avLst/>
+          </a:prstGeom>
+        </p:spPr>
+        <p:style>
+          <a:lnRef idx="2">
+            <a:schemeClr val="accent1">
+              <a:shade val="50000"/>
+            </a:schemeClr>
+          </a:lnRef>
+          <a:fillRef idx="1">
+            <a:schemeClr val="accent1"/>
+          </a:fillRef>
+          <a:effectRef idx="0">
+            <a:schemeClr val="accent1"/>
+          </a:effectRef>
+          <a:fontRef idx="minor">
+            <a:schemeClr val="lt1"/>
+          </a:fontRef>
+        </p:style>
+        <p:txBody>
+          <a:bodyPr rtlCol="0" anchor="ctr"/>
+          <a:lstStyle/>
+          <a:p>
+            <a:pPr algn="ctr"/>
+            <a:r>
+              <a:rPr lang="en-US" dirty="0"/>
+              <a:t>Blue coin installation on motor </a:t>
+            </a:r>
+          </a:p>
+        </p:txBody>
+      </p:sp>
+      <p:sp>
+        <p:nvSpPr>
+          <p:cNvPr id="21" name="Ovale 20">
+            <a:extLst>
+              <a:ext uri="{FF2B5EF4-FFF2-40B4-BE49-F238E27FC236}">
+                <a16:creationId xmlns:a16="http://schemas.microsoft.com/office/drawing/2014/main" id="{E8F4C0BF-D9EA-4C78-8D02-267257F3AA31}"/>
+              </a:ext>
+            </a:extLst>
+          </p:cNvPr>
+          <p:cNvSpPr/>
+          <p:nvPr/>
+        </p:nvSpPr>
+        <p:spPr>
+          <a:xfrm>
+            <a:off x="9473998" y="2044295"/>
+            <a:ext cx="2139518" cy="1597981"/>
+          </a:xfrm>
+          <a:prstGeom prst="ellipse">
+            <a:avLst/>
+          </a:prstGeom>
+        </p:spPr>
+        <p:style>
+          <a:lnRef idx="2">
+            <a:schemeClr val="accent1">
+              <a:shade val="50000"/>
+            </a:schemeClr>
+          </a:lnRef>
+          <a:fillRef idx="1">
+            <a:schemeClr val="accent1"/>
+          </a:fillRef>
+          <a:effectRef idx="0">
+            <a:schemeClr val="accent1"/>
+          </a:effectRef>
+          <a:fontRef idx="minor">
+            <a:schemeClr val="lt1"/>
+          </a:fontRef>
+        </p:style>
+        <p:txBody>
+          <a:bodyPr rtlCol="0" anchor="ctr"/>
+          <a:lstStyle/>
+          <a:p>
+            <a:pPr algn="ctr"/>
+            <a:r>
+              <a:rPr lang="en-US" dirty="0"/>
+              <a:t>Data checking</a:t>
+            </a:r>
+          </a:p>
+        </p:txBody>
+      </p:sp>
+      <p:sp>
+        <p:nvSpPr>
+          <p:cNvPr id="22" name="Freccia a destra 21">
+            <a:extLst>
+              <a:ext uri="{FF2B5EF4-FFF2-40B4-BE49-F238E27FC236}">
+                <a16:creationId xmlns:a16="http://schemas.microsoft.com/office/drawing/2014/main" id="{BC9C254F-16F8-4314-8A13-36A3AA5E01BA}"/>
+              </a:ext>
+            </a:extLst>
+          </p:cNvPr>
+          <p:cNvSpPr/>
+          <p:nvPr/>
+        </p:nvSpPr>
+        <p:spPr>
+          <a:xfrm rot="5400000">
+            <a:off x="7325509" y="3926559"/>
+            <a:ext cx="667748" cy="496528"/>
+          </a:xfrm>
+          <a:prstGeom prst="rightArrow">
+            <a:avLst/>
+          </a:prstGeom>
+        </p:spPr>
+        <p:style>
+          <a:lnRef idx="2">
+            <a:schemeClr val="accent1">
+              <a:shade val="50000"/>
+            </a:schemeClr>
+          </a:lnRef>
+          <a:fillRef idx="1">
+            <a:schemeClr val="accent1"/>
+          </a:fillRef>
+          <a:effectRef idx="0">
+            <a:schemeClr val="accent1"/>
+          </a:effectRef>
+          <a:fontRef idx="minor">
+            <a:schemeClr val="lt1"/>
+          </a:fontRef>
+        </p:style>
+        <p:txBody>
+          <a:bodyPr rtlCol="0" anchor="ctr"/>
+          <a:lstStyle/>
+          <a:p>
+            <a:pPr algn="ctr"/>
+            <a:endParaRPr lang="en-US"/>
+          </a:p>
+        </p:txBody>
+      </p:sp>
+      <p:sp>
+        <p:nvSpPr>
+          <p:cNvPr id="23" name="Ovale 22">
+            <a:extLst>
+              <a:ext uri="{FF2B5EF4-FFF2-40B4-BE49-F238E27FC236}">
+                <a16:creationId xmlns:a16="http://schemas.microsoft.com/office/drawing/2014/main" id="{00E72210-1478-467D-AACB-C3A9E9D978D8}"/>
+              </a:ext>
+            </a:extLst>
+          </p:cNvPr>
+          <p:cNvSpPr/>
+          <p:nvPr/>
+        </p:nvSpPr>
+        <p:spPr>
+          <a:xfrm>
+            <a:off x="6687257" y="4610929"/>
+            <a:ext cx="1915257" cy="1791409"/>
+          </a:xfrm>
+          <a:prstGeom prst="ellipse">
+            <a:avLst/>
+          </a:prstGeom>
+        </p:spPr>
+        <p:style>
+          <a:lnRef idx="2">
+            <a:schemeClr val="accent1">
+              <a:shade val="50000"/>
+            </a:schemeClr>
+          </a:lnRef>
+          <a:fillRef idx="1">
+            <a:schemeClr val="accent1"/>
+          </a:fillRef>
+          <a:effectRef idx="0">
+            <a:schemeClr val="accent1"/>
+          </a:effectRef>
+          <a:fontRef idx="minor">
+            <a:schemeClr val="lt1"/>
+          </a:fontRef>
+        </p:style>
+        <p:txBody>
+          <a:bodyPr rtlCol="0" anchor="ctr"/>
+          <a:lstStyle/>
+          <a:p>
+            <a:pPr algn="ctr"/>
+            <a:r>
+              <a:rPr lang="en-US" dirty="0"/>
+              <a:t>Data sensing</a:t>
+            </a:r>
+          </a:p>
+        </p:txBody>
+      </p:sp>
+      <p:sp>
+        <p:nvSpPr>
+          <p:cNvPr id="24" name="Freccia a destra 8">
+            <a:extLst>
+              <a:ext uri="{FF2B5EF4-FFF2-40B4-BE49-F238E27FC236}">
+                <a16:creationId xmlns:a16="http://schemas.microsoft.com/office/drawing/2014/main" id="{122F26E2-8A6E-4DDA-B34B-41D049ABFE78}"/>
+              </a:ext>
+            </a:extLst>
+          </p:cNvPr>
+          <p:cNvSpPr/>
+          <p:nvPr/>
+        </p:nvSpPr>
+        <p:spPr>
+          <a:xfrm rot="18863771">
+            <a:off x="8463689" y="3936434"/>
+            <a:ext cx="1429567" cy="541792"/>
+          </a:xfrm>
+          <a:prstGeom prst="rightArrow">
+            <a:avLst/>
+          </a:prstGeom>
+        </p:spPr>
+        <p:style>
+          <a:lnRef idx="2">
+            <a:schemeClr val="accent1">
+              <a:shade val="50000"/>
+            </a:schemeClr>
+          </a:lnRef>
+          <a:fillRef idx="1">
+            <a:schemeClr val="accent1"/>
+          </a:fillRef>
+          <a:effectRef idx="0">
+            <a:schemeClr val="accent1"/>
+          </a:effectRef>
+          <a:fontRef idx="minor">
+            <a:schemeClr val="lt1"/>
+          </a:fontRef>
+        </p:style>
+        <p:txBody>
+          <a:bodyPr rtlCol="0" anchor="ctr"/>
+          <a:lstStyle/>
+          <a:p>
+            <a:pPr algn="ctr"/>
+            <a:endParaRPr lang="en-US"/>
+          </a:p>
+        </p:txBody>
+      </p:sp>
+      <p:sp>
+        <p:nvSpPr>
+          <p:cNvPr id="27" name="Ovale 26">
+            <a:extLst>
+              <a:ext uri="{FF2B5EF4-FFF2-40B4-BE49-F238E27FC236}">
+                <a16:creationId xmlns:a16="http://schemas.microsoft.com/office/drawing/2014/main" id="{43379903-DE70-4FC1-8139-CA31764C3C3B}"/>
+              </a:ext>
+            </a:extLst>
+          </p:cNvPr>
+          <p:cNvSpPr/>
+          <p:nvPr/>
+        </p:nvSpPr>
+        <p:spPr>
+          <a:xfrm>
+            <a:off x="9473998" y="4671238"/>
+            <a:ext cx="2139518" cy="1713170"/>
+          </a:xfrm>
+          <a:prstGeom prst="ellipse">
+            <a:avLst/>
+          </a:prstGeom>
+        </p:spPr>
+        <p:style>
+          <a:lnRef idx="2">
+            <a:schemeClr val="accent1">
+              <a:shade val="50000"/>
+            </a:schemeClr>
+          </a:lnRef>
+          <a:fillRef idx="1">
+            <a:schemeClr val="accent1"/>
+          </a:fillRef>
+          <a:effectRef idx="0">
+            <a:schemeClr val="accent1"/>
+          </a:effectRef>
+          <a:fontRef idx="minor">
+            <a:schemeClr val="lt1"/>
+          </a:fontRef>
+        </p:style>
+        <p:txBody>
+          <a:bodyPr rtlCol="0" anchor="ctr"/>
+          <a:lstStyle/>
+          <a:p>
+            <a:pPr algn="ctr"/>
+            <a:r>
+              <a:rPr lang="en-US" dirty="0"/>
+              <a:t>Positive/Negative Output</a:t>
+            </a:r>
+          </a:p>
+        </p:txBody>
+      </p:sp>
+      <p:sp>
+        <p:nvSpPr>
+          <p:cNvPr id="28" name="Freccia a destra 8">
+            <a:extLst>
+              <a:ext uri="{FF2B5EF4-FFF2-40B4-BE49-F238E27FC236}">
+                <a16:creationId xmlns:a16="http://schemas.microsoft.com/office/drawing/2014/main" id="{D941EC21-7617-40ED-9ACF-6311CCCCCEF4}"/>
+              </a:ext>
+            </a:extLst>
+          </p:cNvPr>
+          <p:cNvSpPr/>
+          <p:nvPr/>
+        </p:nvSpPr>
+        <p:spPr>
+          <a:xfrm rot="5400000">
+            <a:off x="10205361" y="3876505"/>
+            <a:ext cx="723751" cy="541792"/>
+          </a:xfrm>
+          <a:prstGeom prst="rightArrow">
+            <a:avLst/>
+          </a:prstGeom>
+        </p:spPr>
+        <p:style>
+          <a:lnRef idx="2">
+            <a:schemeClr val="accent1">
+              <a:shade val="50000"/>
+            </a:schemeClr>
+          </a:lnRef>
+          <a:fillRef idx="1">
+            <a:schemeClr val="accent1"/>
+          </a:fillRef>
+          <a:effectRef idx="0">
+            <a:schemeClr val="accent1"/>
+          </a:effectRef>
+          <a:fontRef idx="minor">
+            <a:schemeClr val="lt1"/>
+          </a:fontRef>
+        </p:style>
+        <p:txBody>
+          <a:bodyPr rtlCol="0" anchor="ctr"/>
+          <a:lstStyle/>
+          <a:p>
+            <a:pPr algn="ctr"/>
+            <a:endParaRPr lang="en-US"/>
+          </a:p>
+        </p:txBody>
+      </p:sp>
+      <p:sp>
+        <p:nvSpPr>
+          <p:cNvPr id="3" name="CasellaDiTesto 2">
+            <a:extLst>
+              <a:ext uri="{FF2B5EF4-FFF2-40B4-BE49-F238E27FC236}">
+                <a16:creationId xmlns:a16="http://schemas.microsoft.com/office/drawing/2014/main" id="{3DA9E7D0-AEA8-4FB9-A758-157F1B9882FA}"/>
+              </a:ext>
+            </a:extLst>
+          </p:cNvPr>
+          <p:cNvSpPr txBox="1"/>
+          <p:nvPr/>
+        </p:nvSpPr>
+        <p:spPr>
+          <a:xfrm>
+            <a:off x="838200" y="1395074"/>
+            <a:ext cx="4993481" cy="461665"/>
+          </a:xfrm>
+          <a:prstGeom prst="rect">
+            <a:avLst/>
+          </a:prstGeom>
+          <a:noFill/>
+        </p:spPr>
+        <p:txBody>
+          <a:bodyPr wrap="square" rtlCol="0">
+            <a:spAutoFit/>
           </a:bodyPr>
           <a:lstStyle/>
           <a:p>
+            <a:pPr algn="ctr"/>
             <a:r>
               <a:rPr lang="en-US" sz="2400" dirty="0"/>
-              <a:t>We performed an experiment to verify the capabilities of the tools we have available:</a:t>
-            </a:r>
-          </a:p>
-          <a:p>
-            <a:pPr lvl="1"/>
+              <a:t>First acquisition: Model Identification</a:t>
+            </a:r>
+          </a:p>
+        </p:txBody>
+      </p:sp>
+      <p:sp>
+        <p:nvSpPr>
+          <p:cNvPr id="29" name="CasellaDiTesto 28">
+            <a:extLst>
+              <a:ext uri="{FF2B5EF4-FFF2-40B4-BE49-F238E27FC236}">
+                <a16:creationId xmlns:a16="http://schemas.microsoft.com/office/drawing/2014/main" id="{E5346183-C42B-4942-9110-F3F7AEC39FA0}"/>
+              </a:ext>
+            </a:extLst>
+          </p:cNvPr>
+          <p:cNvSpPr txBox="1"/>
+          <p:nvPr/>
+        </p:nvSpPr>
+        <p:spPr>
+          <a:xfrm>
+            <a:off x="6596124" y="1380123"/>
+            <a:ext cx="5081840" cy="461665"/>
+          </a:xfrm>
+          <a:prstGeom prst="rect">
+            <a:avLst/>
+          </a:prstGeom>
+          <a:noFill/>
+        </p:spPr>
+        <p:txBody>
+          <a:bodyPr wrap="none" rtlCol="0">
+            <a:spAutoFit/>
+          </a:bodyPr>
+          <a:lstStyle/>
+          <a:p>
             <a:r>
               <a:rPr lang="en-US" sz="2400" dirty="0"/>
-              <a:t>Data sensing on a stable plane</a:t>
-            </a:r>
-          </a:p>
-          <a:p>
-            <a:pPr lvl="1"/>
-            <a:r>
-              <a:rPr lang="en-US" sz="2400" dirty="0"/>
-              <a:t>Data sensing including disturbances on the plane</a:t>
-            </a:r>
-          </a:p>
-          <a:p>
-            <a:pPr lvl="1"/>
-            <a:r>
-              <a:rPr lang="en-US" sz="2400" dirty="0"/>
-              <a:t>Model identification on the stable plane data and comparison with disturbed data</a:t>
+              <a:t>Next acquisitions: wear checking</a:t>
             </a:r>
           </a:p>
         </p:txBody>
@@ -12748,7 +13285,7 @@
     </p:spTree>
     <p:extLst>
       <p:ext uri="{BB962C8B-B14F-4D97-AF65-F5344CB8AC3E}">
-        <p14:creationId xmlns:p14="http://schemas.microsoft.com/office/powerpoint/2010/main" val="2723663115"/>
+        <p14:creationId xmlns:p14="http://schemas.microsoft.com/office/powerpoint/2010/main" val="2659968465"/>
       </p:ext>
     </p:extLst>
   </p:cSld>
@@ -12775,12 +13312,151 @@
           <a:chExt cx="0" cy="0"/>
         </a:xfrm>
       </p:grpSpPr>
+      <p:cxnSp>
+        <p:nvCxnSpPr>
+          <p:cNvPr id="18" name="Connettore 2 17">
+            <a:extLst>
+              <a:ext uri="{FF2B5EF4-FFF2-40B4-BE49-F238E27FC236}">
+                <a16:creationId xmlns:a16="http://schemas.microsoft.com/office/drawing/2014/main" id="{D5F8DBB7-E458-4AAC-84CC-31D0AECFF54B}"/>
+              </a:ext>
+            </a:extLst>
+          </p:cNvPr>
+          <p:cNvCxnSpPr>
+            <a:cxnSpLocks/>
+          </p:cNvCxnSpPr>
+          <p:nvPr/>
+        </p:nvCxnSpPr>
+        <p:spPr>
+          <a:xfrm flipV="1">
+            <a:off x="7036784" y="3402631"/>
+            <a:ext cx="905031" cy="1"/>
+          </a:xfrm>
+          <a:prstGeom prst="straightConnector1">
+            <a:avLst/>
+          </a:prstGeom>
+          <a:ln>
+            <a:tailEnd type="triangle"/>
+          </a:ln>
+        </p:spPr>
+        <p:style>
+          <a:lnRef idx="1">
+            <a:schemeClr val="accent1"/>
+          </a:lnRef>
+          <a:fillRef idx="0">
+            <a:schemeClr val="accent1"/>
+          </a:fillRef>
+          <a:effectRef idx="0">
+            <a:schemeClr val="accent1"/>
+          </a:effectRef>
+          <a:fontRef idx="minor">
+            <a:schemeClr val="tx1"/>
+          </a:fontRef>
+        </p:style>
+      </p:cxnSp>
+      <p:sp>
+        <p:nvSpPr>
+          <p:cNvPr id="12" name="Ovale 11">
+            <a:extLst>
+              <a:ext uri="{FF2B5EF4-FFF2-40B4-BE49-F238E27FC236}">
+                <a16:creationId xmlns:a16="http://schemas.microsoft.com/office/drawing/2014/main" id="{5F8EF61E-5248-4579-9C2B-E246D941C0AE}"/>
+              </a:ext>
+            </a:extLst>
+          </p:cNvPr>
+          <p:cNvSpPr/>
+          <p:nvPr/>
+        </p:nvSpPr>
+        <p:spPr>
+          <a:xfrm>
+            <a:off x="1162235" y="4972737"/>
+            <a:ext cx="1722268" cy="1402672"/>
+          </a:xfrm>
+          <a:prstGeom prst="ellipse">
+            <a:avLst/>
+          </a:prstGeom>
+        </p:spPr>
+        <p:style>
+          <a:lnRef idx="2">
+            <a:schemeClr val="accent1">
+              <a:shade val="50000"/>
+            </a:schemeClr>
+          </a:lnRef>
+          <a:fillRef idx="1">
+            <a:schemeClr val="accent1"/>
+          </a:fillRef>
+          <a:effectRef idx="0">
+            <a:schemeClr val="accent1"/>
+          </a:effectRef>
+          <a:fontRef idx="minor">
+            <a:schemeClr val="lt1"/>
+          </a:fontRef>
+        </p:style>
+        <p:txBody>
+          <a:bodyPr rtlCol="0" anchor="ctr"/>
+          <a:lstStyle/>
+          <a:p>
+            <a:pPr algn="ctr"/>
+            <a:r>
+              <a:rPr lang="en-US" dirty="0"/>
+              <a:t>Motor N</a:t>
+            </a:r>
+          </a:p>
+        </p:txBody>
+      </p:sp>
+      <p:sp>
+        <p:nvSpPr>
+          <p:cNvPr id="28" name="Ovale 27">
+            <a:extLst>
+              <a:ext uri="{FF2B5EF4-FFF2-40B4-BE49-F238E27FC236}">
+                <a16:creationId xmlns:a16="http://schemas.microsoft.com/office/drawing/2014/main" id="{DFEDA14A-E38A-4F57-9CC5-BF106BBAB423}"/>
+              </a:ext>
+            </a:extLst>
+          </p:cNvPr>
+          <p:cNvSpPr/>
+          <p:nvPr/>
+        </p:nvSpPr>
+        <p:spPr>
+          <a:xfrm>
+            <a:off x="1162235" y="3402631"/>
+            <a:ext cx="1722268" cy="1402672"/>
+          </a:xfrm>
+          <a:prstGeom prst="ellipse">
+            <a:avLst/>
+          </a:prstGeom>
+        </p:spPr>
+        <p:style>
+          <a:lnRef idx="2">
+            <a:schemeClr val="accent1">
+              <a:shade val="50000"/>
+            </a:schemeClr>
+          </a:lnRef>
+          <a:fillRef idx="1">
+            <a:schemeClr val="accent1"/>
+          </a:fillRef>
+          <a:effectRef idx="0">
+            <a:schemeClr val="accent1"/>
+          </a:effectRef>
+          <a:fontRef idx="minor">
+            <a:schemeClr val="lt1"/>
+          </a:fontRef>
+        </p:style>
+        <p:txBody>
+          <a:bodyPr rtlCol="0" anchor="ctr"/>
+          <a:lstStyle/>
+          <a:p>
+            <a:pPr algn="ctr"/>
+            <a:r>
+              <a:rPr lang="en-US" dirty="0"/>
+              <a:t>Motor 2</a:t>
+            </a:r>
+          </a:p>
+        </p:txBody>
+      </p:sp>
       <p:sp>
         <p:nvSpPr>
           <p:cNvPr id="2" name="Titolo 1">
             <a:extLst>
               <a:ext uri="{FF2B5EF4-FFF2-40B4-BE49-F238E27FC236}">
-                <a16:creationId xmlns:a16="http://schemas.microsoft.com/office/drawing/2014/main" id="{38982C36-A2B1-41F3-9C14-7C506D1AE1BD}"/>
+                <a16:creationId xmlns:a16="http://schemas.microsoft.com/office/drawing/2014/main" id="{45712661-CEEF-4141-B375-C208E5A3AE38}"/>
               </a:ext>
             </a:extLst>
           </p:cNvPr>
@@ -12793,64 +13469,566 @@
         </p:nvSpPr>
         <p:spPr>
           <a:xfrm>
-            <a:off x="1371600" y="482600"/>
-            <a:ext cx="9601200" cy="527180"/>
+            <a:off x="1162235" y="43829"/>
+            <a:ext cx="10515600" cy="1369100"/>
           </a:xfrm>
         </p:spPr>
         <p:txBody>
-          <a:bodyPr>
-            <a:normAutofit fontScale="90000"/>
-          </a:bodyPr>
+          <a:bodyPr/>
           <a:lstStyle/>
           <a:p>
+            <a:pPr algn="ctr"/>
             <a:r>
               <a:rPr lang="en-US" dirty="0"/>
-              <a:t>Stable plane data 1</a:t>
-            </a:r>
-          </a:p>
-        </p:txBody>
-      </p:sp>
-      <p:pic>
-        <p:nvPicPr>
-          <p:cNvPr id="4" name="Segnaposto contenuto 3">
+              <a:t>Workflow</a:t>
+            </a:r>
+          </a:p>
+        </p:txBody>
+      </p:sp>
+      <p:sp>
+        <p:nvSpPr>
+          <p:cNvPr id="4" name="Ovale 3">
             <a:extLst>
               <a:ext uri="{FF2B5EF4-FFF2-40B4-BE49-F238E27FC236}">
-                <a16:creationId xmlns:a16="http://schemas.microsoft.com/office/drawing/2014/main" id="{CB01CDFE-2C26-4466-870F-D3554525DDD8}"/>
+                <a16:creationId xmlns:a16="http://schemas.microsoft.com/office/drawing/2014/main" id="{13C276B8-43E8-4340-8744-F95FE45FF93D}"/>
               </a:ext>
             </a:extLst>
           </p:cNvPr>
-          <p:cNvPicPr>
-            <a:picLocks noGrp="1" noChangeAspect="1"/>
-          </p:cNvPicPr>
-          <p:nvPr>
-            <p:ph idx="1"/>
-          </p:nvPr>
-        </p:nvPicPr>
-        <p:blipFill rotWithShape="1">
-          <a:blip r:embed="rId2"/>
-          <a:srcRect l="3596" t="8910" r="52770" b="7125"/>
-          <a:stretch/>
-        </p:blipFill>
+          <p:cNvSpPr/>
+          <p:nvPr/>
+        </p:nvSpPr>
         <p:spPr>
           <a:xfrm>
-            <a:off x="1361440" y="1253620"/>
-            <a:ext cx="9861570" cy="5337108"/>
+            <a:off x="1162235" y="1791899"/>
+            <a:ext cx="1722268" cy="1402672"/>
+          </a:xfrm>
+          <a:prstGeom prst="ellipse">
+            <a:avLst/>
+          </a:prstGeom>
+        </p:spPr>
+        <p:style>
+          <a:lnRef idx="2">
+            <a:schemeClr val="accent1">
+              <a:shade val="50000"/>
+            </a:schemeClr>
+          </a:lnRef>
+          <a:fillRef idx="1">
+            <a:schemeClr val="accent1"/>
+          </a:fillRef>
+          <a:effectRef idx="0">
+            <a:schemeClr val="accent1"/>
+          </a:effectRef>
+          <a:fontRef idx="minor">
+            <a:schemeClr val="lt1"/>
+          </a:fontRef>
+        </p:style>
+        <p:txBody>
+          <a:bodyPr rtlCol="0" anchor="ctr"/>
+          <a:lstStyle/>
+          <a:p>
+            <a:pPr algn="ctr"/>
+            <a:r>
+              <a:rPr lang="en-US" dirty="0"/>
+              <a:t>Motor 1</a:t>
+            </a:r>
+          </a:p>
+        </p:txBody>
+      </p:sp>
+      <p:sp>
+        <p:nvSpPr>
+          <p:cNvPr id="7" name="Rettangolo 6">
+            <a:extLst>
+              <a:ext uri="{FF2B5EF4-FFF2-40B4-BE49-F238E27FC236}">
+                <a16:creationId xmlns:a16="http://schemas.microsoft.com/office/drawing/2014/main" id="{6D35485D-A7D8-446F-9516-34B0F2153AAD}"/>
+              </a:ext>
+            </a:extLst>
+          </p:cNvPr>
+          <p:cNvSpPr/>
+          <p:nvPr/>
+        </p:nvSpPr>
+        <p:spPr>
+          <a:xfrm>
+            <a:off x="2515508" y="2178337"/>
+            <a:ext cx="1327652" cy="767897"/>
           </a:xfrm>
           <a:prstGeom prst="rect">
             <a:avLst/>
           </a:prstGeom>
         </p:spPr>
-      </p:pic>
+        <p:style>
+          <a:lnRef idx="2">
+            <a:schemeClr val="accent1">
+              <a:shade val="50000"/>
+            </a:schemeClr>
+          </a:lnRef>
+          <a:fillRef idx="1">
+            <a:schemeClr val="accent1"/>
+          </a:fillRef>
+          <a:effectRef idx="0">
+            <a:schemeClr val="accent1"/>
+          </a:effectRef>
+          <a:fontRef idx="minor">
+            <a:schemeClr val="lt1"/>
+          </a:fontRef>
+        </p:style>
+        <p:txBody>
+          <a:bodyPr rtlCol="0" anchor="ctr"/>
+          <a:lstStyle/>
+          <a:p>
+            <a:pPr algn="ctr"/>
+            <a:r>
+              <a:rPr lang="en-US" dirty="0" err="1"/>
+              <a:t>BlueCoin</a:t>
+            </a:r>
+            <a:endParaRPr lang="en-US" dirty="0"/>
+          </a:p>
+        </p:txBody>
+      </p:sp>
+      <p:sp>
+        <p:nvSpPr>
+          <p:cNvPr id="9" name="Ovale 8">
+            <a:extLst>
+              <a:ext uri="{FF2B5EF4-FFF2-40B4-BE49-F238E27FC236}">
+                <a16:creationId xmlns:a16="http://schemas.microsoft.com/office/drawing/2014/main" id="{12ACE63D-A386-4EFC-9D85-AA066F3FBDDB}"/>
+              </a:ext>
+            </a:extLst>
+          </p:cNvPr>
+          <p:cNvSpPr/>
+          <p:nvPr/>
+        </p:nvSpPr>
+        <p:spPr>
+          <a:xfrm>
+            <a:off x="6096000" y="2584472"/>
+            <a:ext cx="2084776" cy="1636320"/>
+          </a:xfrm>
+          <a:prstGeom prst="ellipse">
+            <a:avLst/>
+          </a:prstGeom>
+        </p:spPr>
+        <p:style>
+          <a:lnRef idx="2">
+            <a:schemeClr val="accent1">
+              <a:shade val="50000"/>
+            </a:schemeClr>
+          </a:lnRef>
+          <a:fillRef idx="1">
+            <a:schemeClr val="accent1"/>
+          </a:fillRef>
+          <a:effectRef idx="0">
+            <a:schemeClr val="accent1"/>
+          </a:effectRef>
+          <a:fontRef idx="minor">
+            <a:schemeClr val="lt1"/>
+          </a:fontRef>
+        </p:style>
+        <p:txBody>
+          <a:bodyPr rtlCol="0" anchor="ctr"/>
+          <a:lstStyle/>
+          <a:p>
+            <a:pPr algn="ctr"/>
+            <a:r>
+              <a:rPr lang="en-US" dirty="0"/>
+              <a:t>Data Processing Unit</a:t>
+            </a:r>
+          </a:p>
+        </p:txBody>
+      </p:sp>
+      <p:sp>
+        <p:nvSpPr>
+          <p:cNvPr id="16" name="Rettangolo 15">
+            <a:extLst>
+              <a:ext uri="{FF2B5EF4-FFF2-40B4-BE49-F238E27FC236}">
+                <a16:creationId xmlns:a16="http://schemas.microsoft.com/office/drawing/2014/main" id="{B13F8C6A-714D-4C39-945A-7EDD7171A29F}"/>
+              </a:ext>
+            </a:extLst>
+          </p:cNvPr>
+          <p:cNvSpPr/>
+          <p:nvPr/>
+        </p:nvSpPr>
+        <p:spPr>
+          <a:xfrm>
+            <a:off x="9346274" y="2815556"/>
+            <a:ext cx="2139519" cy="1226888"/>
+          </a:xfrm>
+          <a:prstGeom prst="rect">
+            <a:avLst/>
+          </a:prstGeom>
+        </p:spPr>
+        <p:style>
+          <a:lnRef idx="2">
+            <a:schemeClr val="accent1">
+              <a:shade val="50000"/>
+            </a:schemeClr>
+          </a:lnRef>
+          <a:fillRef idx="1">
+            <a:schemeClr val="accent1"/>
+          </a:fillRef>
+          <a:effectRef idx="0">
+            <a:schemeClr val="accent1"/>
+          </a:effectRef>
+          <a:fontRef idx="minor">
+            <a:schemeClr val="lt1"/>
+          </a:fontRef>
+        </p:style>
+        <p:txBody>
+          <a:bodyPr rtlCol="0" anchor="ctr"/>
+          <a:lstStyle/>
+          <a:p>
+            <a:pPr algn="ctr"/>
+            <a:r>
+              <a:rPr lang="en-US" dirty="0"/>
+              <a:t>User interface</a:t>
+            </a:r>
+          </a:p>
+        </p:txBody>
+      </p:sp>
+      <p:sp>
+        <p:nvSpPr>
+          <p:cNvPr id="38" name="Rettangolo 37">
+            <a:extLst>
+              <a:ext uri="{FF2B5EF4-FFF2-40B4-BE49-F238E27FC236}">
+                <a16:creationId xmlns:a16="http://schemas.microsoft.com/office/drawing/2014/main" id="{6EC113B4-8151-47BB-AC1F-02204162E0B8}"/>
+              </a:ext>
+            </a:extLst>
+          </p:cNvPr>
+          <p:cNvSpPr/>
+          <p:nvPr/>
+        </p:nvSpPr>
+        <p:spPr>
+          <a:xfrm>
+            <a:off x="1038688" y="1429306"/>
+            <a:ext cx="10762695" cy="5113537"/>
+          </a:xfrm>
+          <a:prstGeom prst="rect">
+            <a:avLst/>
+          </a:prstGeom>
+          <a:noFill/>
+        </p:spPr>
+        <p:style>
+          <a:lnRef idx="2">
+            <a:schemeClr val="accent1">
+              <a:shade val="50000"/>
+            </a:schemeClr>
+          </a:lnRef>
+          <a:fillRef idx="1">
+            <a:schemeClr val="accent1"/>
+          </a:fillRef>
+          <a:effectRef idx="0">
+            <a:schemeClr val="accent1"/>
+          </a:effectRef>
+          <a:fontRef idx="minor">
+            <a:schemeClr val="lt1"/>
+          </a:fontRef>
+        </p:style>
+        <p:txBody>
+          <a:bodyPr rtlCol="0" anchor="ctr"/>
+          <a:lstStyle/>
+          <a:p>
+            <a:pPr algn="ctr"/>
+            <a:endParaRPr lang="en-US"/>
+          </a:p>
+        </p:txBody>
+      </p:sp>
+      <p:sp>
+        <p:nvSpPr>
+          <p:cNvPr id="26" name="Rettangolo 25">
+            <a:extLst>
+              <a:ext uri="{FF2B5EF4-FFF2-40B4-BE49-F238E27FC236}">
+                <a16:creationId xmlns:a16="http://schemas.microsoft.com/office/drawing/2014/main" id="{ACEA35EE-70CD-4B8C-9EB7-45F97A56E892}"/>
+              </a:ext>
+            </a:extLst>
+          </p:cNvPr>
+          <p:cNvSpPr/>
+          <p:nvPr/>
+        </p:nvSpPr>
+        <p:spPr>
+          <a:xfrm>
+            <a:off x="3381521" y="2732503"/>
+            <a:ext cx="923278" cy="286284"/>
+          </a:xfrm>
+          <a:prstGeom prst="rect">
+            <a:avLst/>
+          </a:prstGeom>
+        </p:spPr>
+        <p:style>
+          <a:lnRef idx="2">
+            <a:schemeClr val="accent1">
+              <a:shade val="50000"/>
+            </a:schemeClr>
+          </a:lnRef>
+          <a:fillRef idx="1">
+            <a:schemeClr val="accent1"/>
+          </a:fillRef>
+          <a:effectRef idx="0">
+            <a:schemeClr val="accent1"/>
+          </a:effectRef>
+          <a:fontRef idx="minor">
+            <a:schemeClr val="lt1"/>
+          </a:fontRef>
+        </p:style>
+        <p:txBody>
+          <a:bodyPr rtlCol="0" anchor="ctr"/>
+          <a:lstStyle/>
+          <a:p>
+            <a:pPr algn="ctr"/>
+            <a:r>
+              <a:rPr lang="en-US" dirty="0"/>
+              <a:t>SD</a:t>
+            </a:r>
+          </a:p>
+        </p:txBody>
+      </p:sp>
     </p:spTree>
     <p:extLst>
       <p:ext uri="{BB962C8B-B14F-4D97-AF65-F5344CB8AC3E}">
-        <p14:creationId xmlns:p14="http://schemas.microsoft.com/office/powerpoint/2010/main" val="3687730757"/>
+        <p14:creationId xmlns:p14="http://schemas.microsoft.com/office/powerpoint/2010/main" val="1323182798"/>
       </p:ext>
     </p:extLst>
   </p:cSld>
   <p:clrMapOvr>
     <a:masterClrMapping/>
   </p:clrMapOvr>
+  <p:timing>
+    <p:tnLst>
+      <p:par>
+        <p:cTn id="1" dur="indefinite" restart="never" nodeType="tmRoot">
+          <p:childTnLst>
+            <p:seq concurrent="1" nextAc="seek">
+              <p:cTn id="2" dur="indefinite" nodeType="mainSeq">
+                <p:childTnLst>
+                  <p:par>
+                    <p:cTn id="3" fill="hold">
+                      <p:stCondLst>
+                        <p:cond delay="indefinite"/>
+                      </p:stCondLst>
+                      <p:childTnLst>
+                        <p:par>
+                          <p:cTn id="4" fill="hold">
+                            <p:stCondLst>
+                              <p:cond delay="0"/>
+                            </p:stCondLst>
+                            <p:childTnLst>
+                              <p:par>
+                                <p:cTn id="5" presetID="37" presetClass="path" presetSubtype="0" accel="50000" decel="50000" fill="hold" grpId="0" nodeType="clickEffect">
+                                  <p:stCondLst>
+                                    <p:cond delay="0"/>
+                                  </p:stCondLst>
+                                  <p:childTnLst>
+                                    <p:animMotion origin="layout" path="M -0.00013 -0.00162 L 0.02383 0.0588 C 0.02916 0.0713 0.03203 0.09028 0.03203 0.11019 C 0.03203 0.13264 0.02916 0.15093 0.02383 0.16366 L -0.00013 0.22477 " pathEditMode="relative" rAng="5400000" ptsTypes="AAAAA">
+                                      <p:cBhvr>
+                                        <p:cTn id="6" dur="2000" fill="hold"/>
+                                        <p:tgtEl>
+                                          <p:spTgt spid="7"/>
+                                        </p:tgtEl>
+                                        <p:attrNameLst>
+                                          <p:attrName>ppt_x</p:attrName>
+                                          <p:attrName>ppt_y</p:attrName>
+                                        </p:attrNameLst>
+                                      </p:cBhvr>
+                                      <p:rCtr x="1615" y="11319"/>
+                                    </p:animMotion>
+                                  </p:childTnLst>
+                                </p:cTn>
+                              </p:par>
+                              <p:par>
+                                <p:cTn id="7" presetID="37" presetClass="path" presetSubtype="0" accel="50000" decel="50000" fill="hold" grpId="0" nodeType="withEffect">
+                                  <p:stCondLst>
+                                    <p:cond delay="0"/>
+                                  </p:stCondLst>
+                                  <p:childTnLst>
+                                    <p:animMotion origin="layout" path="M -0.00013 -0.00162 L 0.02383 0.05879 C 0.02917 0.07129 0.03204 0.09027 0.03204 0.11018 C 0.03204 0.13263 0.02917 0.15092 0.02383 0.16365 L -0.00013 0.22476 " pathEditMode="relative" rAng="5400000" ptsTypes="AAAAA">
+                                      <p:cBhvr>
+                                        <p:cTn id="8" dur="2000" fill="hold"/>
+                                        <p:tgtEl>
+                                          <p:spTgt spid="26"/>
+                                        </p:tgtEl>
+                                        <p:attrNameLst>
+                                          <p:attrName>ppt_x</p:attrName>
+                                          <p:attrName>ppt_y</p:attrName>
+                                        </p:attrNameLst>
+                                      </p:cBhvr>
+                                      <p:rCtr x="1615" y="11319"/>
+                                    </p:animMotion>
+                                  </p:childTnLst>
+                                </p:cTn>
+                              </p:par>
+                            </p:childTnLst>
+                          </p:cTn>
+                        </p:par>
+                      </p:childTnLst>
+                    </p:cTn>
+                  </p:par>
+                  <p:par>
+                    <p:cTn id="9" fill="hold">
+                      <p:stCondLst>
+                        <p:cond delay="indefinite"/>
+                      </p:stCondLst>
+                      <p:childTnLst>
+                        <p:par>
+                          <p:cTn id="10" fill="hold">
+                            <p:stCondLst>
+                              <p:cond delay="0"/>
+                            </p:stCondLst>
+                            <p:childTnLst>
+                              <p:par>
+                                <p:cTn id="11" presetID="37" presetClass="path" presetSubtype="0" accel="50000" decel="50000" fill="hold" grpId="1" nodeType="clickEffect">
+                                  <p:stCondLst>
+                                    <p:cond delay="0"/>
+                                  </p:stCondLst>
+                                  <p:childTnLst>
+                                    <p:animMotion origin="layout" path="M -0.00013 0.22523 L 0.02057 0.28912 C 0.02513 0.30231 0.02747 0.32222 0.02747 0.34329 C 0.02747 0.36713 0.02513 0.38611 0.02057 0.39954 L -0.00013 0.46366 " pathEditMode="relative" rAng="5400000" ptsTypes="AAAAA">
+                                      <p:cBhvr>
+                                        <p:cTn id="12" dur="2000" fill="hold"/>
+                                        <p:tgtEl>
+                                          <p:spTgt spid="7"/>
+                                        </p:tgtEl>
+                                        <p:attrNameLst>
+                                          <p:attrName>ppt_x</p:attrName>
+                                          <p:attrName>ppt_y</p:attrName>
+                                        </p:attrNameLst>
+                                      </p:cBhvr>
+                                      <p:rCtr x="1380" y="11921"/>
+                                    </p:animMotion>
+                                  </p:childTnLst>
+                                </p:cTn>
+                              </p:par>
+                              <p:par>
+                                <p:cTn id="13" presetID="37" presetClass="path" presetSubtype="0" accel="50000" decel="50000" fill="hold" grpId="1" nodeType="withEffect">
+                                  <p:stCondLst>
+                                    <p:cond delay="0"/>
+                                  </p:stCondLst>
+                                  <p:childTnLst>
+                                    <p:animMotion origin="layout" path="M -0.00013 0.22523 L 0.02058 0.28912 C 0.02513 0.30231 0.02748 0.32222 0.02748 0.34329 C 0.02748 0.36713 0.02513 0.38611 0.02058 0.39954 L -0.00013 0.46366 " pathEditMode="relative" rAng="5400000" ptsTypes="AAAAA">
+                                      <p:cBhvr>
+                                        <p:cTn id="14" dur="2000" fill="hold"/>
+                                        <p:tgtEl>
+                                          <p:spTgt spid="26"/>
+                                        </p:tgtEl>
+                                        <p:attrNameLst>
+                                          <p:attrName>ppt_x</p:attrName>
+                                          <p:attrName>ppt_y</p:attrName>
+                                        </p:attrNameLst>
+                                      </p:cBhvr>
+                                      <p:rCtr x="1380" y="11921"/>
+                                    </p:animMotion>
+                                  </p:childTnLst>
+                                </p:cTn>
+                              </p:par>
+                            </p:childTnLst>
+                          </p:cTn>
+                        </p:par>
+                      </p:childTnLst>
+                    </p:cTn>
+                  </p:par>
+                  <p:par>
+                    <p:cTn id="15" fill="hold">
+                      <p:stCondLst>
+                        <p:cond delay="indefinite"/>
+                      </p:stCondLst>
+                      <p:childTnLst>
+                        <p:par>
+                          <p:cTn id="16" fill="hold">
+                            <p:stCondLst>
+                              <p:cond delay="0"/>
+                            </p:stCondLst>
+                            <p:childTnLst>
+                              <p:par>
+                                <p:cTn id="17" presetID="50" presetClass="path" presetSubtype="0" accel="50000" decel="50000" fill="hold" grpId="2" nodeType="clickEffect">
+                                  <p:stCondLst>
+                                    <p:cond delay="0"/>
+                                  </p:stCondLst>
+                                  <p:childTnLst>
+                                    <p:animMotion origin="layout" path="M -0.00013 0.4632 L 0.13321 0.4632 C 0.1931 0.4632 0.26732 0.38889 0.26732 0.3294 L 0.26732 0.19584 " pathEditMode="relative" rAng="0" ptsTypes="AAAA">
+                                      <p:cBhvr>
+                                        <p:cTn id="18" dur="2000" fill="hold"/>
+                                        <p:tgtEl>
+                                          <p:spTgt spid="26"/>
+                                        </p:tgtEl>
+                                        <p:attrNameLst>
+                                          <p:attrName>ppt_x</p:attrName>
+                                          <p:attrName>ppt_y</p:attrName>
+                                        </p:attrNameLst>
+                                      </p:cBhvr>
+                                      <p:rCtr x="13372" y="-13380"/>
+                                    </p:animMotion>
+                                  </p:childTnLst>
+                                </p:cTn>
+                              </p:par>
+                            </p:childTnLst>
+                          </p:cTn>
+                        </p:par>
+                      </p:childTnLst>
+                    </p:cTn>
+                  </p:par>
+                  <p:par>
+                    <p:cTn id="19" fill="hold">
+                      <p:stCondLst>
+                        <p:cond delay="indefinite"/>
+                      </p:stCondLst>
+                      <p:childTnLst>
+                        <p:par>
+                          <p:cTn id="20" fill="hold">
+                            <p:stCondLst>
+                              <p:cond delay="0"/>
+                            </p:stCondLst>
+                            <p:childTnLst>
+                              <p:par>
+                                <p:cTn id="21" presetID="42" presetClass="path" presetSubtype="0" accel="50000" decel="50000" fill="hold" nodeType="clickEffect">
+                                  <p:stCondLst>
+                                    <p:cond delay="0"/>
+                                  </p:stCondLst>
+                                  <p:childTnLst>
+                                    <p:animMotion origin="layout" path="M -2.91667E-6 -4.81481E-6 L 0.18959 0.00788 " pathEditMode="relative" rAng="0" ptsTypes="AA">
+                                      <p:cBhvr>
+                                        <p:cTn id="22" dur="2000" fill="hold"/>
+                                        <p:tgtEl>
+                                          <p:spTgt spid="18"/>
+                                        </p:tgtEl>
+                                        <p:attrNameLst>
+                                          <p:attrName>ppt_x</p:attrName>
+                                          <p:attrName>ppt_y</p:attrName>
+                                        </p:attrNameLst>
+                                      </p:cBhvr>
+                                      <p:rCtr x="9479" y="394"/>
+                                    </p:animMotion>
+                                  </p:childTnLst>
+                                </p:cTn>
+                              </p:par>
+                            </p:childTnLst>
+                          </p:cTn>
+                        </p:par>
+                      </p:childTnLst>
+                    </p:cTn>
+                  </p:par>
+                </p:childTnLst>
+              </p:cTn>
+              <p:prevCondLst>
+                <p:cond evt="onPrev" delay="0">
+                  <p:tgtEl>
+                    <p:sldTgt/>
+                  </p:tgtEl>
+                </p:cond>
+              </p:prevCondLst>
+              <p:nextCondLst>
+                <p:cond evt="onNext" delay="0">
+                  <p:tgtEl>
+                    <p:sldTgt/>
+                  </p:tgtEl>
+                </p:cond>
+              </p:nextCondLst>
+            </p:seq>
+          </p:childTnLst>
+        </p:cTn>
+      </p:par>
+    </p:tnLst>
+    <p:bldLst>
+      <p:bldP spid="7" grpId="0" animBg="1"/>
+      <p:bldP spid="7" grpId="1" animBg="1"/>
+      <p:bldP spid="26" grpId="0" animBg="1"/>
+      <p:bldP spid="26" grpId="1" animBg="1"/>
+      <p:bldP spid="26" grpId="2" animBg="1"/>
+    </p:bldLst>
+  </p:timing>
 </p:sld>
 </file>
 

--- a/Pervasive_presentation_Milestone1_group8_lele.pptx
+++ b/Pervasive_presentation_Milestone1_group8_lele.pptx
@@ -10,17 +10,16 @@
     <p:sldId id="260" r:id="rId4"/>
     <p:sldId id="276" r:id="rId5"/>
     <p:sldId id="279" r:id="rId6"/>
-    <p:sldId id="280" r:id="rId7"/>
-    <p:sldId id="263" r:id="rId8"/>
-    <p:sldId id="264" r:id="rId9"/>
-    <p:sldId id="281" r:id="rId10"/>
-    <p:sldId id="277" r:id="rId11"/>
-    <p:sldId id="268" r:id="rId12"/>
-    <p:sldId id="270" r:id="rId13"/>
-    <p:sldId id="271" r:id="rId14"/>
-    <p:sldId id="275" r:id="rId15"/>
-    <p:sldId id="273" r:id="rId16"/>
-    <p:sldId id="274" r:id="rId17"/>
+    <p:sldId id="263" r:id="rId7"/>
+    <p:sldId id="264" r:id="rId8"/>
+    <p:sldId id="281" r:id="rId9"/>
+    <p:sldId id="277" r:id="rId10"/>
+    <p:sldId id="268" r:id="rId11"/>
+    <p:sldId id="270" r:id="rId12"/>
+    <p:sldId id="271" r:id="rId13"/>
+    <p:sldId id="275" r:id="rId14"/>
+    <p:sldId id="273" r:id="rId15"/>
+    <p:sldId id="274" r:id="rId16"/>
   </p:sldIdLst>
   <p:sldSz cx="12192000" cy="6858000"/>
   <p:notesSz cx="6858000" cy="9144000"/>
@@ -10706,198 +10705,6 @@
           <p:cNvPr id="2" name="Titolo 1">
             <a:extLst>
               <a:ext uri="{FF2B5EF4-FFF2-40B4-BE49-F238E27FC236}">
-                <a16:creationId xmlns:a16="http://schemas.microsoft.com/office/drawing/2014/main" id="{AB6CCE8F-CCAE-413C-8787-4C7182E38D84}"/>
-              </a:ext>
-            </a:extLst>
-          </p:cNvPr>
-          <p:cNvSpPr>
-            <a:spLocks noGrp="1"/>
-          </p:cNvSpPr>
-          <p:nvPr>
-            <p:ph type="title"/>
-          </p:nvPr>
-        </p:nvSpPr>
-        <p:spPr/>
-        <p:txBody>
-          <a:bodyPr/>
-          <a:lstStyle/>
-          <a:p>
-            <a:r>
-              <a:rPr lang="en-US" dirty="0"/>
-              <a:t>Platform</a:t>
-            </a:r>
-            <a:endParaRPr lang="it-IT" dirty="0"/>
-          </a:p>
-        </p:txBody>
-      </p:sp>
-      <p:sp>
-        <p:nvSpPr>
-          <p:cNvPr id="3" name="Segnaposto contenuto 2">
-            <a:extLst>
-              <a:ext uri="{FF2B5EF4-FFF2-40B4-BE49-F238E27FC236}">
-                <a16:creationId xmlns:a16="http://schemas.microsoft.com/office/drawing/2014/main" id="{5CB6C801-A2F0-4D8A-89A6-EFDB3537AF15}"/>
-              </a:ext>
-            </a:extLst>
-          </p:cNvPr>
-          <p:cNvSpPr>
-            <a:spLocks noGrp="1"/>
-          </p:cNvSpPr>
-          <p:nvPr>
-            <p:ph idx="1"/>
-          </p:nvPr>
-        </p:nvSpPr>
-        <p:spPr>
-          <a:xfrm>
-            <a:off x="991553" y="1697318"/>
-            <a:ext cx="7949248" cy="4195481"/>
-          </a:xfrm>
-        </p:spPr>
-        <p:txBody>
-          <a:bodyPr>
-            <a:normAutofit lnSpcReduction="10000"/>
-          </a:bodyPr>
-          <a:lstStyle/>
-          <a:p>
-            <a:pPr algn="just"/>
-            <a:r>
-              <a:rPr lang="en-US" dirty="0"/>
-              <a:t>We will use </a:t>
-            </a:r>
-            <a:r>
-              <a:rPr lang="en-US" b="1" u="sng" dirty="0"/>
-              <a:t>STM32 </a:t>
-            </a:r>
-            <a:r>
-              <a:rPr lang="en-US" b="1" u="sng" dirty="0" err="1"/>
-              <a:t>BlueCoin</a:t>
-            </a:r>
-            <a:r>
-              <a:rPr lang="en-US" b="1" u="sng" dirty="0"/>
-              <a:t> </a:t>
-            </a:r>
-            <a:r>
-              <a:rPr lang="en-US" dirty="0"/>
-              <a:t>as our prototype board</a:t>
-            </a:r>
-          </a:p>
-          <a:p>
-            <a:pPr algn="just"/>
-            <a:r>
-              <a:rPr lang="en-US" dirty="0"/>
-              <a:t>Little platform which can be easily </a:t>
-            </a:r>
-            <a:r>
-              <a:rPr lang="en-US" b="1" u="sng" dirty="0"/>
-              <a:t>bolt on</a:t>
-            </a:r>
-            <a:r>
-              <a:rPr lang="en-US" dirty="0"/>
-              <a:t> the motor without needing modifications</a:t>
-            </a:r>
-          </a:p>
-          <a:p>
-            <a:pPr algn="just"/>
-            <a:r>
-              <a:rPr lang="en-US" b="1" u="sng" dirty="0"/>
-              <a:t>Wide sensor capabilities</a:t>
-            </a:r>
-            <a:r>
-              <a:rPr lang="en-US" dirty="0"/>
-              <a:t> (magnetometer, gyroscope, accelerometer)</a:t>
-            </a:r>
-          </a:p>
-          <a:p>
-            <a:pPr algn="just"/>
-            <a:r>
-              <a:rPr lang="en-US" dirty="0"/>
-              <a:t>SD card interface</a:t>
-            </a:r>
-          </a:p>
-          <a:p>
-            <a:pPr algn="just"/>
-            <a:r>
-              <a:rPr lang="en-US" dirty="0"/>
-              <a:t>Can be used for future iterations, which may need to exploit features like Bluetooth transmission, low power mode…</a:t>
-            </a:r>
-            <a:endParaRPr lang="it-IT" dirty="0"/>
-          </a:p>
-        </p:txBody>
-      </p:sp>
-      <p:pic>
-        <p:nvPicPr>
-          <p:cNvPr id="4" name="Immagine 3">
-            <a:extLst>
-              <a:ext uri="{FF2B5EF4-FFF2-40B4-BE49-F238E27FC236}">
-                <a16:creationId xmlns:a16="http://schemas.microsoft.com/office/drawing/2014/main" id="{95FD8851-3D0E-4479-A1C8-AB009601179E}"/>
-              </a:ext>
-            </a:extLst>
-          </p:cNvPr>
-          <p:cNvPicPr>
-            <a:picLocks noChangeAspect="1"/>
-          </p:cNvPicPr>
-          <p:nvPr/>
-        </p:nvPicPr>
-        <p:blipFill rotWithShape="1">
-          <a:blip r:embed="rId2">
-            <a:extLst>
-              <a:ext uri="{28A0092B-C50C-407E-A947-70E740481C1C}">
-                <a14:useLocalDpi xmlns:a14="http://schemas.microsoft.com/office/drawing/2010/main" val="0"/>
-              </a:ext>
-            </a:extLst>
-          </a:blip>
-          <a:srcRect t="10654" b="9102"/>
-          <a:stretch/>
-        </p:blipFill>
-        <p:spPr>
-          <a:xfrm>
-            <a:off x="9171709" y="2739208"/>
-            <a:ext cx="2798618" cy="1730027"/>
-          </a:xfrm>
-          <a:prstGeom prst="rect">
-            <a:avLst/>
-          </a:prstGeom>
-          <a:ln w="38100">
-            <a:solidFill>
-              <a:sysClr val="windowText" lastClr="000000"/>
-            </a:solidFill>
-          </a:ln>
-        </p:spPr>
-      </p:pic>
-    </p:spTree>
-    <p:extLst>
-      <p:ext uri="{BB962C8B-B14F-4D97-AF65-F5344CB8AC3E}">
-        <p14:creationId xmlns:p14="http://schemas.microsoft.com/office/powerpoint/2010/main" val="3322728267"/>
-      </p:ext>
-    </p:extLst>
-  </p:cSld>
-  <p:clrMapOvr>
-    <a:masterClrMapping/>
-  </p:clrMapOvr>
-</p:sld>
-</file>
-
-<file path=ppt/slides/slide11.xml><?xml version="1.0" encoding="utf-8"?>
-<p:sld xmlns:a="http://schemas.openxmlformats.org/drawingml/2006/main" xmlns:r="http://schemas.openxmlformats.org/officeDocument/2006/relationships" xmlns:p="http://schemas.openxmlformats.org/presentationml/2006/main">
-  <p:cSld>
-    <p:spTree>
-      <p:nvGrpSpPr>
-        <p:cNvPr id="1" name=""/>
-        <p:cNvGrpSpPr/>
-        <p:nvPr/>
-      </p:nvGrpSpPr>
-      <p:grpSpPr>
-        <a:xfrm>
-          <a:off x="0" y="0"/>
-          <a:ext cx="0" cy="0"/>
-          <a:chOff x="0" y="0"/>
-          <a:chExt cx="0" cy="0"/>
-        </a:xfrm>
-      </p:grpSpPr>
-      <p:sp>
-        <p:nvSpPr>
-          <p:cNvPr id="2" name="Titolo 1">
-            <a:extLst>
-              <a:ext uri="{FF2B5EF4-FFF2-40B4-BE49-F238E27FC236}">
                 <a16:creationId xmlns:a16="http://schemas.microsoft.com/office/drawing/2014/main" id="{DF9DC90D-A7B3-4C6E-B404-A0DC2F2748B9}"/>
               </a:ext>
             </a:extLst>
@@ -11132,7 +10939,7 @@
 </p:sld>
 </file>
 
-<file path=ppt/slides/slide12.xml><?xml version="1.0" encoding="utf-8"?>
+<file path=ppt/slides/slide11.xml><?xml version="1.0" encoding="utf-8"?>
 <p:sld xmlns:a="http://schemas.openxmlformats.org/drawingml/2006/main" xmlns:r="http://schemas.openxmlformats.org/officeDocument/2006/relationships" xmlns:p="http://schemas.openxmlformats.org/presentationml/2006/main">
   <p:cSld>
     <p:spTree>
@@ -11271,7 +11078,7 @@
 </p:sld>
 </file>
 
-<file path=ppt/slides/slide13.xml><?xml version="1.0" encoding="utf-8"?>
+<file path=ppt/slides/slide12.xml><?xml version="1.0" encoding="utf-8"?>
 <p:sld xmlns:a="http://schemas.openxmlformats.org/drawingml/2006/main" xmlns:r="http://schemas.openxmlformats.org/officeDocument/2006/relationships" xmlns:p="http://schemas.openxmlformats.org/presentationml/2006/main">
   <p:cSld>
     <p:spTree>
@@ -11365,7 +11172,7 @@
 </p:sld>
 </file>
 
-<file path=ppt/slides/slide14.xml><?xml version="1.0" encoding="utf-8"?>
+<file path=ppt/slides/slide13.xml><?xml version="1.0" encoding="utf-8"?>
 <p:sld xmlns:a="http://schemas.openxmlformats.org/drawingml/2006/main" xmlns:r="http://schemas.openxmlformats.org/officeDocument/2006/relationships" xmlns:p="http://schemas.openxmlformats.org/presentationml/2006/main">
   <p:cSld>
     <p:spTree>
@@ -11459,7 +11266,7 @@
 </p:sld>
 </file>
 
-<file path=ppt/slides/slide15.xml><?xml version="1.0" encoding="utf-8"?>
+<file path=ppt/slides/slide14.xml><?xml version="1.0" encoding="utf-8"?>
 <p:sld xmlns:a="http://schemas.openxmlformats.org/drawingml/2006/main" xmlns:r="http://schemas.openxmlformats.org/officeDocument/2006/relationships" xmlns:p="http://schemas.openxmlformats.org/presentationml/2006/main">
   <p:cSld>
     <p:spTree>
@@ -11551,7 +11358,7 @@
 </p:sld>
 </file>
 
-<file path=ppt/slides/slide16.xml><?xml version="1.0" encoding="utf-8"?>
+<file path=ppt/slides/slide15.xml><?xml version="1.0" encoding="utf-8"?>
 <p:sld xmlns:a="http://schemas.openxmlformats.org/drawingml/2006/main" xmlns:r="http://schemas.openxmlformats.org/officeDocument/2006/relationships" xmlns:p="http://schemas.openxmlformats.org/presentationml/2006/main">
   <p:cSld>
     <p:spTree>
@@ -12267,8 +12074,22 @@
           <a:p>
             <a:pPr lvl="1"/>
             <a:r>
+              <a:rPr lang="en-US" sz="2400" b="1" u="sng" dirty="0"/>
+              <a:t>If the output differs too much, we will know that the model has changed and the test will fail</a:t>
+            </a:r>
+          </a:p>
+          <a:p>
+            <a:pPr lvl="1"/>
+            <a:r>
               <a:rPr lang="en-US" sz="2400" dirty="0"/>
-              <a:t>If the output differs too much, we will know that the model has changed and the test will fail</a:t>
+              <a:t>The frequency of these checks will be proportional to the load applied</a:t>
+            </a:r>
+          </a:p>
+          <a:p>
+            <a:pPr lvl="1"/>
+            <a:r>
+              <a:rPr lang="en-US" sz="2400" dirty="0"/>
+              <a:t>These checks will be operated more often in the first period of the motor’s life and near its expected end</a:t>
             </a:r>
           </a:p>
         </p:txBody>
@@ -12308,124 +12129,6 @@
           <p:cNvPr id="2" name="Titolo 1">
             <a:extLst>
               <a:ext uri="{FF2B5EF4-FFF2-40B4-BE49-F238E27FC236}">
-                <a16:creationId xmlns:a16="http://schemas.microsoft.com/office/drawing/2014/main" id="{46B21E08-6DC0-4E21-A653-36BD6CE303AA}"/>
-              </a:ext>
-            </a:extLst>
-          </p:cNvPr>
-          <p:cNvSpPr>
-            <a:spLocks noGrp="1"/>
-          </p:cNvSpPr>
-          <p:nvPr>
-            <p:ph type="title"/>
-          </p:nvPr>
-        </p:nvSpPr>
-        <p:spPr/>
-        <p:txBody>
-          <a:bodyPr/>
-          <a:lstStyle/>
-          <a:p>
-            <a:r>
-              <a:rPr lang="en-US" dirty="0"/>
-              <a:t>Monitoring the motor state</a:t>
-            </a:r>
-          </a:p>
-        </p:txBody>
-      </p:sp>
-      <p:sp>
-        <p:nvSpPr>
-          <p:cNvPr id="3" name="Segnaposto contenuto 2">
-            <a:extLst>
-              <a:ext uri="{FF2B5EF4-FFF2-40B4-BE49-F238E27FC236}">
-                <a16:creationId xmlns:a16="http://schemas.microsoft.com/office/drawing/2014/main" id="{BBF21BB1-32F9-4EAF-A156-A6FB79B8B51A}"/>
-              </a:ext>
-            </a:extLst>
-          </p:cNvPr>
-          <p:cNvSpPr>
-            <a:spLocks noGrp="1"/>
-          </p:cNvSpPr>
-          <p:nvPr>
-            <p:ph idx="1"/>
-          </p:nvPr>
-        </p:nvSpPr>
-        <p:spPr/>
-        <p:txBody>
-          <a:bodyPr/>
-          <a:lstStyle/>
-          <a:p>
-            <a:pPr marL="0" indent="0">
-              <a:buNone/>
-            </a:pPr>
-            <a:r>
-              <a:rPr lang="en-US" dirty="0"/>
-              <a:t>Once the motor model has been detected the </a:t>
-            </a:r>
-            <a:r>
-              <a:rPr lang="en-US" dirty="0" err="1"/>
-              <a:t>BlueCoin</a:t>
-            </a:r>
-            <a:r>
-              <a:rPr lang="en-US" dirty="0"/>
-              <a:t> will be used to read and save data from it with a frequency depending on its usage.</a:t>
-            </a:r>
-          </a:p>
-          <a:p>
-            <a:pPr marL="0" indent="0">
-              <a:buNone/>
-            </a:pPr>
-            <a:r>
-              <a:rPr lang="en-US" dirty="0"/>
-              <a:t>Those data will be used to:</a:t>
-            </a:r>
-          </a:p>
-          <a:p>
-            <a:r>
-              <a:rPr lang="en-US" dirty="0"/>
-              <a:t>Check if they fits the model previously identified</a:t>
-            </a:r>
-          </a:p>
-          <a:p>
-            <a:r>
-              <a:rPr lang="en-US" dirty="0"/>
-              <a:t>Launch an alarm if they do not</a:t>
-            </a:r>
-          </a:p>
-        </p:txBody>
-      </p:sp>
-    </p:spTree>
-    <p:extLst>
-      <p:ext uri="{BB962C8B-B14F-4D97-AF65-F5344CB8AC3E}">
-        <p14:creationId xmlns:p14="http://schemas.microsoft.com/office/powerpoint/2010/main" val="4241149521"/>
-      </p:ext>
-    </p:extLst>
-  </p:cSld>
-  <p:clrMapOvr>
-    <a:masterClrMapping/>
-  </p:clrMapOvr>
-</p:sld>
-</file>
-
-<file path=ppt/slides/slide7.xml><?xml version="1.0" encoding="utf-8"?>
-<p:sld xmlns:a="http://schemas.openxmlformats.org/drawingml/2006/main" xmlns:r="http://schemas.openxmlformats.org/officeDocument/2006/relationships" xmlns:p="http://schemas.openxmlformats.org/presentationml/2006/main">
-  <p:cSld>
-    <p:spTree>
-      <p:nvGrpSpPr>
-        <p:cNvPr id="1" name=""/>
-        <p:cNvGrpSpPr/>
-        <p:nvPr/>
-      </p:nvGrpSpPr>
-      <p:grpSpPr>
-        <a:xfrm>
-          <a:off x="0" y="0"/>
-          <a:ext cx="0" cy="0"/>
-          <a:chOff x="0" y="0"/>
-          <a:chExt cx="0" cy="0"/>
-        </a:xfrm>
-      </p:grpSpPr>
-      <p:sp>
-        <p:nvSpPr>
-          <p:cNvPr id="2" name="Titolo 1">
-            <a:extLst>
-              <a:ext uri="{FF2B5EF4-FFF2-40B4-BE49-F238E27FC236}">
                 <a16:creationId xmlns:a16="http://schemas.microsoft.com/office/drawing/2014/main" id="{0B22BC0E-73AF-4669-8BBD-9EC67D2695EE}"/>
               </a:ext>
             </a:extLst>
@@ -12526,7 +12229,7 @@
 </p:sld>
 </file>
 
-<file path=ppt/slides/slide8.xml><?xml version="1.0" encoding="utf-8"?>
+<file path=ppt/slides/slide7.xml><?xml version="1.0" encoding="utf-8"?>
 <p:sld xmlns:a="http://schemas.openxmlformats.org/drawingml/2006/main" xmlns:r="http://schemas.openxmlformats.org/officeDocument/2006/relationships" xmlns:p="http://schemas.openxmlformats.org/presentationml/2006/main">
   <p:cSld>
     <p:spTree>
@@ -13295,7 +12998,7 @@
 </p:sld>
 </file>
 
-<file path=ppt/slides/slide9.xml><?xml version="1.0" encoding="utf-8"?>
+<file path=ppt/slides/slide8.xml><?xml version="1.0" encoding="utf-8"?>
 <p:sld xmlns:a="http://schemas.openxmlformats.org/drawingml/2006/main" xmlns:r="http://schemas.openxmlformats.org/officeDocument/2006/relationships" xmlns:p="http://schemas.openxmlformats.org/presentationml/2006/main">
   <p:cSld>
     <p:spTree>
@@ -14029,6 +13732,198 @@
       <p:bldP spid="26" grpId="2" animBg="1"/>
     </p:bldLst>
   </p:timing>
+</p:sld>
+</file>
+
+<file path=ppt/slides/slide9.xml><?xml version="1.0" encoding="utf-8"?>
+<p:sld xmlns:a="http://schemas.openxmlformats.org/drawingml/2006/main" xmlns:r="http://schemas.openxmlformats.org/officeDocument/2006/relationships" xmlns:p="http://schemas.openxmlformats.org/presentationml/2006/main">
+  <p:cSld>
+    <p:spTree>
+      <p:nvGrpSpPr>
+        <p:cNvPr id="1" name=""/>
+        <p:cNvGrpSpPr/>
+        <p:nvPr/>
+      </p:nvGrpSpPr>
+      <p:grpSpPr>
+        <a:xfrm>
+          <a:off x="0" y="0"/>
+          <a:ext cx="0" cy="0"/>
+          <a:chOff x="0" y="0"/>
+          <a:chExt cx="0" cy="0"/>
+        </a:xfrm>
+      </p:grpSpPr>
+      <p:sp>
+        <p:nvSpPr>
+          <p:cNvPr id="2" name="Titolo 1">
+            <a:extLst>
+              <a:ext uri="{FF2B5EF4-FFF2-40B4-BE49-F238E27FC236}">
+                <a16:creationId xmlns:a16="http://schemas.microsoft.com/office/drawing/2014/main" id="{AB6CCE8F-CCAE-413C-8787-4C7182E38D84}"/>
+              </a:ext>
+            </a:extLst>
+          </p:cNvPr>
+          <p:cNvSpPr>
+            <a:spLocks noGrp="1"/>
+          </p:cNvSpPr>
+          <p:nvPr>
+            <p:ph type="title"/>
+          </p:nvPr>
+        </p:nvSpPr>
+        <p:spPr/>
+        <p:txBody>
+          <a:bodyPr/>
+          <a:lstStyle/>
+          <a:p>
+            <a:r>
+              <a:rPr lang="en-US" dirty="0"/>
+              <a:t>Platform</a:t>
+            </a:r>
+            <a:endParaRPr lang="it-IT" dirty="0"/>
+          </a:p>
+        </p:txBody>
+      </p:sp>
+      <p:sp>
+        <p:nvSpPr>
+          <p:cNvPr id="3" name="Segnaposto contenuto 2">
+            <a:extLst>
+              <a:ext uri="{FF2B5EF4-FFF2-40B4-BE49-F238E27FC236}">
+                <a16:creationId xmlns:a16="http://schemas.microsoft.com/office/drawing/2014/main" id="{5CB6C801-A2F0-4D8A-89A6-EFDB3537AF15}"/>
+              </a:ext>
+            </a:extLst>
+          </p:cNvPr>
+          <p:cNvSpPr>
+            <a:spLocks noGrp="1"/>
+          </p:cNvSpPr>
+          <p:nvPr>
+            <p:ph idx="1"/>
+          </p:nvPr>
+        </p:nvSpPr>
+        <p:spPr>
+          <a:xfrm>
+            <a:off x="991553" y="1697318"/>
+            <a:ext cx="7949248" cy="4195481"/>
+          </a:xfrm>
+        </p:spPr>
+        <p:txBody>
+          <a:bodyPr>
+            <a:normAutofit lnSpcReduction="10000"/>
+          </a:bodyPr>
+          <a:lstStyle/>
+          <a:p>
+            <a:pPr algn="just"/>
+            <a:r>
+              <a:rPr lang="en-US" dirty="0"/>
+              <a:t>We will use </a:t>
+            </a:r>
+            <a:r>
+              <a:rPr lang="en-US" b="1" u="sng" dirty="0"/>
+              <a:t>STM32 </a:t>
+            </a:r>
+            <a:r>
+              <a:rPr lang="en-US" b="1" u="sng" dirty="0" err="1"/>
+              <a:t>BlueCoin</a:t>
+            </a:r>
+            <a:r>
+              <a:rPr lang="en-US" b="1" u="sng" dirty="0"/>
+              <a:t> </a:t>
+            </a:r>
+            <a:r>
+              <a:rPr lang="en-US" dirty="0"/>
+              <a:t>as our prototype board</a:t>
+            </a:r>
+          </a:p>
+          <a:p>
+            <a:pPr algn="just"/>
+            <a:r>
+              <a:rPr lang="en-US" dirty="0"/>
+              <a:t>Little platform which can be easily </a:t>
+            </a:r>
+            <a:r>
+              <a:rPr lang="en-US" b="1" u="sng" dirty="0"/>
+              <a:t>bolt on</a:t>
+            </a:r>
+            <a:r>
+              <a:rPr lang="en-US" dirty="0"/>
+              <a:t> the motor without needing modifications</a:t>
+            </a:r>
+          </a:p>
+          <a:p>
+            <a:pPr algn="just"/>
+            <a:r>
+              <a:rPr lang="en-US" b="1" u="sng" dirty="0"/>
+              <a:t>Wide sensor capabilities</a:t>
+            </a:r>
+            <a:r>
+              <a:rPr lang="en-US" dirty="0"/>
+              <a:t> (magnetometer, gyroscope, accelerometer)</a:t>
+            </a:r>
+          </a:p>
+          <a:p>
+            <a:pPr algn="just"/>
+            <a:r>
+              <a:rPr lang="en-US" dirty="0"/>
+              <a:t>SD card interface</a:t>
+            </a:r>
+          </a:p>
+          <a:p>
+            <a:pPr algn="just"/>
+            <a:r>
+              <a:rPr lang="en-US" dirty="0"/>
+              <a:t>Can be used for future iterations, which may need to exploit features like Bluetooth transmission, low power mode…</a:t>
+            </a:r>
+            <a:endParaRPr lang="it-IT" dirty="0"/>
+          </a:p>
+        </p:txBody>
+      </p:sp>
+      <p:pic>
+        <p:nvPicPr>
+          <p:cNvPr id="4" name="Immagine 3">
+            <a:extLst>
+              <a:ext uri="{FF2B5EF4-FFF2-40B4-BE49-F238E27FC236}">
+                <a16:creationId xmlns:a16="http://schemas.microsoft.com/office/drawing/2014/main" id="{95FD8851-3D0E-4479-A1C8-AB009601179E}"/>
+              </a:ext>
+            </a:extLst>
+          </p:cNvPr>
+          <p:cNvPicPr>
+            <a:picLocks noChangeAspect="1"/>
+          </p:cNvPicPr>
+          <p:nvPr/>
+        </p:nvPicPr>
+        <p:blipFill rotWithShape="1">
+          <a:blip r:embed="rId2">
+            <a:extLst>
+              <a:ext uri="{28A0092B-C50C-407E-A947-70E740481C1C}">
+                <a14:useLocalDpi xmlns:a14="http://schemas.microsoft.com/office/drawing/2010/main" val="0"/>
+              </a:ext>
+            </a:extLst>
+          </a:blip>
+          <a:srcRect t="10654" b="9102"/>
+          <a:stretch/>
+        </p:blipFill>
+        <p:spPr>
+          <a:xfrm>
+            <a:off x="9171709" y="2739208"/>
+            <a:ext cx="2798618" cy="1730027"/>
+          </a:xfrm>
+          <a:prstGeom prst="rect">
+            <a:avLst/>
+          </a:prstGeom>
+          <a:ln w="38100">
+            <a:solidFill>
+              <a:sysClr val="windowText" lastClr="000000"/>
+            </a:solidFill>
+          </a:ln>
+        </p:spPr>
+      </p:pic>
+    </p:spTree>
+    <p:extLst>
+      <p:ext uri="{BB962C8B-B14F-4D97-AF65-F5344CB8AC3E}">
+        <p14:creationId xmlns:p14="http://schemas.microsoft.com/office/powerpoint/2010/main" val="3322728267"/>
+      </p:ext>
+    </p:extLst>
+  </p:cSld>
+  <p:clrMapOvr>
+    <a:masterClrMapping/>
+  </p:clrMapOvr>
 </p:sld>
 </file>
 

--- a/Pervasive_presentation_Milestone1_group8_lele.pptx
+++ b/Pervasive_presentation_Milestone1_group8_lele.pptx
@@ -129,11 +129,7 @@
 <file path=ppt/commentAuthors.xml><?xml version="1.0" encoding="utf-8"?>
 <p:cmAuthorLst xmlns:a="http://schemas.openxmlformats.org/drawingml/2006/main" xmlns:r="http://schemas.openxmlformats.org/officeDocument/2006/relationships" xmlns:p="http://schemas.openxmlformats.org/presentationml/2006/main">
   <p:cmAuthor id="1" name="Emanuele Dalla Longa" initials="EDL" lastIdx="1" clrIdx="0">
-    <p:extLst>
-      <p:ext uri="{19B8F6BF-5375-455C-9EA6-DF929625EA0E}">
-        <p15:presenceInfo xmlns:p15="http://schemas.microsoft.com/office/powerpoint/2012/main" userId="S-1-5-21-3798147549-2570772903-3563972321-1001" providerId="AD"/>
-      </p:ext>
-    </p:extLst>
+    <p:extLst/>
   </p:cmAuthor>
 </p:cmAuthorLst>
 </file>
@@ -1658,6 +1654,13 @@
         </dgm:presLayoutVars>
       </dgm:prSet>
       <dgm:spPr/>
+      <dgm:t>
+        <a:bodyPr/>
+        <a:lstStyle/>
+        <a:p>
+          <a:endParaRPr lang="it-IT"/>
+        </a:p>
+      </dgm:t>
     </dgm:pt>
   </dgm:ptLst>
   <dgm:cxnLst>
@@ -1701,6 +1704,13 @@
         </dgm:presLayoutVars>
       </dgm:prSet>
       <dgm:spPr/>
+      <dgm:t>
+        <a:bodyPr/>
+        <a:lstStyle/>
+        <a:p>
+          <a:endParaRPr lang="it-IT"/>
+        </a:p>
+      </dgm:t>
     </dgm:pt>
   </dgm:ptLst>
   <dgm:cxnLst>
@@ -4578,7 +4588,7 @@
           <a:p>
             <a:fld id="{BB13FF18-858D-4A6C-8E7A-419597778596}" type="datetimeFigureOut">
               <a:rPr lang="it-IT" smtClean="0"/>
-              <a:t>11/12/2017</a:t>
+              <a:t>11/12/17</a:t>
             </a:fld>
             <a:endParaRPr lang="it-IT"/>
           </a:p>
@@ -4620,7 +4630,7 @@
           <a:p>
             <a:fld id="{7E1D34C2-AF2B-4EFB-A9DD-5508AE5A310B}" type="slidenum">
               <a:rPr lang="it-IT" smtClean="0"/>
-              <a:t>‹N›</a:t>
+              <a:t>‹n.›</a:t>
             </a:fld>
             <a:endParaRPr lang="it-IT"/>
           </a:p>
@@ -4853,7 +4863,7 @@
           <a:p>
             <a:fld id="{BB13FF18-858D-4A6C-8E7A-419597778596}" type="datetimeFigureOut">
               <a:rPr lang="it-IT" smtClean="0"/>
-              <a:t>11/12/2017</a:t>
+              <a:t>11/12/17</a:t>
             </a:fld>
             <a:endParaRPr lang="it-IT"/>
           </a:p>
@@ -4895,7 +4905,7 @@
           <a:p>
             <a:fld id="{7E1D34C2-AF2B-4EFB-A9DD-5508AE5A310B}" type="slidenum">
               <a:rPr lang="it-IT" smtClean="0"/>
-              <a:t>‹N›</a:t>
+              <a:t>‹n.›</a:t>
             </a:fld>
             <a:endParaRPr lang="it-IT"/>
           </a:p>
@@ -5047,7 +5057,7 @@
           <a:p>
             <a:fld id="{BB13FF18-858D-4A6C-8E7A-419597778596}" type="datetimeFigureOut">
               <a:rPr lang="it-IT" smtClean="0"/>
-              <a:t>11/12/2017</a:t>
+              <a:t>11/12/17</a:t>
             </a:fld>
             <a:endParaRPr lang="it-IT"/>
           </a:p>
@@ -5089,7 +5099,7 @@
           <a:p>
             <a:fld id="{7E1D34C2-AF2B-4EFB-A9DD-5508AE5A310B}" type="slidenum">
               <a:rPr lang="it-IT" smtClean="0"/>
-              <a:t>‹N›</a:t>
+              <a:t>‹n.›</a:t>
             </a:fld>
             <a:endParaRPr lang="it-IT"/>
           </a:p>
@@ -5320,7 +5330,7 @@
           <a:p>
             <a:fld id="{BB13FF18-858D-4A6C-8E7A-419597778596}" type="datetimeFigureOut">
               <a:rPr lang="it-IT" smtClean="0"/>
-              <a:t>11/12/2017</a:t>
+              <a:t>11/12/17</a:t>
             </a:fld>
             <a:endParaRPr lang="it-IT"/>
           </a:p>
@@ -5362,7 +5372,7 @@
           <a:p>
             <a:fld id="{7E1D34C2-AF2B-4EFB-A9DD-5508AE5A310B}" type="slidenum">
               <a:rPr lang="it-IT" smtClean="0"/>
-              <a:t>‹N›</a:t>
+              <a:t>‹n.›</a:t>
             </a:fld>
             <a:endParaRPr lang="it-IT"/>
           </a:p>
@@ -5661,7 +5671,7 @@
           <a:p>
             <a:fld id="{BB13FF18-858D-4A6C-8E7A-419597778596}" type="datetimeFigureOut">
               <a:rPr lang="it-IT" smtClean="0"/>
-              <a:t>11/12/2017</a:t>
+              <a:t>11/12/17</a:t>
             </a:fld>
             <a:endParaRPr lang="it-IT"/>
           </a:p>
@@ -5703,7 +5713,7 @@
           <a:p>
             <a:fld id="{7E1D34C2-AF2B-4EFB-A9DD-5508AE5A310B}" type="slidenum">
               <a:rPr lang="it-IT" smtClean="0"/>
-              <a:t>‹N›</a:t>
+              <a:t>‹n.›</a:t>
             </a:fld>
             <a:endParaRPr lang="it-IT"/>
           </a:p>
@@ -6284,7 +6294,7 @@
           <a:p>
             <a:fld id="{BB13FF18-858D-4A6C-8E7A-419597778596}" type="datetimeFigureOut">
               <a:rPr lang="it-IT" smtClean="0"/>
-              <a:t>11/12/2017</a:t>
+              <a:t>11/12/17</a:t>
             </a:fld>
             <a:endParaRPr lang="it-IT"/>
           </a:p>
@@ -6326,7 +6336,7 @@
           <a:p>
             <a:fld id="{7E1D34C2-AF2B-4EFB-A9DD-5508AE5A310B}" type="slidenum">
               <a:rPr lang="it-IT" smtClean="0"/>
-              <a:t>‹N›</a:t>
+              <a:t>‹n.›</a:t>
             </a:fld>
             <a:endParaRPr lang="it-IT"/>
           </a:p>
@@ -7144,7 +7154,7 @@
           <a:p>
             <a:fld id="{BB13FF18-858D-4A6C-8E7A-419597778596}" type="datetimeFigureOut">
               <a:rPr lang="it-IT" smtClean="0"/>
-              <a:t>11/12/2017</a:t>
+              <a:t>11/12/17</a:t>
             </a:fld>
             <a:endParaRPr lang="it-IT"/>
           </a:p>
@@ -7186,7 +7196,7 @@
           <a:p>
             <a:fld id="{7E1D34C2-AF2B-4EFB-A9DD-5508AE5A310B}" type="slidenum">
               <a:rPr lang="it-IT" smtClean="0"/>
-              <a:t>‹N›</a:t>
+              <a:t>‹n.›</a:t>
             </a:fld>
             <a:endParaRPr lang="it-IT"/>
           </a:p>
@@ -7314,7 +7324,7 @@
           <a:p>
             <a:fld id="{BB13FF18-858D-4A6C-8E7A-419597778596}" type="datetimeFigureOut">
               <a:rPr lang="it-IT" smtClean="0"/>
-              <a:t>11/12/2017</a:t>
+              <a:t>11/12/17</a:t>
             </a:fld>
             <a:endParaRPr lang="it-IT"/>
           </a:p>
@@ -7356,7 +7366,7 @@
           <a:p>
             <a:fld id="{7E1D34C2-AF2B-4EFB-A9DD-5508AE5A310B}" type="slidenum">
               <a:rPr lang="it-IT" smtClean="0"/>
-              <a:t>‹N›</a:t>
+              <a:t>‹n.›</a:t>
             </a:fld>
             <a:endParaRPr lang="it-IT"/>
           </a:p>
@@ -7494,7 +7504,7 @@
           <a:p>
             <a:fld id="{BB13FF18-858D-4A6C-8E7A-419597778596}" type="datetimeFigureOut">
               <a:rPr lang="it-IT" smtClean="0"/>
-              <a:t>11/12/2017</a:t>
+              <a:t>11/12/17</a:t>
             </a:fld>
             <a:endParaRPr lang="it-IT"/>
           </a:p>
@@ -7536,7 +7546,7 @@
           <a:p>
             <a:fld id="{7E1D34C2-AF2B-4EFB-A9DD-5508AE5A310B}" type="slidenum">
               <a:rPr lang="it-IT" smtClean="0"/>
-              <a:t>‹N›</a:t>
+              <a:t>‹n.›</a:t>
             </a:fld>
             <a:endParaRPr lang="it-IT"/>
           </a:p>
@@ -7672,7 +7682,7 @@
           <a:p>
             <a:fld id="{BB13FF18-858D-4A6C-8E7A-419597778596}" type="datetimeFigureOut">
               <a:rPr lang="it-IT" smtClean="0"/>
-              <a:t>11/12/2017</a:t>
+              <a:t>11/12/17</a:t>
             </a:fld>
             <a:endParaRPr lang="it-IT"/>
           </a:p>
@@ -7707,16 +7717,22 @@
             <p:ph type="sldNum" sz="quarter" idx="12"/>
           </p:nvPr>
         </p:nvSpPr>
-        <p:spPr/>
+        <p:spPr>
+          <a:effectLst>
+            <a:outerShdw dist="50800" sx="1000" sy="1000" algn="ctr" rotWithShape="0">
+              <a:srgbClr val="000000"/>
+            </a:outerShdw>
+          </a:effectLst>
+        </p:spPr>
         <p:txBody>
           <a:bodyPr/>
           <a:lstStyle/>
           <a:p>
             <a:fld id="{7E1D34C2-AF2B-4EFB-A9DD-5508AE5A310B}" type="slidenum">
               <a:rPr lang="it-IT" smtClean="0"/>
-              <a:t>‹N›</a:t>
+              <a:t>‹n.›</a:t>
             </a:fld>
-            <a:endParaRPr lang="it-IT"/>
+            <a:endParaRPr lang="it-IT" dirty="0"/>
           </a:p>
         </p:txBody>
       </p:sp>
@@ -7730,6 +7746,13 @@
   <p:clrMapOvr>
     <a:masterClrMapping/>
   </p:clrMapOvr>
+  <p:timing>
+    <p:tnLst>
+      <p:par>
+        <p:cTn id="1" dur="indefinite" restart="never" nodeType="tmRoot"/>
+      </p:par>
+    </p:tnLst>
+  </p:timing>
 </p:sldLayout>
 </file>
 
@@ -7919,7 +7942,7 @@
           <a:p>
             <a:fld id="{BB13FF18-858D-4A6C-8E7A-419597778596}" type="datetimeFigureOut">
               <a:rPr lang="it-IT" smtClean="0"/>
-              <a:t>11/12/2017</a:t>
+              <a:t>11/12/17</a:t>
             </a:fld>
             <a:endParaRPr lang="it-IT"/>
           </a:p>
@@ -7961,7 +7984,7 @@
           <a:p>
             <a:fld id="{7E1D34C2-AF2B-4EFB-A9DD-5508AE5A310B}" type="slidenum">
               <a:rPr lang="it-IT" smtClean="0"/>
-              <a:t>‹N›</a:t>
+              <a:t>‹n.›</a:t>
             </a:fld>
             <a:endParaRPr lang="it-IT"/>
           </a:p>
@@ -8211,7 +8234,7 @@
           <a:p>
             <a:fld id="{BB13FF18-858D-4A6C-8E7A-419597778596}" type="datetimeFigureOut">
               <a:rPr lang="it-IT" smtClean="0"/>
-              <a:t>11/12/2017</a:t>
+              <a:t>11/12/17</a:t>
             </a:fld>
             <a:endParaRPr lang="it-IT"/>
           </a:p>
@@ -8253,7 +8276,7 @@
           <a:p>
             <a:fld id="{7E1D34C2-AF2B-4EFB-A9DD-5508AE5A310B}" type="slidenum">
               <a:rPr lang="it-IT" smtClean="0"/>
-              <a:t>‹N›</a:t>
+              <a:t>‹n.›</a:t>
             </a:fld>
             <a:endParaRPr lang="it-IT"/>
           </a:p>
@@ -8655,7 +8678,7 @@
           <a:p>
             <a:fld id="{BB13FF18-858D-4A6C-8E7A-419597778596}" type="datetimeFigureOut">
               <a:rPr lang="it-IT" smtClean="0"/>
-              <a:t>11/12/2017</a:t>
+              <a:t>11/12/17</a:t>
             </a:fld>
             <a:endParaRPr lang="it-IT"/>
           </a:p>
@@ -8697,7 +8720,7 @@
           <a:p>
             <a:fld id="{7E1D34C2-AF2B-4EFB-A9DD-5508AE5A310B}" type="slidenum">
               <a:rPr lang="it-IT" smtClean="0"/>
-              <a:t>‹N›</a:t>
+              <a:t>‹n.›</a:t>
             </a:fld>
             <a:endParaRPr lang="it-IT"/>
           </a:p>
@@ -8773,7 +8796,7 @@
           <a:p>
             <a:fld id="{BB13FF18-858D-4A6C-8E7A-419597778596}" type="datetimeFigureOut">
               <a:rPr lang="it-IT" smtClean="0"/>
-              <a:t>11/12/2017</a:t>
+              <a:t>11/12/17</a:t>
             </a:fld>
             <a:endParaRPr lang="it-IT"/>
           </a:p>
@@ -8815,7 +8838,7 @@
           <a:p>
             <a:fld id="{7E1D34C2-AF2B-4EFB-A9DD-5508AE5A310B}" type="slidenum">
               <a:rPr lang="it-IT" smtClean="0"/>
-              <a:t>‹N›</a:t>
+              <a:t>‹n.›</a:t>
             </a:fld>
             <a:endParaRPr lang="it-IT"/>
           </a:p>
@@ -8868,7 +8891,7 @@
           <a:p>
             <a:fld id="{BB13FF18-858D-4A6C-8E7A-419597778596}" type="datetimeFigureOut">
               <a:rPr lang="it-IT" smtClean="0"/>
-              <a:t>11/12/2017</a:t>
+              <a:t>11/12/17</a:t>
             </a:fld>
             <a:endParaRPr lang="it-IT"/>
           </a:p>
@@ -8910,7 +8933,7 @@
           <a:p>
             <a:fld id="{7E1D34C2-AF2B-4EFB-A9DD-5508AE5A310B}" type="slidenum">
               <a:rPr lang="it-IT" smtClean="0"/>
-              <a:t>‹N›</a:t>
+              <a:t>‹n.›</a:t>
             </a:fld>
             <a:endParaRPr lang="it-IT"/>
           </a:p>
@@ -9147,7 +9170,7 @@
           <a:p>
             <a:fld id="{BB13FF18-858D-4A6C-8E7A-419597778596}" type="datetimeFigureOut">
               <a:rPr lang="it-IT" smtClean="0"/>
-              <a:t>11/12/2017</a:t>
+              <a:t>11/12/17</a:t>
             </a:fld>
             <a:endParaRPr lang="it-IT"/>
           </a:p>
@@ -9189,7 +9212,7 @@
           <a:p>
             <a:fld id="{7E1D34C2-AF2B-4EFB-A9DD-5508AE5A310B}" type="slidenum">
               <a:rPr lang="it-IT" smtClean="0"/>
-              <a:t>‹N›</a:t>
+              <a:t>‹n.›</a:t>
             </a:fld>
             <a:endParaRPr lang="it-IT"/>
           </a:p>
@@ -9422,7 +9445,7 @@
           <a:p>
             <a:fld id="{BB13FF18-858D-4A6C-8E7A-419597778596}" type="datetimeFigureOut">
               <a:rPr lang="it-IT" smtClean="0"/>
-              <a:t>11/12/2017</a:t>
+              <a:t>11/12/17</a:t>
             </a:fld>
             <a:endParaRPr lang="it-IT"/>
           </a:p>
@@ -9464,7 +9487,7 @@
           <a:p>
             <a:fld id="{7E1D34C2-AF2B-4EFB-A9DD-5508AE5A310B}" type="slidenum">
               <a:rPr lang="it-IT" smtClean="0"/>
-              <a:t>‹N›</a:t>
+              <a:t>‹n.›</a:t>
             </a:fld>
             <a:endParaRPr lang="it-IT"/>
           </a:p>
@@ -9851,7 +9874,7 @@
           <a:p>
             <a:fld id="{BB13FF18-858D-4A6C-8E7A-419597778596}" type="datetimeFigureOut">
               <a:rPr lang="it-IT" smtClean="0"/>
-              <a:t>11/12/2017</a:t>
+              <a:t>11/12/17</a:t>
             </a:fld>
             <a:endParaRPr lang="it-IT"/>
           </a:p>
@@ -9930,7 +9953,7 @@
           <a:p>
             <a:fld id="{7E1D34C2-AF2B-4EFB-A9DD-5508AE5A310B}" type="slidenum">
               <a:rPr lang="it-IT" smtClean="0"/>
-              <a:t>‹N›</a:t>
+              <a:t>‹n.›</a:t>
             </a:fld>
             <a:endParaRPr lang="it-IT"/>
           </a:p>
@@ -10389,7 +10412,7 @@
           <p:cNvPr id="2" name="Titolo 1">
             <a:extLst>
               <a:ext uri="{FF2B5EF4-FFF2-40B4-BE49-F238E27FC236}">
-                <a16:creationId xmlns:a16="http://schemas.microsoft.com/office/drawing/2014/main" id="{8B6438EF-7F5F-471D-B664-125D402C66D6}"/>
+                <a16:creationId xmlns:a16="http://schemas.microsoft.com/office/drawing/2014/main" xmlns="" id="{8B6438EF-7F5F-471D-B664-125D402C66D6}"/>
               </a:ext>
             </a:extLst>
           </p:cNvPr>
@@ -10425,7 +10448,7 @@
           <p:cNvPr id="3" name="Sottotitolo 2">
             <a:extLst>
               <a:ext uri="{FF2B5EF4-FFF2-40B4-BE49-F238E27FC236}">
-                <a16:creationId xmlns:a16="http://schemas.microsoft.com/office/drawing/2014/main" id="{301DCC95-D016-4D44-9E9E-E237D32D586B}"/>
+                <a16:creationId xmlns:a16="http://schemas.microsoft.com/office/drawing/2014/main" xmlns="" id="{301DCC95-D016-4D44-9E9E-E237D32D586B}"/>
               </a:ext>
             </a:extLst>
           </p:cNvPr>
@@ -10476,7 +10499,7 @@
           <p:cNvPr id="4" name="Sottotitolo 2">
             <a:extLst>
               <a:ext uri="{FF2B5EF4-FFF2-40B4-BE49-F238E27FC236}">
-                <a16:creationId xmlns:a16="http://schemas.microsoft.com/office/drawing/2014/main" id="{301DCC95-D016-4D44-9E9E-E237D32D586B}"/>
+                <a16:creationId xmlns:a16="http://schemas.microsoft.com/office/drawing/2014/main" xmlns="" id="{301DCC95-D016-4D44-9E9E-E237D32D586B}"/>
               </a:ext>
             </a:extLst>
           </p:cNvPr>
@@ -10680,6 +10703,13 @@
   <p:clrMapOvr>
     <a:masterClrMapping/>
   </p:clrMapOvr>
+  <p:timing>
+    <p:tnLst>
+      <p:par>
+        <p:cTn id="1" dur="indefinite" restart="never" nodeType="tmRoot"/>
+      </p:par>
+    </p:tnLst>
+  </p:timing>
 </p:sld>
 </file>
 
@@ -10705,7 +10735,7 @@
           <p:cNvPr id="2" name="Titolo 1">
             <a:extLst>
               <a:ext uri="{FF2B5EF4-FFF2-40B4-BE49-F238E27FC236}">
-                <a16:creationId xmlns:a16="http://schemas.microsoft.com/office/drawing/2014/main" id="{DF9DC90D-A7B3-4C6E-B404-A0DC2F2748B9}"/>
+                <a16:creationId xmlns:a16="http://schemas.microsoft.com/office/drawing/2014/main" xmlns="" id="{DF9DC90D-A7B3-4C6E-B404-A0DC2F2748B9}"/>
               </a:ext>
             </a:extLst>
           </p:cNvPr>
@@ -10734,7 +10764,7 @@
           <p:cNvPr id="3" name="Segnaposto contenuto 2">
             <a:extLst>
               <a:ext uri="{FF2B5EF4-FFF2-40B4-BE49-F238E27FC236}">
-                <a16:creationId xmlns:a16="http://schemas.microsoft.com/office/drawing/2014/main" id="{CC5576B3-9471-4530-ABD9-A2FAAEFDEB37}"/>
+                <a16:creationId xmlns:a16="http://schemas.microsoft.com/office/drawing/2014/main" xmlns="" id="{CC5576B3-9471-4530-ABD9-A2FAAEFDEB37}"/>
               </a:ext>
             </a:extLst>
           </p:cNvPr>
@@ -10757,6 +10787,7 @@
           </a:bodyPr>
           <a:lstStyle/>
           <a:p>
+            <a:pPr algn="just"/>
             <a:r>
               <a:rPr lang="en-US" sz="2400" dirty="0"/>
               <a:t>The </a:t>
@@ -10779,6 +10810,7 @@
             </a:r>
           </a:p>
           <a:p>
+            <a:pPr algn="just"/>
             <a:r>
               <a:rPr lang="en-US" sz="2400" dirty="0"/>
               <a:t>The sensing firmware has been migrated on the </a:t>
@@ -10799,7 +10831,7 @@
           <p:cNvPr id="7" name="Immagine 6" descr="Immagine che contiene circuito, elettronico, blu&#10;&#10;Descrizione generata con affidabilità molto elevata">
             <a:extLst>
               <a:ext uri="{FF2B5EF4-FFF2-40B4-BE49-F238E27FC236}">
-                <a16:creationId xmlns:a16="http://schemas.microsoft.com/office/drawing/2014/main" id="{F2DC6EC1-8EED-4E46-A1EF-FECC1482D442}"/>
+                <a16:creationId xmlns:a16="http://schemas.microsoft.com/office/drawing/2014/main" xmlns="" id="{F2DC6EC1-8EED-4E46-A1EF-FECC1482D442}"/>
               </a:ext>
             </a:extLst>
           </p:cNvPr>
@@ -10822,7 +10854,7 @@
         </p:blipFill>
         <p:spPr>
           <a:xfrm>
-            <a:off x="2357120" y="4014118"/>
+            <a:off x="1926815" y="3942257"/>
             <a:ext cx="2387600" cy="2399242"/>
           </a:xfrm>
           <a:prstGeom prst="rect">
@@ -10865,7 +10897,7 @@
           <p:cNvPr id="6" name="Immagine 5">
             <a:extLst>
               <a:ext uri="{FF2B5EF4-FFF2-40B4-BE49-F238E27FC236}">
-                <a16:creationId xmlns:a16="http://schemas.microsoft.com/office/drawing/2014/main" id="{BB8AEFD0-EA0D-4CBB-B10F-6740D12636D0}"/>
+                <a16:creationId xmlns:a16="http://schemas.microsoft.com/office/drawing/2014/main" xmlns="" id="{BB8AEFD0-EA0D-4CBB-B10F-6740D12636D0}"/>
               </a:ext>
             </a:extLst>
           </p:cNvPr>
@@ -10888,7 +10920,7 @@
         </p:blipFill>
         <p:spPr>
           <a:xfrm>
-            <a:off x="6055362" y="4085979"/>
+            <a:off x="7043474" y="4085979"/>
             <a:ext cx="3007360" cy="2255520"/>
           </a:xfrm>
           <a:prstGeom prst="rect">
@@ -10936,6 +10968,13 @@
   <p:clrMapOvr>
     <a:masterClrMapping/>
   </p:clrMapOvr>
+  <p:timing>
+    <p:tnLst>
+      <p:par>
+        <p:cTn id="1" dur="indefinite" restart="never" nodeType="tmRoot"/>
+      </p:par>
+    </p:tnLst>
+  </p:timing>
 </p:sld>
 </file>
 
@@ -10961,7 +11000,7 @@
           <p:cNvPr id="4" name="Titolo 1">
             <a:extLst>
               <a:ext uri="{FF2B5EF4-FFF2-40B4-BE49-F238E27FC236}">
-                <a16:creationId xmlns:a16="http://schemas.microsoft.com/office/drawing/2014/main" id="{0130F6C5-1D6E-4A79-9A1E-F491409D7E3F}"/>
+                <a16:creationId xmlns:a16="http://schemas.microsoft.com/office/drawing/2014/main" xmlns="" id="{0130F6C5-1D6E-4A79-9A1E-F491409D7E3F}"/>
               </a:ext>
             </a:extLst>
           </p:cNvPr>
@@ -10994,7 +11033,7 @@
           <p:cNvPr id="3" name="Segnaposto contenuto 2">
             <a:extLst>
               <a:ext uri="{FF2B5EF4-FFF2-40B4-BE49-F238E27FC236}">
-                <a16:creationId xmlns:a16="http://schemas.microsoft.com/office/drawing/2014/main" id="{F985ED7B-07D9-446B-9DF8-3813DF8D3EC4}"/>
+                <a16:creationId xmlns:a16="http://schemas.microsoft.com/office/drawing/2014/main" xmlns="" id="{F985ED7B-07D9-446B-9DF8-3813DF8D3EC4}"/>
               </a:ext>
             </a:extLst>
           </p:cNvPr>
@@ -11017,47 +11056,49 @@
           </a:bodyPr>
           <a:lstStyle/>
           <a:p>
+            <a:pPr algn="just"/>
             <a:r>
               <a:rPr lang="en-US" sz="2400" dirty="0"/>
               <a:t>We performed an experiment to verify the capabilities of the developed tools:</a:t>
             </a:r>
           </a:p>
           <a:p>
-            <a:pPr lvl="1"/>
+            <a:pPr lvl="1" algn="just"/>
             <a:r>
               <a:rPr lang="en-US" sz="2400" dirty="0"/>
               <a:t>Data sensing on a stable plane</a:t>
             </a:r>
           </a:p>
           <a:p>
-            <a:pPr lvl="1"/>
+            <a:pPr lvl="1" algn="just"/>
             <a:r>
               <a:rPr lang="en-US" sz="2400" dirty="0"/>
               <a:t>Data sensing including disturbances on the plane</a:t>
             </a:r>
           </a:p>
           <a:p>
-            <a:pPr lvl="1"/>
+            <a:pPr lvl="1" algn="just"/>
             <a:r>
               <a:rPr lang="en-US" sz="2400" dirty="0"/>
               <a:t>Model identification on the stable plane data and comparison with disturbed data</a:t>
             </a:r>
           </a:p>
           <a:p>
+            <a:pPr algn="just"/>
             <a:r>
               <a:rPr lang="en-US" sz="2800" dirty="0"/>
               <a:t>The working regime of the motors we are working with is between 600-3000 rpm. </a:t>
             </a:r>
           </a:p>
           <a:p>
-            <a:pPr lvl="1"/>
+            <a:pPr lvl="1" algn="just"/>
             <a:r>
               <a:rPr lang="en-US" sz="2200" dirty="0"/>
               <a:t>We assumed that this is the only harmonic we are interested in</a:t>
             </a:r>
           </a:p>
           <a:p>
-            <a:pPr lvl="1"/>
+            <a:pPr lvl="1" algn="just"/>
             <a:r>
               <a:rPr lang="en-US" sz="2200" dirty="0"/>
               <a:t>We chose a sampling frequency 10 times greater than that (we don’t have memory constraints)</a:t>
@@ -11075,6 +11116,13 @@
   <p:clrMapOvr>
     <a:masterClrMapping/>
   </p:clrMapOvr>
+  <p:timing>
+    <p:tnLst>
+      <p:par>
+        <p:cTn id="1" dur="indefinite" restart="never" nodeType="tmRoot"/>
+      </p:par>
+    </p:tnLst>
+  </p:timing>
 </p:sld>
 </file>
 
@@ -11100,7 +11148,7 @@
           <p:cNvPr id="2" name="Titolo 1">
             <a:extLst>
               <a:ext uri="{FF2B5EF4-FFF2-40B4-BE49-F238E27FC236}">
-                <a16:creationId xmlns:a16="http://schemas.microsoft.com/office/drawing/2014/main" id="{38982C36-A2B1-41F3-9C14-7C506D1AE1BD}"/>
+                <a16:creationId xmlns:a16="http://schemas.microsoft.com/office/drawing/2014/main" xmlns="" id="{38982C36-A2B1-41F3-9C14-7C506D1AE1BD}"/>
               </a:ext>
             </a:extLst>
           </p:cNvPr>
@@ -11135,7 +11183,7 @@
           <p:cNvPr id="6" name="Immagine 5">
             <a:extLst>
               <a:ext uri="{FF2B5EF4-FFF2-40B4-BE49-F238E27FC236}">
-                <a16:creationId xmlns:a16="http://schemas.microsoft.com/office/drawing/2014/main" id="{25F54FAA-44F3-428A-9C82-14A25699CBA4}"/>
+                <a16:creationId xmlns:a16="http://schemas.microsoft.com/office/drawing/2014/main" xmlns="" id="{25F54FAA-44F3-428A-9C82-14A25699CBA4}"/>
               </a:ext>
             </a:extLst>
           </p:cNvPr>
@@ -11151,12 +11199,24 @@
         </p:blipFill>
         <p:spPr>
           <a:xfrm>
-            <a:off x="1038030" y="1312777"/>
+            <a:off x="1114230" y="1326224"/>
             <a:ext cx="10115940" cy="5232385"/>
           </a:xfrm>
           <a:prstGeom prst="rect">
             <a:avLst/>
           </a:prstGeom>
+          <a:ln>
+            <a:solidFill>
+              <a:schemeClr val="bg1"/>
+            </a:solidFill>
+          </a:ln>
+          <a:effectLst>
+            <a:outerShdw blurRad="54991" dist="17780" dir="5400000" algn="ctr" rotWithShape="0">
+              <a:srgbClr val="000000">
+                <a:alpha val="40000"/>
+              </a:srgbClr>
+            </a:outerShdw>
+          </a:effectLst>
         </p:spPr>
       </p:pic>
     </p:spTree>
@@ -11169,6 +11229,13 @@
   <p:clrMapOvr>
     <a:masterClrMapping/>
   </p:clrMapOvr>
+  <p:timing>
+    <p:tnLst>
+      <p:par>
+        <p:cTn id="1" dur="indefinite" restart="never" nodeType="tmRoot"/>
+      </p:par>
+    </p:tnLst>
+  </p:timing>
 </p:sld>
 </file>
 
@@ -11194,7 +11261,7 @@
           <p:cNvPr id="2" name="Titolo 1">
             <a:extLst>
               <a:ext uri="{FF2B5EF4-FFF2-40B4-BE49-F238E27FC236}">
-                <a16:creationId xmlns:a16="http://schemas.microsoft.com/office/drawing/2014/main" id="{38982C36-A2B1-41F3-9C14-7C506D1AE1BD}"/>
+                <a16:creationId xmlns:a16="http://schemas.microsoft.com/office/drawing/2014/main" xmlns="" id="{38982C36-A2B1-41F3-9C14-7C506D1AE1BD}"/>
               </a:ext>
             </a:extLst>
           </p:cNvPr>
@@ -11229,7 +11296,7 @@
           <p:cNvPr id="3" name="Immagine 2">
             <a:extLst>
               <a:ext uri="{FF2B5EF4-FFF2-40B4-BE49-F238E27FC236}">
-                <a16:creationId xmlns:a16="http://schemas.microsoft.com/office/drawing/2014/main" id="{CEDAB79F-2072-4A8B-8D72-8ED7172053EF}"/>
+                <a16:creationId xmlns:a16="http://schemas.microsoft.com/office/drawing/2014/main" xmlns="" id="{CEDAB79F-2072-4A8B-8D72-8ED7172053EF}"/>
               </a:ext>
             </a:extLst>
           </p:cNvPr>
@@ -11245,12 +11312,19 @@
         </p:blipFill>
         <p:spPr>
           <a:xfrm>
-            <a:off x="1069800" y="1250302"/>
+            <a:off x="1076075" y="1236855"/>
             <a:ext cx="10192249" cy="5253561"/>
           </a:xfrm>
           <a:prstGeom prst="rect">
             <a:avLst/>
           </a:prstGeom>
+          <a:effectLst>
+            <a:outerShdw blurRad="54991" dist="17780" dir="5400000" algn="ctr" rotWithShape="0">
+              <a:srgbClr val="000000">
+                <a:alpha val="40000"/>
+              </a:srgbClr>
+            </a:outerShdw>
+          </a:effectLst>
         </p:spPr>
       </p:pic>
     </p:spTree>
@@ -11263,6 +11337,13 @@
   <p:clrMapOvr>
     <a:masterClrMapping/>
   </p:clrMapOvr>
+  <p:timing>
+    <p:tnLst>
+      <p:par>
+        <p:cTn id="1" dur="indefinite" restart="never" nodeType="tmRoot"/>
+      </p:par>
+    </p:tnLst>
+  </p:timing>
 </p:sld>
 </file>
 
@@ -11288,7 +11369,7 @@
           <p:cNvPr id="2" name="Titolo 1">
             <a:extLst>
               <a:ext uri="{FF2B5EF4-FFF2-40B4-BE49-F238E27FC236}">
-                <a16:creationId xmlns:a16="http://schemas.microsoft.com/office/drawing/2014/main" id="{48F6573A-7508-44BE-99F1-3CCEBDC5E25A}"/>
+                <a16:creationId xmlns:a16="http://schemas.microsoft.com/office/drawing/2014/main" xmlns="" id="{48F6573A-7508-44BE-99F1-3CCEBDC5E25A}"/>
               </a:ext>
             </a:extLst>
           </p:cNvPr>
@@ -11321,7 +11402,7 @@
           <p:cNvPr id="6" name="Immagine 5">
             <a:extLst>
               <a:ext uri="{FF2B5EF4-FFF2-40B4-BE49-F238E27FC236}">
-                <a16:creationId xmlns:a16="http://schemas.microsoft.com/office/drawing/2014/main" id="{F7F40B8C-BEB6-4E30-A5DB-39A4435084EF}"/>
+                <a16:creationId xmlns:a16="http://schemas.microsoft.com/office/drawing/2014/main" xmlns="" id="{F7F40B8C-BEB6-4E30-A5DB-39A4435084EF}"/>
               </a:ext>
             </a:extLst>
           </p:cNvPr>
@@ -11337,12 +11418,19 @@
         </p:blipFill>
         <p:spPr>
           <a:xfrm>
-            <a:off x="1129019" y="1404157"/>
+            <a:off x="1166431" y="1377263"/>
             <a:ext cx="9933962" cy="5118564"/>
           </a:xfrm>
           <a:prstGeom prst="rect">
             <a:avLst/>
           </a:prstGeom>
+          <a:effectLst>
+            <a:outerShdw blurRad="54991" dist="17780" dir="5400000" algn="ctr" rotWithShape="0">
+              <a:srgbClr val="000000">
+                <a:alpha val="40000"/>
+              </a:srgbClr>
+            </a:outerShdw>
+          </a:effectLst>
         </p:spPr>
       </p:pic>
     </p:spTree>
@@ -11355,6 +11443,13 @@
   <p:clrMapOvr>
     <a:masterClrMapping/>
   </p:clrMapOvr>
+  <p:timing>
+    <p:tnLst>
+      <p:par>
+        <p:cTn id="1" dur="indefinite" restart="never" nodeType="tmRoot"/>
+      </p:par>
+    </p:tnLst>
+  </p:timing>
 </p:sld>
 </file>
 
@@ -11380,7 +11475,7 @@
           <p:cNvPr id="9" name="Immagine 8">
             <a:extLst>
               <a:ext uri="{FF2B5EF4-FFF2-40B4-BE49-F238E27FC236}">
-                <a16:creationId xmlns:a16="http://schemas.microsoft.com/office/drawing/2014/main" id="{0CA8A065-2376-45B5-8427-350A398C2370}"/>
+                <a16:creationId xmlns:a16="http://schemas.microsoft.com/office/drawing/2014/main" xmlns="" id="{0CA8A065-2376-45B5-8427-350A398C2370}"/>
               </a:ext>
             </a:extLst>
           </p:cNvPr>
@@ -11396,12 +11491,19 @@
         </p:blipFill>
         <p:spPr>
           <a:xfrm>
-            <a:off x="989425" y="1791688"/>
+            <a:off x="1278292" y="1714639"/>
             <a:ext cx="9592758" cy="4826048"/>
           </a:xfrm>
           <a:prstGeom prst="rect">
             <a:avLst/>
           </a:prstGeom>
+          <a:effectLst>
+            <a:outerShdw blurRad="54991" dist="17780" dir="5400000" algn="ctr" rotWithShape="0">
+              <a:srgbClr val="000000">
+                <a:alpha val="40000"/>
+              </a:srgbClr>
+            </a:outerShdw>
+          </a:effectLst>
         </p:spPr>
       </p:pic>
       <p:sp>
@@ -11409,7 +11511,7 @@
           <p:cNvPr id="2" name="Titolo 1">
             <a:extLst>
               <a:ext uri="{FF2B5EF4-FFF2-40B4-BE49-F238E27FC236}">
-                <a16:creationId xmlns:a16="http://schemas.microsoft.com/office/drawing/2014/main" id="{71B83AFD-44CF-4B99-82FE-6DE35DD40FE8}"/>
+                <a16:creationId xmlns:a16="http://schemas.microsoft.com/office/drawing/2014/main" xmlns="" id="{71B83AFD-44CF-4B99-82FE-6DE35DD40FE8}"/>
               </a:ext>
             </a:extLst>
           </p:cNvPr>
@@ -11448,7 +11550,7 @@
           <p:cNvPr id="5" name="CasellaDiTesto 4">
             <a:extLst>
               <a:ext uri="{FF2B5EF4-FFF2-40B4-BE49-F238E27FC236}">
-                <a16:creationId xmlns:a16="http://schemas.microsoft.com/office/drawing/2014/main" id="{64418ABF-295A-4EA8-A2B2-A5A6F9DFBC0F}"/>
+                <a16:creationId xmlns:a16="http://schemas.microsoft.com/office/drawing/2014/main" xmlns="" id="{64418ABF-295A-4EA8-A2B2-A5A6F9DFBC0F}"/>
               </a:ext>
             </a:extLst>
           </p:cNvPr>
@@ -11487,7 +11589,7 @@
           <p:cNvPr id="6" name="CasellaDiTesto 5">
             <a:extLst>
               <a:ext uri="{FF2B5EF4-FFF2-40B4-BE49-F238E27FC236}">
-                <a16:creationId xmlns:a16="http://schemas.microsoft.com/office/drawing/2014/main" id="{309E8A29-63EB-445E-8717-C8A105BD0DE9}"/>
+                <a16:creationId xmlns:a16="http://schemas.microsoft.com/office/drawing/2014/main" xmlns="" id="{309E8A29-63EB-445E-8717-C8A105BD0DE9}"/>
               </a:ext>
             </a:extLst>
           </p:cNvPr>
@@ -11550,7 +11652,7 @@
           <p:cNvPr id="7" name="CasellaDiTesto 6">
             <a:extLst>
               <a:ext uri="{FF2B5EF4-FFF2-40B4-BE49-F238E27FC236}">
-                <a16:creationId xmlns:a16="http://schemas.microsoft.com/office/drawing/2014/main" id="{C1BCB9A3-276A-4FE9-899F-5B1CB1BD1F97}"/>
+                <a16:creationId xmlns:a16="http://schemas.microsoft.com/office/drawing/2014/main" xmlns="" id="{C1BCB9A3-276A-4FE9-899F-5B1CB1BD1F97}"/>
               </a:ext>
             </a:extLst>
           </p:cNvPr>
@@ -11594,6 +11696,13 @@
   <p:clrMapOvr>
     <a:masterClrMapping/>
   </p:clrMapOvr>
+  <p:timing>
+    <p:tnLst>
+      <p:par>
+        <p:cTn id="1" dur="indefinite" restart="never" nodeType="tmRoot"/>
+      </p:par>
+    </p:tnLst>
+  </p:timing>
 </p:sld>
 </file>
 
@@ -11619,7 +11728,7 @@
           <p:cNvPr id="2" name="Titolo 1">
             <a:extLst>
               <a:ext uri="{FF2B5EF4-FFF2-40B4-BE49-F238E27FC236}">
-                <a16:creationId xmlns:a16="http://schemas.microsoft.com/office/drawing/2014/main" id="{31AA4A73-8ABA-4983-916F-DC4F9E9CB363}"/>
+                <a16:creationId xmlns:a16="http://schemas.microsoft.com/office/drawing/2014/main" xmlns="" id="{31AA4A73-8ABA-4983-916F-DC4F9E9CB363}"/>
               </a:ext>
             </a:extLst>
           </p:cNvPr>
@@ -11647,7 +11756,7 @@
           <p:cNvPr id="3" name="Segnaposto contenuto 2">
             <a:extLst>
               <a:ext uri="{FF2B5EF4-FFF2-40B4-BE49-F238E27FC236}">
-                <a16:creationId xmlns:a16="http://schemas.microsoft.com/office/drawing/2014/main" id="{79794AEB-6388-4679-9635-7085A1AE95B3}"/>
+                <a16:creationId xmlns:a16="http://schemas.microsoft.com/office/drawing/2014/main" xmlns="" id="{79794AEB-6388-4679-9635-7085A1AE95B3}"/>
               </a:ext>
             </a:extLst>
           </p:cNvPr>
@@ -11683,7 +11792,7 @@
           <p:cNvPr id="4" name="Immagine 3">
             <a:extLst>
               <a:ext uri="{FF2B5EF4-FFF2-40B4-BE49-F238E27FC236}">
-                <a16:creationId xmlns:a16="http://schemas.microsoft.com/office/drawing/2014/main" id="{4CB16577-DD5C-4E1D-8670-9142B8CAC280}"/>
+                <a16:creationId xmlns:a16="http://schemas.microsoft.com/office/drawing/2014/main" xmlns="" id="{4CB16577-DD5C-4E1D-8670-9142B8CAC280}"/>
               </a:ext>
             </a:extLst>
           </p:cNvPr>
@@ -11713,10 +11822,15 @@
             <a:avLst/>
           </a:prstGeom>
           <a:ln w="38100">
-            <a:solidFill>
-              <a:sysClr val="windowText" lastClr="000000"/>
-            </a:solidFill>
+            <a:noFill/>
           </a:ln>
+          <a:effectLst>
+            <a:outerShdw blurRad="54991" dist="17780" dir="5400000" algn="ctr" rotWithShape="0">
+              <a:srgbClr val="000000">
+                <a:alpha val="40000"/>
+              </a:srgbClr>
+            </a:outerShdw>
+          </a:effectLst>
         </p:spPr>
       </p:pic>
     </p:spTree>
@@ -11729,6 +11843,13 @@
   <p:clrMapOvr>
     <a:masterClrMapping/>
   </p:clrMapOvr>
+  <p:timing>
+    <p:tnLst>
+      <p:par>
+        <p:cTn id="1" dur="indefinite" restart="never" nodeType="tmRoot"/>
+      </p:par>
+    </p:tnLst>
+  </p:timing>
 </p:sld>
 </file>
 
@@ -11754,7 +11875,7 @@
           <p:cNvPr id="2" name="Titolo 1">
             <a:extLst>
               <a:ext uri="{FF2B5EF4-FFF2-40B4-BE49-F238E27FC236}">
-                <a16:creationId xmlns:a16="http://schemas.microsoft.com/office/drawing/2014/main" id="{2676B041-2A6A-4F74-A4D6-BC4E3AFAA838}"/>
+                <a16:creationId xmlns:a16="http://schemas.microsoft.com/office/drawing/2014/main" xmlns="" id="{2676B041-2A6A-4F74-A4D6-BC4E3AFAA838}"/>
               </a:ext>
             </a:extLst>
           </p:cNvPr>
@@ -11783,7 +11904,7 @@
           <p:cNvPr id="3" name="Segnaposto contenuto 2">
             <a:extLst>
               <a:ext uri="{FF2B5EF4-FFF2-40B4-BE49-F238E27FC236}">
-                <a16:creationId xmlns:a16="http://schemas.microsoft.com/office/drawing/2014/main" id="{F695A7F4-0B3B-4849-8BFB-3B238FC36196}"/>
+                <a16:creationId xmlns:a16="http://schemas.microsoft.com/office/drawing/2014/main" xmlns="" id="{F695A7F4-0B3B-4849-8BFB-3B238FC36196}"/>
               </a:ext>
             </a:extLst>
           </p:cNvPr>
@@ -11862,6 +11983,13 @@
   <p:clrMapOvr>
     <a:masterClrMapping/>
   </p:clrMapOvr>
+  <p:timing>
+    <p:tnLst>
+      <p:par>
+        <p:cTn id="1" dur="indefinite" restart="never" nodeType="tmRoot"/>
+      </p:par>
+    </p:tnLst>
+  </p:timing>
 </p:sld>
 </file>
 
@@ -11887,7 +12015,7 @@
           <p:cNvPr id="2" name="Titolo 1">
             <a:extLst>
               <a:ext uri="{FF2B5EF4-FFF2-40B4-BE49-F238E27FC236}">
-                <a16:creationId xmlns:a16="http://schemas.microsoft.com/office/drawing/2014/main" id="{7A62D75F-FCBC-4F9C-9A8C-2BF4246E4E08}"/>
+                <a16:creationId xmlns:a16="http://schemas.microsoft.com/office/drawing/2014/main" xmlns="" id="{7A62D75F-FCBC-4F9C-9A8C-2BF4246E4E08}"/>
               </a:ext>
             </a:extLst>
           </p:cNvPr>
@@ -11921,7 +12049,7 @@
           <p:cNvPr id="3" name="Segnaposto contenuto 2">
             <a:extLst>
               <a:ext uri="{FF2B5EF4-FFF2-40B4-BE49-F238E27FC236}">
-                <a16:creationId xmlns:a16="http://schemas.microsoft.com/office/drawing/2014/main" id="{465C9DF9-67B8-4B44-9692-28B6AB9DDCED}"/>
+                <a16:creationId xmlns:a16="http://schemas.microsoft.com/office/drawing/2014/main" xmlns="" id="{465C9DF9-67B8-4B44-9692-28B6AB9DDCED}"/>
               </a:ext>
             </a:extLst>
           </p:cNvPr>
@@ -11989,6 +12117,13 @@
   <p:clrMapOvr>
     <a:masterClrMapping/>
   </p:clrMapOvr>
+  <p:timing>
+    <p:tnLst>
+      <p:par>
+        <p:cTn id="1" dur="indefinite" restart="never" nodeType="tmRoot"/>
+      </p:par>
+    </p:tnLst>
+  </p:timing>
 </p:sld>
 </file>
 
@@ -12014,7 +12149,7 @@
           <p:cNvPr id="2" name="Titolo 1">
             <a:extLst>
               <a:ext uri="{FF2B5EF4-FFF2-40B4-BE49-F238E27FC236}">
-                <a16:creationId xmlns:a16="http://schemas.microsoft.com/office/drawing/2014/main" id="{46B21E08-6DC0-4E21-A653-36BD6CE303AA}"/>
+                <a16:creationId xmlns:a16="http://schemas.microsoft.com/office/drawing/2014/main" xmlns="" id="{46B21E08-6DC0-4E21-A653-36BD6CE303AA}"/>
               </a:ext>
             </a:extLst>
           </p:cNvPr>
@@ -12042,7 +12177,7 @@
           <p:cNvPr id="3" name="Segnaposto contenuto 2">
             <a:extLst>
               <a:ext uri="{FF2B5EF4-FFF2-40B4-BE49-F238E27FC236}">
-                <a16:creationId xmlns:a16="http://schemas.microsoft.com/office/drawing/2014/main" id="{BBF21BB1-32F9-4EAF-A156-A6FB79B8B51A}"/>
+                <a16:creationId xmlns:a16="http://schemas.microsoft.com/office/drawing/2014/main" xmlns="" id="{BBF21BB1-32F9-4EAF-A156-A6FB79B8B51A}"/>
               </a:ext>
             </a:extLst>
           </p:cNvPr>
@@ -12058,7 +12193,7 @@
           <a:bodyPr/>
           <a:lstStyle/>
           <a:p>
-            <a:pPr marL="457200" indent="-457200">
+            <a:pPr marL="457200" indent="-457200" algn="just">
               <a:buFont typeface="+mj-lt"/>
               <a:buAutoNum type="arabicPeriod" startAt="3"/>
             </a:pPr>
@@ -12072,21 +12207,21 @@
             </a:r>
           </a:p>
           <a:p>
-            <a:pPr lvl="1"/>
+            <a:pPr lvl="1" algn="just"/>
             <a:r>
               <a:rPr lang="en-US" sz="2400" b="1" u="sng" dirty="0"/>
               <a:t>If the output differs too much, we will know that the model has changed and the test will fail</a:t>
             </a:r>
           </a:p>
           <a:p>
-            <a:pPr lvl="1"/>
+            <a:pPr lvl="1" algn="just"/>
             <a:r>
               <a:rPr lang="en-US" sz="2400" dirty="0"/>
               <a:t>The frequency of these checks will be proportional to the load applied</a:t>
             </a:r>
           </a:p>
           <a:p>
-            <a:pPr lvl="1"/>
+            <a:pPr lvl="1" algn="just"/>
             <a:r>
               <a:rPr lang="en-US" sz="2400" dirty="0"/>
               <a:t>These checks will be operated more often in the first period of the motor’s life and near its expected end</a:t>
@@ -12104,6 +12239,13 @@
   <p:clrMapOvr>
     <a:masterClrMapping/>
   </p:clrMapOvr>
+  <p:timing>
+    <p:tnLst>
+      <p:par>
+        <p:cTn id="1" dur="indefinite" restart="never" nodeType="tmRoot"/>
+      </p:par>
+    </p:tnLst>
+  </p:timing>
 </p:sld>
 </file>
 
@@ -12129,7 +12271,7 @@
           <p:cNvPr id="2" name="Titolo 1">
             <a:extLst>
               <a:ext uri="{FF2B5EF4-FFF2-40B4-BE49-F238E27FC236}">
-                <a16:creationId xmlns:a16="http://schemas.microsoft.com/office/drawing/2014/main" id="{0B22BC0E-73AF-4669-8BBD-9EC67D2695EE}"/>
+                <a16:creationId xmlns:a16="http://schemas.microsoft.com/office/drawing/2014/main" xmlns="" id="{0B22BC0E-73AF-4669-8BBD-9EC67D2695EE}"/>
               </a:ext>
             </a:extLst>
           </p:cNvPr>
@@ -12163,7 +12305,7 @@
           <p:cNvPr id="3" name="Segnaposto contenuto 2">
             <a:extLst>
               <a:ext uri="{FF2B5EF4-FFF2-40B4-BE49-F238E27FC236}">
-                <a16:creationId xmlns:a16="http://schemas.microsoft.com/office/drawing/2014/main" id="{EE9629A9-6146-4F44-9EDF-5D86C3A2C39D}"/>
+                <a16:creationId xmlns:a16="http://schemas.microsoft.com/office/drawing/2014/main" xmlns="" id="{EE9629A9-6146-4F44-9EDF-5D86C3A2C39D}"/>
               </a:ext>
             </a:extLst>
           </p:cNvPr>
@@ -12226,6 +12368,13 @@
   <p:clrMapOvr>
     <a:masterClrMapping/>
   </p:clrMapOvr>
+  <p:timing>
+    <p:tnLst>
+      <p:par>
+        <p:cTn id="1" dur="indefinite" restart="never" nodeType="tmRoot"/>
+      </p:par>
+    </p:tnLst>
+  </p:timing>
 </p:sld>
 </file>
 
@@ -12251,7 +12400,7 @@
           <p:cNvPr id="30" name="Segnaposto contenuto 3">
             <a:extLst>
               <a:ext uri="{FF2B5EF4-FFF2-40B4-BE49-F238E27FC236}">
-                <a16:creationId xmlns:a16="http://schemas.microsoft.com/office/drawing/2014/main" id="{2CA57FE3-CBF0-41EE-93A3-7550B068E041}"/>
+                <a16:creationId xmlns:a16="http://schemas.microsoft.com/office/drawing/2014/main" xmlns="" id="{2CA57FE3-CBF0-41EE-93A3-7550B068E041}"/>
               </a:ext>
             </a:extLst>
           </p:cNvPr>
@@ -12281,7 +12430,7 @@
           <p:cNvPr id="2" name="Titolo 1">
             <a:extLst>
               <a:ext uri="{FF2B5EF4-FFF2-40B4-BE49-F238E27FC236}">
-                <a16:creationId xmlns:a16="http://schemas.microsoft.com/office/drawing/2014/main" id="{F909ECA4-8B8D-418A-9CFD-34617E8328BE}"/>
+                <a16:creationId xmlns:a16="http://schemas.microsoft.com/office/drawing/2014/main" xmlns="" id="{F909ECA4-8B8D-418A-9CFD-34617E8328BE}"/>
               </a:ext>
             </a:extLst>
           </p:cNvPr>
@@ -12315,7 +12464,7 @@
           <p:cNvPr id="4" name="Segnaposto contenuto 3">
             <a:extLst>
               <a:ext uri="{FF2B5EF4-FFF2-40B4-BE49-F238E27FC236}">
-                <a16:creationId xmlns:a16="http://schemas.microsoft.com/office/drawing/2014/main" id="{910F84E3-0115-4241-A6D0-BEA5F24E14DA}"/>
+                <a16:creationId xmlns:a16="http://schemas.microsoft.com/office/drawing/2014/main" xmlns="" id="{910F84E3-0115-4241-A6D0-BEA5F24E14DA}"/>
               </a:ext>
             </a:extLst>
           </p:cNvPr>
@@ -12346,7 +12495,7 @@
           <p:cNvPr id="6" name="Ovale 5">
             <a:extLst>
               <a:ext uri="{FF2B5EF4-FFF2-40B4-BE49-F238E27FC236}">
-                <a16:creationId xmlns:a16="http://schemas.microsoft.com/office/drawing/2014/main" id="{171F6307-4D37-429B-A1E1-FA6F8631803C}"/>
+                <a16:creationId xmlns:a16="http://schemas.microsoft.com/office/drawing/2014/main" xmlns="" id="{171F6307-4D37-429B-A1E1-FA6F8631803C}"/>
               </a:ext>
             </a:extLst>
           </p:cNvPr>
@@ -12395,7 +12544,7 @@
           <p:cNvPr id="7" name="Ovale 6">
             <a:extLst>
               <a:ext uri="{FF2B5EF4-FFF2-40B4-BE49-F238E27FC236}">
-                <a16:creationId xmlns:a16="http://schemas.microsoft.com/office/drawing/2014/main" id="{7D2481BC-556D-4A5B-8ACC-76105A174A3F}"/>
+                <a16:creationId xmlns:a16="http://schemas.microsoft.com/office/drawing/2014/main" xmlns="" id="{7D2481BC-556D-4A5B-8ACC-76105A174A3F}"/>
               </a:ext>
             </a:extLst>
           </p:cNvPr>
@@ -12444,7 +12593,7 @@
           <p:cNvPr id="8" name="Freccia a destra 7">
             <a:extLst>
               <a:ext uri="{FF2B5EF4-FFF2-40B4-BE49-F238E27FC236}">
-                <a16:creationId xmlns:a16="http://schemas.microsoft.com/office/drawing/2014/main" id="{D19DE539-9226-4A1E-8C13-A31CD290B866}"/>
+                <a16:creationId xmlns:a16="http://schemas.microsoft.com/office/drawing/2014/main" xmlns="" id="{D19DE539-9226-4A1E-8C13-A31CD290B866}"/>
               </a:ext>
             </a:extLst>
           </p:cNvPr>
@@ -12490,7 +12639,7 @@
           <p:cNvPr id="10" name="Ovale 9">
             <a:extLst>
               <a:ext uri="{FF2B5EF4-FFF2-40B4-BE49-F238E27FC236}">
-                <a16:creationId xmlns:a16="http://schemas.microsoft.com/office/drawing/2014/main" id="{7D2481BC-556D-4A5B-8ACC-76105A174A3F}"/>
+                <a16:creationId xmlns:a16="http://schemas.microsoft.com/office/drawing/2014/main" xmlns="" id="{7D2481BC-556D-4A5B-8ACC-76105A174A3F}"/>
               </a:ext>
             </a:extLst>
           </p:cNvPr>
@@ -12539,7 +12688,7 @@
           <p:cNvPr id="11" name="Freccia a destra 8">
             <a:extLst>
               <a:ext uri="{FF2B5EF4-FFF2-40B4-BE49-F238E27FC236}">
-                <a16:creationId xmlns:a16="http://schemas.microsoft.com/office/drawing/2014/main" id="{5F8B9189-57DA-4A67-B0C6-FC9673114617}"/>
+                <a16:creationId xmlns:a16="http://schemas.microsoft.com/office/drawing/2014/main" xmlns="" id="{5F8B9189-57DA-4A67-B0C6-FC9673114617}"/>
               </a:ext>
             </a:extLst>
           </p:cNvPr>
@@ -12585,7 +12734,7 @@
           <p:cNvPr id="20" name="Ovale 19">
             <a:extLst>
               <a:ext uri="{FF2B5EF4-FFF2-40B4-BE49-F238E27FC236}">
-                <a16:creationId xmlns:a16="http://schemas.microsoft.com/office/drawing/2014/main" id="{DD2BE7E4-5294-4DBF-9CEF-0C11C6575449}"/>
+                <a16:creationId xmlns:a16="http://schemas.microsoft.com/office/drawing/2014/main" xmlns="" id="{DD2BE7E4-5294-4DBF-9CEF-0C11C6575449}"/>
               </a:ext>
             </a:extLst>
           </p:cNvPr>
@@ -12634,7 +12783,7 @@
           <p:cNvPr id="21" name="Ovale 20">
             <a:extLst>
               <a:ext uri="{FF2B5EF4-FFF2-40B4-BE49-F238E27FC236}">
-                <a16:creationId xmlns:a16="http://schemas.microsoft.com/office/drawing/2014/main" id="{E8F4C0BF-D9EA-4C78-8D02-267257F3AA31}"/>
+                <a16:creationId xmlns:a16="http://schemas.microsoft.com/office/drawing/2014/main" xmlns="" id="{E8F4C0BF-D9EA-4C78-8D02-267257F3AA31}"/>
               </a:ext>
             </a:extLst>
           </p:cNvPr>
@@ -12683,7 +12832,7 @@
           <p:cNvPr id="22" name="Freccia a destra 21">
             <a:extLst>
               <a:ext uri="{FF2B5EF4-FFF2-40B4-BE49-F238E27FC236}">
-                <a16:creationId xmlns:a16="http://schemas.microsoft.com/office/drawing/2014/main" id="{BC9C254F-16F8-4314-8A13-36A3AA5E01BA}"/>
+                <a16:creationId xmlns:a16="http://schemas.microsoft.com/office/drawing/2014/main" xmlns="" id="{BC9C254F-16F8-4314-8A13-36A3AA5E01BA}"/>
               </a:ext>
             </a:extLst>
           </p:cNvPr>
@@ -12729,7 +12878,7 @@
           <p:cNvPr id="23" name="Ovale 22">
             <a:extLst>
               <a:ext uri="{FF2B5EF4-FFF2-40B4-BE49-F238E27FC236}">
-                <a16:creationId xmlns:a16="http://schemas.microsoft.com/office/drawing/2014/main" id="{00E72210-1478-467D-AACB-C3A9E9D978D8}"/>
+                <a16:creationId xmlns:a16="http://schemas.microsoft.com/office/drawing/2014/main" xmlns="" id="{00E72210-1478-467D-AACB-C3A9E9D978D8}"/>
               </a:ext>
             </a:extLst>
           </p:cNvPr>
@@ -12778,7 +12927,7 @@
           <p:cNvPr id="24" name="Freccia a destra 8">
             <a:extLst>
               <a:ext uri="{FF2B5EF4-FFF2-40B4-BE49-F238E27FC236}">
-                <a16:creationId xmlns:a16="http://schemas.microsoft.com/office/drawing/2014/main" id="{122F26E2-8A6E-4DDA-B34B-41D049ABFE78}"/>
+                <a16:creationId xmlns:a16="http://schemas.microsoft.com/office/drawing/2014/main" xmlns="" id="{122F26E2-8A6E-4DDA-B34B-41D049ABFE78}"/>
               </a:ext>
             </a:extLst>
           </p:cNvPr>
@@ -12824,7 +12973,7 @@
           <p:cNvPr id="27" name="Ovale 26">
             <a:extLst>
               <a:ext uri="{FF2B5EF4-FFF2-40B4-BE49-F238E27FC236}">
-                <a16:creationId xmlns:a16="http://schemas.microsoft.com/office/drawing/2014/main" id="{43379903-DE70-4FC1-8139-CA31764C3C3B}"/>
+                <a16:creationId xmlns:a16="http://schemas.microsoft.com/office/drawing/2014/main" xmlns="" id="{43379903-DE70-4FC1-8139-CA31764C3C3B}"/>
               </a:ext>
             </a:extLst>
           </p:cNvPr>
@@ -12873,7 +13022,7 @@
           <p:cNvPr id="28" name="Freccia a destra 8">
             <a:extLst>
               <a:ext uri="{FF2B5EF4-FFF2-40B4-BE49-F238E27FC236}">
-                <a16:creationId xmlns:a16="http://schemas.microsoft.com/office/drawing/2014/main" id="{D941EC21-7617-40ED-9ACF-6311CCCCCEF4}"/>
+                <a16:creationId xmlns:a16="http://schemas.microsoft.com/office/drawing/2014/main" xmlns="" id="{D941EC21-7617-40ED-9ACF-6311CCCCCEF4}"/>
               </a:ext>
             </a:extLst>
           </p:cNvPr>
@@ -12919,7 +13068,7 @@
           <p:cNvPr id="3" name="CasellaDiTesto 2">
             <a:extLst>
               <a:ext uri="{FF2B5EF4-FFF2-40B4-BE49-F238E27FC236}">
-                <a16:creationId xmlns:a16="http://schemas.microsoft.com/office/drawing/2014/main" id="{3DA9E7D0-AEA8-4FB9-A758-157F1B9882FA}"/>
+                <a16:creationId xmlns:a16="http://schemas.microsoft.com/office/drawing/2014/main" xmlns="" id="{3DA9E7D0-AEA8-4FB9-A758-157F1B9882FA}"/>
               </a:ext>
             </a:extLst>
           </p:cNvPr>
@@ -12955,7 +13104,7 @@
           <p:cNvPr id="29" name="CasellaDiTesto 28">
             <a:extLst>
               <a:ext uri="{FF2B5EF4-FFF2-40B4-BE49-F238E27FC236}">
-                <a16:creationId xmlns:a16="http://schemas.microsoft.com/office/drawing/2014/main" id="{E5346183-C42B-4942-9110-F3F7AEC39FA0}"/>
+                <a16:creationId xmlns:a16="http://schemas.microsoft.com/office/drawing/2014/main" xmlns="" id="{E5346183-C42B-4942-9110-F3F7AEC39FA0}"/>
               </a:ext>
             </a:extLst>
           </p:cNvPr>
@@ -12995,6 +13144,13 @@
   <p:clrMapOvr>
     <a:masterClrMapping/>
   </p:clrMapOvr>
+  <p:timing>
+    <p:tnLst>
+      <p:par>
+        <p:cTn id="1" dur="indefinite" restart="never" nodeType="tmRoot"/>
+      </p:par>
+    </p:tnLst>
+  </p:timing>
 </p:sld>
 </file>
 
@@ -13020,7 +13176,7 @@
           <p:cNvPr id="18" name="Connettore 2 17">
             <a:extLst>
               <a:ext uri="{FF2B5EF4-FFF2-40B4-BE49-F238E27FC236}">
-                <a16:creationId xmlns:a16="http://schemas.microsoft.com/office/drawing/2014/main" id="{D5F8DBB7-E458-4AAC-84CC-31D0AECFF54B}"/>
+                <a16:creationId xmlns:a16="http://schemas.microsoft.com/office/drawing/2014/main" xmlns="" id="{D5F8DBB7-E458-4AAC-84CC-31D0AECFF54B}"/>
               </a:ext>
             </a:extLst>
           </p:cNvPr>
@@ -13061,7 +13217,7 @@
           <p:cNvPr id="12" name="Ovale 11">
             <a:extLst>
               <a:ext uri="{FF2B5EF4-FFF2-40B4-BE49-F238E27FC236}">
-                <a16:creationId xmlns:a16="http://schemas.microsoft.com/office/drawing/2014/main" id="{5F8EF61E-5248-4579-9C2B-E246D941C0AE}"/>
+                <a16:creationId xmlns:a16="http://schemas.microsoft.com/office/drawing/2014/main" xmlns="" id="{5F8EF61E-5248-4579-9C2B-E246D941C0AE}"/>
               </a:ext>
             </a:extLst>
           </p:cNvPr>
@@ -13110,7 +13266,7 @@
           <p:cNvPr id="28" name="Ovale 27">
             <a:extLst>
               <a:ext uri="{FF2B5EF4-FFF2-40B4-BE49-F238E27FC236}">
-                <a16:creationId xmlns:a16="http://schemas.microsoft.com/office/drawing/2014/main" id="{DFEDA14A-E38A-4F57-9CC5-BF106BBAB423}"/>
+                <a16:creationId xmlns:a16="http://schemas.microsoft.com/office/drawing/2014/main" xmlns="" id="{DFEDA14A-E38A-4F57-9CC5-BF106BBAB423}"/>
               </a:ext>
             </a:extLst>
           </p:cNvPr>
@@ -13159,7 +13315,7 @@
           <p:cNvPr id="2" name="Titolo 1">
             <a:extLst>
               <a:ext uri="{FF2B5EF4-FFF2-40B4-BE49-F238E27FC236}">
-                <a16:creationId xmlns:a16="http://schemas.microsoft.com/office/drawing/2014/main" id="{45712661-CEEF-4141-B375-C208E5A3AE38}"/>
+                <a16:creationId xmlns:a16="http://schemas.microsoft.com/office/drawing/2014/main" xmlns="" id="{45712661-CEEF-4141-B375-C208E5A3AE38}"/>
               </a:ext>
             </a:extLst>
           </p:cNvPr>
@@ -13193,7 +13349,7 @@
           <p:cNvPr id="4" name="Ovale 3">
             <a:extLst>
               <a:ext uri="{FF2B5EF4-FFF2-40B4-BE49-F238E27FC236}">
-                <a16:creationId xmlns:a16="http://schemas.microsoft.com/office/drawing/2014/main" id="{13C276B8-43E8-4340-8744-F95FE45FF93D}"/>
+                <a16:creationId xmlns:a16="http://schemas.microsoft.com/office/drawing/2014/main" xmlns="" id="{13C276B8-43E8-4340-8744-F95FE45FF93D}"/>
               </a:ext>
             </a:extLst>
           </p:cNvPr>
@@ -13242,7 +13398,7 @@
           <p:cNvPr id="7" name="Rettangolo 6">
             <a:extLst>
               <a:ext uri="{FF2B5EF4-FFF2-40B4-BE49-F238E27FC236}">
-                <a16:creationId xmlns:a16="http://schemas.microsoft.com/office/drawing/2014/main" id="{6D35485D-A7D8-446F-9516-34B0F2153AAD}"/>
+                <a16:creationId xmlns:a16="http://schemas.microsoft.com/office/drawing/2014/main" xmlns="" id="{6D35485D-A7D8-446F-9516-34B0F2153AAD}"/>
               </a:ext>
             </a:extLst>
           </p:cNvPr>
@@ -13292,7 +13448,7 @@
           <p:cNvPr id="9" name="Ovale 8">
             <a:extLst>
               <a:ext uri="{FF2B5EF4-FFF2-40B4-BE49-F238E27FC236}">
-                <a16:creationId xmlns:a16="http://schemas.microsoft.com/office/drawing/2014/main" id="{12ACE63D-A386-4EFC-9D85-AA066F3FBDDB}"/>
+                <a16:creationId xmlns:a16="http://schemas.microsoft.com/office/drawing/2014/main" xmlns="" id="{12ACE63D-A386-4EFC-9D85-AA066F3FBDDB}"/>
               </a:ext>
             </a:extLst>
           </p:cNvPr>
@@ -13341,7 +13497,7 @@
           <p:cNvPr id="16" name="Rettangolo 15">
             <a:extLst>
               <a:ext uri="{FF2B5EF4-FFF2-40B4-BE49-F238E27FC236}">
-                <a16:creationId xmlns:a16="http://schemas.microsoft.com/office/drawing/2014/main" id="{B13F8C6A-714D-4C39-945A-7EDD7171A29F}"/>
+                <a16:creationId xmlns:a16="http://schemas.microsoft.com/office/drawing/2014/main" xmlns="" id="{B13F8C6A-714D-4C39-945A-7EDD7171A29F}"/>
               </a:ext>
             </a:extLst>
           </p:cNvPr>
@@ -13390,7 +13546,7 @@
           <p:cNvPr id="38" name="Rettangolo 37">
             <a:extLst>
               <a:ext uri="{FF2B5EF4-FFF2-40B4-BE49-F238E27FC236}">
-                <a16:creationId xmlns:a16="http://schemas.microsoft.com/office/drawing/2014/main" id="{6EC113B4-8151-47BB-AC1F-02204162E0B8}"/>
+                <a16:creationId xmlns:a16="http://schemas.microsoft.com/office/drawing/2014/main" xmlns="" id="{6EC113B4-8151-47BB-AC1F-02204162E0B8}"/>
               </a:ext>
             </a:extLst>
           </p:cNvPr>
@@ -13437,7 +13593,7 @@
           <p:cNvPr id="26" name="Rettangolo 25">
             <a:extLst>
               <a:ext uri="{FF2B5EF4-FFF2-40B4-BE49-F238E27FC236}">
-                <a16:creationId xmlns:a16="http://schemas.microsoft.com/office/drawing/2014/main" id="{ACEA35EE-70CD-4B8C-9EB7-45F97A56E892}"/>
+                <a16:creationId xmlns:a16="http://schemas.microsoft.com/office/drawing/2014/main" xmlns="" id="{ACEA35EE-70CD-4B8C-9EB7-45F97A56E892}"/>
               </a:ext>
             </a:extLst>
           </p:cNvPr>
@@ -13503,6 +13659,9 @@
                     <p:cTn id="3" fill="hold">
                       <p:stCondLst>
                         <p:cond delay="indefinite"/>
+                        <p:cond evt="onBegin" delay="0">
+                          <p:tn val="2"/>
+                        </p:cond>
                       </p:stCondLst>
                       <p:childTnLst>
                         <p:par>
@@ -13512,7 +13671,7 @@
                             </p:stCondLst>
                             <p:childTnLst>
                               <p:par>
-                                <p:cTn id="5" presetID="37" presetClass="path" presetSubtype="0" accel="50000" decel="50000" fill="hold" grpId="0" nodeType="clickEffect">
+                                <p:cTn id="5" presetID="37" presetClass="path" presetSubtype="0" accel="50000" decel="50000" fill="hold" grpId="0" nodeType="afterEffect">
                                   <p:stCondLst>
                                     <p:cond delay="0"/>
                                   </p:stCondLst>
@@ -13558,30 +13717,21 @@
                             </p:childTnLst>
                           </p:cTn>
                         </p:par>
-                      </p:childTnLst>
-                    </p:cTn>
-                  </p:par>
-                  <p:par>
-                    <p:cTn id="9" fill="hold">
-                      <p:stCondLst>
-                        <p:cond delay="indefinite"/>
-                      </p:stCondLst>
-                      <p:childTnLst>
                         <p:par>
-                          <p:cTn id="10" fill="hold">
+                          <p:cTn id="9" fill="hold">
                             <p:stCondLst>
-                              <p:cond delay="0"/>
+                              <p:cond delay="2000"/>
                             </p:stCondLst>
                             <p:childTnLst>
                               <p:par>
-                                <p:cTn id="11" presetID="37" presetClass="path" presetSubtype="0" accel="50000" decel="50000" fill="hold" grpId="1" nodeType="clickEffect">
+                                <p:cTn id="10" presetID="37" presetClass="path" presetSubtype="0" accel="50000" decel="50000" fill="hold" grpId="1" nodeType="afterEffect">
                                   <p:stCondLst>
                                     <p:cond delay="0"/>
                                   </p:stCondLst>
                                   <p:childTnLst>
                                     <p:animMotion origin="layout" path="M -0.00013 0.22523 L 0.02057 0.28912 C 0.02513 0.30231 0.02747 0.32222 0.02747 0.34329 C 0.02747 0.36713 0.02513 0.38611 0.02057 0.39954 L -0.00013 0.46366 " pathEditMode="relative" rAng="5400000" ptsTypes="AAAAA">
                                       <p:cBhvr>
-                                        <p:cTn id="12" dur="2000" fill="hold"/>
+                                        <p:cTn id="11" dur="2000" fill="hold"/>
                                         <p:tgtEl>
                                           <p:spTgt spid="7"/>
                                         </p:tgtEl>
@@ -13596,14 +13746,14 @@
                                 </p:cTn>
                               </p:par>
                               <p:par>
-                                <p:cTn id="13" presetID="37" presetClass="path" presetSubtype="0" accel="50000" decel="50000" fill="hold" grpId="1" nodeType="withEffect">
+                                <p:cTn id="12" presetID="37" presetClass="path" presetSubtype="0" accel="50000" decel="50000" fill="hold" grpId="1" nodeType="withEffect">
                                   <p:stCondLst>
                                     <p:cond delay="0"/>
                                   </p:stCondLst>
                                   <p:childTnLst>
                                     <p:animMotion origin="layout" path="M -0.00013 0.22523 L 0.02058 0.28912 C 0.02513 0.30231 0.02748 0.32222 0.02748 0.34329 C 0.02748 0.36713 0.02513 0.38611 0.02058 0.39954 L -0.00013 0.46366 " pathEditMode="relative" rAng="5400000" ptsTypes="AAAAA">
                                       <p:cBhvr>
-                                        <p:cTn id="14" dur="2000" fill="hold"/>
+                                        <p:cTn id="13" dur="2000" fill="hold"/>
                                         <p:tgtEl>
                                           <p:spTgt spid="26"/>
                                         </p:tgtEl>
@@ -13620,30 +13770,21 @@
                             </p:childTnLst>
                           </p:cTn>
                         </p:par>
-                      </p:childTnLst>
-                    </p:cTn>
-                  </p:par>
-                  <p:par>
-                    <p:cTn id="15" fill="hold">
-                      <p:stCondLst>
-                        <p:cond delay="indefinite"/>
-                      </p:stCondLst>
-                      <p:childTnLst>
                         <p:par>
-                          <p:cTn id="16" fill="hold">
+                          <p:cTn id="14" fill="hold">
                             <p:stCondLst>
-                              <p:cond delay="0"/>
+                              <p:cond delay="4000"/>
                             </p:stCondLst>
                             <p:childTnLst>
                               <p:par>
-                                <p:cTn id="17" presetID="50" presetClass="path" presetSubtype="0" accel="50000" decel="50000" fill="hold" grpId="2" nodeType="clickEffect">
+                                <p:cTn id="15" presetID="50" presetClass="path" presetSubtype="0" accel="50000" decel="50000" fill="hold" grpId="2" nodeType="afterEffect">
                                   <p:stCondLst>
                                     <p:cond delay="0"/>
                                   </p:stCondLst>
                                   <p:childTnLst>
                                     <p:animMotion origin="layout" path="M -0.00013 0.4632 L 0.13321 0.4632 C 0.1931 0.4632 0.26732 0.38889 0.26732 0.3294 L 0.26732 0.19584 " pathEditMode="relative" rAng="0" ptsTypes="AAAA">
                                       <p:cBhvr>
-                                        <p:cTn id="18" dur="2000" fill="hold"/>
+                                        <p:cTn id="16" dur="2000" fill="hold"/>
                                         <p:tgtEl>
                                           <p:spTgt spid="26"/>
                                         </p:tgtEl>
@@ -13660,30 +13801,21 @@
                             </p:childTnLst>
                           </p:cTn>
                         </p:par>
-                      </p:childTnLst>
-                    </p:cTn>
-                  </p:par>
-                  <p:par>
-                    <p:cTn id="19" fill="hold">
-                      <p:stCondLst>
-                        <p:cond delay="indefinite"/>
-                      </p:stCondLst>
-                      <p:childTnLst>
                         <p:par>
-                          <p:cTn id="20" fill="hold">
+                          <p:cTn id="17" fill="hold">
                             <p:stCondLst>
-                              <p:cond delay="0"/>
+                              <p:cond delay="6000"/>
                             </p:stCondLst>
                             <p:childTnLst>
                               <p:par>
-                                <p:cTn id="21" presetID="42" presetClass="path" presetSubtype="0" accel="50000" decel="50000" fill="hold" nodeType="clickEffect">
+                                <p:cTn id="18" presetID="42" presetClass="path" presetSubtype="0" accel="50000" decel="50000" fill="hold" nodeType="afterEffect">
                                   <p:stCondLst>
                                     <p:cond delay="0"/>
                                   </p:stCondLst>
                                   <p:childTnLst>
                                     <p:animMotion origin="layout" path="M -2.91667E-6 -4.81481E-6 L 0.18959 0.00788 " pathEditMode="relative" rAng="0" ptsTypes="AA">
                                       <p:cBhvr>
-                                        <p:cTn id="22" dur="2000" fill="hold"/>
+                                        <p:cTn id="19" dur="2000" fill="hold"/>
                                         <p:tgtEl>
                                           <p:spTgt spid="18"/>
                                         </p:tgtEl>
@@ -13757,7 +13889,7 @@
           <p:cNvPr id="2" name="Titolo 1">
             <a:extLst>
               <a:ext uri="{FF2B5EF4-FFF2-40B4-BE49-F238E27FC236}">
-                <a16:creationId xmlns:a16="http://schemas.microsoft.com/office/drawing/2014/main" id="{AB6CCE8F-CCAE-413C-8787-4C7182E38D84}"/>
+                <a16:creationId xmlns:a16="http://schemas.microsoft.com/office/drawing/2014/main" xmlns="" id="{AB6CCE8F-CCAE-413C-8787-4C7182E38D84}"/>
               </a:ext>
             </a:extLst>
           </p:cNvPr>
@@ -13786,7 +13918,7 @@
           <p:cNvPr id="3" name="Segnaposto contenuto 2">
             <a:extLst>
               <a:ext uri="{FF2B5EF4-FFF2-40B4-BE49-F238E27FC236}">
-                <a16:creationId xmlns:a16="http://schemas.microsoft.com/office/drawing/2014/main" id="{5CB6C801-A2F0-4D8A-89A6-EFDB3537AF15}"/>
+                <a16:creationId xmlns:a16="http://schemas.microsoft.com/office/drawing/2014/main" xmlns="" id="{5CB6C801-A2F0-4D8A-89A6-EFDB3537AF15}"/>
               </a:ext>
             </a:extLst>
           </p:cNvPr>
@@ -13823,7 +13955,7 @@
               <a:t>BlueCoin</a:t>
             </a:r>
             <a:r>
-              <a:rPr lang="en-US" b="1" u="sng" dirty="0"/>
+              <a:rPr lang="en-US" b="1" dirty="0"/>
               <a:t> </a:t>
             </a:r>
             <a:r>
@@ -13879,7 +14011,7 @@
           <p:cNvPr id="4" name="Immagine 3">
             <a:extLst>
               <a:ext uri="{FF2B5EF4-FFF2-40B4-BE49-F238E27FC236}">
-                <a16:creationId xmlns:a16="http://schemas.microsoft.com/office/drawing/2014/main" id="{95FD8851-3D0E-4479-A1C8-AB009601179E}"/>
+                <a16:creationId xmlns:a16="http://schemas.microsoft.com/office/drawing/2014/main" xmlns="" id="{95FD8851-3D0E-4479-A1C8-AB009601179E}"/>
               </a:ext>
             </a:extLst>
           </p:cNvPr>
@@ -13908,10 +14040,15 @@
             <a:avLst/>
           </a:prstGeom>
           <a:ln w="38100">
-            <a:solidFill>
-              <a:sysClr val="windowText" lastClr="000000"/>
-            </a:solidFill>
+            <a:noFill/>
           </a:ln>
+          <a:effectLst>
+            <a:outerShdw blurRad="54991" dist="17780" dir="5400000" algn="ctr" rotWithShape="0">
+              <a:srgbClr val="000000">
+                <a:alpha val="40000"/>
+              </a:srgbClr>
+            </a:outerShdw>
+          </a:effectLst>
         </p:spPr>
       </p:pic>
     </p:spTree>
@@ -13924,6 +14061,13 @@
   <p:clrMapOvr>
     <a:masterClrMapping/>
   </p:clrMapOvr>
+  <p:timing>
+    <p:tnLst>
+      <p:par>
+        <p:cTn id="1" dur="indefinite" restart="never" nodeType="tmRoot"/>
+      </p:par>
+    </p:tnLst>
+  </p:timing>
 </p:sld>
 </file>
 

--- a/Pervasive_presentation_Milestone1_group8_lele.pptx
+++ b/Pervasive_presentation_Milestone1_group8_lele.pptx
@@ -13562,6 +13562,11 @@
             <a:avLst/>
           </a:prstGeom>
           <a:noFill/>
+          <a:ln>
+            <a:solidFill>
+              <a:schemeClr val="tx1"/>
+            </a:solidFill>
+          </a:ln>
         </p:spPr>
         <p:style>
           <a:lnRef idx="2">
